--- a/Documentation/Leo Futsal.pptx
+++ b/Documentation/Leo Futsal.pptx
@@ -2,10 +2,26 @@
 <file path=ppt/presentation.xml><?xml version="1.0" encoding="utf-8"?>
 <p:presentation xmlns:a="http://schemas.openxmlformats.org/drawingml/2006/main" xmlns:r="http://schemas.openxmlformats.org/officeDocument/2006/relationships" xmlns:p="http://schemas.openxmlformats.org/presentationml/2006/main" saveSubsetFonts="1">
   <p:sldMasterIdLst>
-    <p:sldMasterId id="2147483648" r:id="rId1"/>
+    <p:sldMasterId id="2147483742" r:id="rId1"/>
   </p:sldMasterIdLst>
   <p:sldIdLst>
     <p:sldId id="256" r:id="rId2"/>
+    <p:sldId id="257" r:id="rId3"/>
+    <p:sldId id="258" r:id="rId4"/>
+    <p:sldId id="259" r:id="rId5"/>
+    <p:sldId id="260" r:id="rId6"/>
+    <p:sldId id="261" r:id="rId7"/>
+    <p:sldId id="262" r:id="rId8"/>
+    <p:sldId id="263" r:id="rId9"/>
+    <p:sldId id="264" r:id="rId10"/>
+    <p:sldId id="265" r:id="rId11"/>
+    <p:sldId id="266" r:id="rId12"/>
+    <p:sldId id="267" r:id="rId13"/>
+    <p:sldId id="268" r:id="rId14"/>
+    <p:sldId id="269" r:id="rId15"/>
+    <p:sldId id="270" r:id="rId16"/>
+    <p:sldId id="272" r:id="rId17"/>
+    <p:sldId id="271" r:id="rId18"/>
   </p:sldIdLst>
   <p:sldSz cx="12192000" cy="6858000"/>
   <p:notesSz cx="6858000" cy="9144000"/>
@@ -104,11 +120,16 @@
       </a:defRPr>
     </a:lvl9pPr>
   </p:defaultTextStyle>
+  <p:extLst>
+    <p:ext uri="{EFAFB233-063F-42B5-8137-9DF3F51BA10A}">
+      <p15:sldGuideLst xmlns:p15="http://schemas.microsoft.com/office/powerpoint/2012/main"/>
+    </p:ext>
+  </p:extLst>
 </p:presentation>
 </file>
 
 <file path=ppt/slideLayouts/slideLayout1.xml><?xml version="1.0" encoding="utf-8"?>
-<p:sldLayout xmlns:a="http://schemas.openxmlformats.org/drawingml/2006/main" xmlns:r="http://schemas.openxmlformats.org/officeDocument/2006/relationships" xmlns:p="http://schemas.openxmlformats.org/presentationml/2006/main" type="title" preserve="1">
+<p:sldLayout xmlns:a="http://schemas.openxmlformats.org/drawingml/2006/main" xmlns:r="http://schemas.openxmlformats.org/officeDocument/2006/relationships" xmlns:p="http://schemas.openxmlformats.org/presentationml/2006/main" showMasterSp="0" type="title" preserve="1">
   <p:cSld name="Title Slide">
     <p:spTree>
       <p:nvGrpSpPr>
@@ -124,6 +145,536 @@
           <a:chExt cx="0" cy="0"/>
         </a:xfrm>
       </p:grpSpPr>
+      <p:grpSp>
+        <p:nvGrpSpPr>
+          <p:cNvPr id="7" name="Group 6"/>
+          <p:cNvGrpSpPr/>
+          <p:nvPr/>
+        </p:nvGrpSpPr>
+        <p:grpSpPr>
+          <a:xfrm>
+            <a:off x="0" y="-8467"/>
+            <a:ext cx="12192000" cy="6866467"/>
+            <a:chOff x="0" y="-8467"/>
+            <a:chExt cx="12192000" cy="6866467"/>
+          </a:xfrm>
+        </p:grpSpPr>
+        <p:cxnSp>
+          <p:nvCxnSpPr>
+            <p:cNvPr id="32" name="Straight Connector 31"/>
+            <p:cNvCxnSpPr/>
+            <p:nvPr/>
+          </p:nvCxnSpPr>
+          <p:spPr>
+            <a:xfrm>
+              <a:off x="9371012" y="0"/>
+              <a:ext cx="1219200" cy="6858000"/>
+            </a:xfrm>
+            <a:prstGeom prst="line">
+              <a:avLst/>
+            </a:prstGeom>
+            <a:ln w="9525">
+              <a:solidFill>
+                <a:schemeClr val="bg1">
+                  <a:lumMod val="75000"/>
+                </a:schemeClr>
+              </a:solidFill>
+            </a:ln>
+          </p:spPr>
+          <p:style>
+            <a:lnRef idx="2">
+              <a:schemeClr val="accent1"/>
+            </a:lnRef>
+            <a:fillRef idx="0">
+              <a:schemeClr val="accent1"/>
+            </a:fillRef>
+            <a:effectRef idx="1">
+              <a:schemeClr val="accent1"/>
+            </a:effectRef>
+            <a:fontRef idx="minor">
+              <a:schemeClr val="tx1"/>
+            </a:fontRef>
+          </p:style>
+        </p:cxnSp>
+        <p:cxnSp>
+          <p:nvCxnSpPr>
+            <p:cNvPr id="21" name="Straight Connector 20"/>
+            <p:cNvCxnSpPr/>
+            <p:nvPr/>
+          </p:nvCxnSpPr>
+          <p:spPr>
+            <a:xfrm flipH="1">
+              <a:off x="7425267" y="3681413"/>
+              <a:ext cx="4763558" cy="3176587"/>
+            </a:xfrm>
+            <a:prstGeom prst="line">
+              <a:avLst/>
+            </a:prstGeom>
+            <a:ln w="9525">
+              <a:solidFill>
+                <a:schemeClr val="bg1">
+                  <a:lumMod val="85000"/>
+                </a:schemeClr>
+              </a:solidFill>
+            </a:ln>
+          </p:spPr>
+          <p:style>
+            <a:lnRef idx="2">
+              <a:schemeClr val="accent1"/>
+            </a:lnRef>
+            <a:fillRef idx="0">
+              <a:schemeClr val="accent1"/>
+            </a:fillRef>
+            <a:effectRef idx="1">
+              <a:schemeClr val="accent1"/>
+            </a:effectRef>
+            <a:fontRef idx="minor">
+              <a:schemeClr val="tx1"/>
+            </a:fontRef>
+          </p:style>
+        </p:cxnSp>
+        <p:sp>
+          <p:nvSpPr>
+            <p:cNvPr id="24" name="Rectangle 23"/>
+            <p:cNvSpPr/>
+            <p:nvPr/>
+          </p:nvSpPr>
+          <p:spPr>
+            <a:xfrm>
+              <a:off x="9181476" y="-8467"/>
+              <a:ext cx="3007349" cy="6866467"/>
+            </a:xfrm>
+            <a:custGeom>
+              <a:avLst/>
+              <a:gdLst/>
+              <a:ahLst/>
+              <a:cxnLst/>
+              <a:rect l="l" t="t" r="r" b="b"/>
+              <a:pathLst>
+                <a:path w="3007349" h="6866467">
+                  <a:moveTo>
+                    <a:pt x="2045532" y="0"/>
+                  </a:moveTo>
+                  <a:lnTo>
+                    <a:pt x="3007349" y="0"/>
+                  </a:lnTo>
+                  <a:lnTo>
+                    <a:pt x="3007349" y="6866467"/>
+                  </a:lnTo>
+                  <a:lnTo>
+                    <a:pt x="0" y="6866467"/>
+                  </a:lnTo>
+                  <a:lnTo>
+                    <a:pt x="2045532" y="0"/>
+                  </a:lnTo>
+                  <a:close/>
+                </a:path>
+              </a:pathLst>
+            </a:custGeom>
+            <a:solidFill>
+              <a:schemeClr val="accent1">
+                <a:alpha val="30000"/>
+              </a:schemeClr>
+            </a:solidFill>
+            <a:ln>
+              <a:noFill/>
+            </a:ln>
+            <a:effectLst/>
+          </p:spPr>
+          <p:style>
+            <a:lnRef idx="1">
+              <a:schemeClr val="accent1"/>
+            </a:lnRef>
+            <a:fillRef idx="3">
+              <a:schemeClr val="accent1"/>
+            </a:fillRef>
+            <a:effectRef idx="2">
+              <a:schemeClr val="accent1"/>
+            </a:effectRef>
+            <a:fontRef idx="minor">
+              <a:schemeClr val="lt1"/>
+            </a:fontRef>
+          </p:style>
+        </p:sp>
+        <p:sp>
+          <p:nvSpPr>
+            <p:cNvPr id="26" name="Rectangle 25"/>
+            <p:cNvSpPr/>
+            <p:nvPr/>
+          </p:nvSpPr>
+          <p:spPr>
+            <a:xfrm>
+              <a:off x="9603442" y="-8467"/>
+              <a:ext cx="2588558" cy="6866467"/>
+            </a:xfrm>
+            <a:custGeom>
+              <a:avLst/>
+              <a:gdLst/>
+              <a:ahLst/>
+              <a:cxnLst/>
+              <a:rect l="l" t="t" r="r" b="b"/>
+              <a:pathLst>
+                <a:path w="2573311" h="6866467">
+                  <a:moveTo>
+                    <a:pt x="0" y="0"/>
+                  </a:moveTo>
+                  <a:lnTo>
+                    <a:pt x="2573311" y="0"/>
+                  </a:lnTo>
+                  <a:lnTo>
+                    <a:pt x="2573311" y="6866467"/>
+                  </a:lnTo>
+                  <a:lnTo>
+                    <a:pt x="1202336" y="6866467"/>
+                  </a:lnTo>
+                  <a:lnTo>
+                    <a:pt x="0" y="0"/>
+                  </a:lnTo>
+                  <a:close/>
+                </a:path>
+              </a:pathLst>
+            </a:custGeom>
+            <a:solidFill>
+              <a:schemeClr val="accent1">
+                <a:alpha val="20000"/>
+              </a:schemeClr>
+            </a:solidFill>
+            <a:ln>
+              <a:noFill/>
+            </a:ln>
+            <a:effectLst/>
+          </p:spPr>
+          <p:style>
+            <a:lnRef idx="1">
+              <a:schemeClr val="accent1"/>
+            </a:lnRef>
+            <a:fillRef idx="3">
+              <a:schemeClr val="accent1"/>
+            </a:fillRef>
+            <a:effectRef idx="2">
+              <a:schemeClr val="accent1"/>
+            </a:effectRef>
+            <a:fontRef idx="minor">
+              <a:schemeClr val="lt1"/>
+            </a:fontRef>
+          </p:style>
+        </p:sp>
+        <p:sp>
+          <p:nvSpPr>
+            <p:cNvPr id="27" name="Isosceles Triangle 26"/>
+            <p:cNvSpPr/>
+            <p:nvPr/>
+          </p:nvSpPr>
+          <p:spPr>
+            <a:xfrm>
+              <a:off x="8932333" y="3048000"/>
+              <a:ext cx="3259667" cy="3810000"/>
+            </a:xfrm>
+            <a:prstGeom prst="triangle">
+              <a:avLst>
+                <a:gd name="adj" fmla="val 100000"/>
+              </a:avLst>
+            </a:prstGeom>
+            <a:solidFill>
+              <a:schemeClr val="accent2">
+                <a:alpha val="72000"/>
+              </a:schemeClr>
+            </a:solidFill>
+            <a:ln>
+              <a:noFill/>
+            </a:ln>
+            <a:effectLst/>
+          </p:spPr>
+          <p:style>
+            <a:lnRef idx="1">
+              <a:schemeClr val="accent1"/>
+            </a:lnRef>
+            <a:fillRef idx="3">
+              <a:schemeClr val="accent1"/>
+            </a:fillRef>
+            <a:effectRef idx="2">
+              <a:schemeClr val="accent1"/>
+            </a:effectRef>
+            <a:fontRef idx="minor">
+              <a:schemeClr val="lt1"/>
+            </a:fontRef>
+          </p:style>
+        </p:sp>
+        <p:sp>
+          <p:nvSpPr>
+            <p:cNvPr id="28" name="Rectangle 27"/>
+            <p:cNvSpPr/>
+            <p:nvPr/>
+          </p:nvSpPr>
+          <p:spPr>
+            <a:xfrm>
+              <a:off x="9334500" y="-8467"/>
+              <a:ext cx="2854326" cy="6866467"/>
+            </a:xfrm>
+            <a:custGeom>
+              <a:avLst/>
+              <a:gdLst/>
+              <a:ahLst/>
+              <a:cxnLst/>
+              <a:rect l="l" t="t" r="r" b="b"/>
+              <a:pathLst>
+                <a:path w="2858013" h="6866467">
+                  <a:moveTo>
+                    <a:pt x="0" y="0"/>
+                  </a:moveTo>
+                  <a:lnTo>
+                    <a:pt x="2858013" y="0"/>
+                  </a:lnTo>
+                  <a:lnTo>
+                    <a:pt x="2858013" y="6866467"/>
+                  </a:lnTo>
+                  <a:lnTo>
+                    <a:pt x="2473942" y="6866467"/>
+                  </a:lnTo>
+                  <a:lnTo>
+                    <a:pt x="0" y="0"/>
+                  </a:lnTo>
+                  <a:close/>
+                </a:path>
+              </a:pathLst>
+            </a:custGeom>
+            <a:solidFill>
+              <a:schemeClr val="accent2">
+                <a:lumMod val="75000"/>
+                <a:alpha val="70000"/>
+              </a:schemeClr>
+            </a:solidFill>
+            <a:ln>
+              <a:noFill/>
+            </a:ln>
+            <a:effectLst/>
+          </p:spPr>
+          <p:style>
+            <a:lnRef idx="1">
+              <a:schemeClr val="accent1"/>
+            </a:lnRef>
+            <a:fillRef idx="3">
+              <a:schemeClr val="accent1"/>
+            </a:fillRef>
+            <a:effectRef idx="2">
+              <a:schemeClr val="accent1"/>
+            </a:effectRef>
+            <a:fontRef idx="minor">
+              <a:schemeClr val="lt1"/>
+            </a:fontRef>
+          </p:style>
+        </p:sp>
+        <p:sp>
+          <p:nvSpPr>
+            <p:cNvPr id="29" name="Rectangle 28"/>
+            <p:cNvSpPr/>
+            <p:nvPr/>
+          </p:nvSpPr>
+          <p:spPr>
+            <a:xfrm>
+              <a:off x="10898730" y="-8467"/>
+              <a:ext cx="1290094" cy="6866467"/>
+            </a:xfrm>
+            <a:custGeom>
+              <a:avLst/>
+              <a:gdLst/>
+              <a:ahLst/>
+              <a:cxnLst/>
+              <a:rect l="l" t="t" r="r" b="b"/>
+              <a:pathLst>
+                <a:path w="1290094" h="6858000">
+                  <a:moveTo>
+                    <a:pt x="1019735" y="0"/>
+                  </a:moveTo>
+                  <a:lnTo>
+                    <a:pt x="1290094" y="0"/>
+                  </a:lnTo>
+                  <a:lnTo>
+                    <a:pt x="1290094" y="6858000"/>
+                  </a:lnTo>
+                  <a:lnTo>
+                    <a:pt x="0" y="6858000"/>
+                  </a:lnTo>
+                  <a:lnTo>
+                    <a:pt x="1019735" y="0"/>
+                  </a:lnTo>
+                  <a:close/>
+                </a:path>
+              </a:pathLst>
+            </a:custGeom>
+            <a:solidFill>
+              <a:schemeClr val="accent1">
+                <a:lumMod val="60000"/>
+                <a:lumOff val="40000"/>
+                <a:alpha val="70000"/>
+              </a:schemeClr>
+            </a:solidFill>
+            <a:ln>
+              <a:noFill/>
+            </a:ln>
+            <a:effectLst/>
+          </p:spPr>
+          <p:style>
+            <a:lnRef idx="1">
+              <a:schemeClr val="accent1"/>
+            </a:lnRef>
+            <a:fillRef idx="3">
+              <a:schemeClr val="accent1"/>
+            </a:fillRef>
+            <a:effectRef idx="2">
+              <a:schemeClr val="accent1"/>
+            </a:effectRef>
+            <a:fontRef idx="minor">
+              <a:schemeClr val="lt1"/>
+            </a:fontRef>
+          </p:style>
+        </p:sp>
+        <p:sp>
+          <p:nvSpPr>
+            <p:cNvPr id="30" name="Rectangle 29"/>
+            <p:cNvSpPr/>
+            <p:nvPr/>
+          </p:nvSpPr>
+          <p:spPr>
+            <a:xfrm>
+              <a:off x="10938999" y="-8467"/>
+              <a:ext cx="1249825" cy="6866467"/>
+            </a:xfrm>
+            <a:custGeom>
+              <a:avLst/>
+              <a:gdLst/>
+              <a:ahLst/>
+              <a:cxnLst/>
+              <a:rect l="l" t="t" r="r" b="b"/>
+              <a:pathLst>
+                <a:path w="1249825" h="6858000">
+                  <a:moveTo>
+                    <a:pt x="0" y="0"/>
+                  </a:moveTo>
+                  <a:lnTo>
+                    <a:pt x="1249825" y="0"/>
+                  </a:lnTo>
+                  <a:lnTo>
+                    <a:pt x="1249825" y="6858000"/>
+                  </a:lnTo>
+                  <a:lnTo>
+                    <a:pt x="1109382" y="6858000"/>
+                  </a:lnTo>
+                  <a:lnTo>
+                    <a:pt x="0" y="0"/>
+                  </a:lnTo>
+                  <a:close/>
+                </a:path>
+              </a:pathLst>
+            </a:custGeom>
+            <a:solidFill>
+              <a:schemeClr val="accent1">
+                <a:alpha val="65000"/>
+              </a:schemeClr>
+            </a:solidFill>
+            <a:ln>
+              <a:noFill/>
+            </a:ln>
+            <a:effectLst/>
+          </p:spPr>
+          <p:style>
+            <a:lnRef idx="1">
+              <a:schemeClr val="accent1"/>
+            </a:lnRef>
+            <a:fillRef idx="3">
+              <a:schemeClr val="accent1"/>
+            </a:fillRef>
+            <a:effectRef idx="2">
+              <a:schemeClr val="accent1"/>
+            </a:effectRef>
+            <a:fontRef idx="minor">
+              <a:schemeClr val="lt1"/>
+            </a:fontRef>
+          </p:style>
+        </p:sp>
+        <p:sp>
+          <p:nvSpPr>
+            <p:cNvPr id="31" name="Isosceles Triangle 30"/>
+            <p:cNvSpPr/>
+            <p:nvPr/>
+          </p:nvSpPr>
+          <p:spPr>
+            <a:xfrm>
+              <a:off x="10371666" y="3589867"/>
+              <a:ext cx="1817159" cy="3268133"/>
+            </a:xfrm>
+            <a:prstGeom prst="triangle">
+              <a:avLst>
+                <a:gd name="adj" fmla="val 100000"/>
+              </a:avLst>
+            </a:prstGeom>
+            <a:solidFill>
+              <a:schemeClr val="accent1">
+                <a:alpha val="80000"/>
+              </a:schemeClr>
+            </a:solidFill>
+            <a:ln>
+              <a:noFill/>
+            </a:ln>
+            <a:effectLst/>
+          </p:spPr>
+          <p:style>
+            <a:lnRef idx="1">
+              <a:schemeClr val="accent1"/>
+            </a:lnRef>
+            <a:fillRef idx="3">
+              <a:schemeClr val="accent1"/>
+            </a:fillRef>
+            <a:effectRef idx="2">
+              <a:schemeClr val="accent1"/>
+            </a:effectRef>
+            <a:fontRef idx="minor">
+              <a:schemeClr val="lt1"/>
+            </a:fontRef>
+          </p:style>
+        </p:sp>
+        <p:sp>
+          <p:nvSpPr>
+            <p:cNvPr id="19" name="Isosceles Triangle 18"/>
+            <p:cNvSpPr/>
+            <p:nvPr/>
+          </p:nvSpPr>
+          <p:spPr>
+            <a:xfrm rot="10800000">
+              <a:off x="0" y="0"/>
+              <a:ext cx="842596" cy="5666154"/>
+            </a:xfrm>
+            <a:prstGeom prst="triangle">
+              <a:avLst>
+                <a:gd name="adj" fmla="val 100000"/>
+              </a:avLst>
+            </a:prstGeom>
+            <a:solidFill>
+              <a:schemeClr val="accent1">
+                <a:alpha val="85000"/>
+              </a:schemeClr>
+            </a:solidFill>
+            <a:ln>
+              <a:noFill/>
+            </a:ln>
+            <a:effectLst/>
+          </p:spPr>
+          <p:style>
+            <a:lnRef idx="1">
+              <a:schemeClr val="accent1"/>
+            </a:lnRef>
+            <a:fillRef idx="3">
+              <a:schemeClr val="accent1"/>
+            </a:fillRef>
+            <a:effectRef idx="2">
+              <a:schemeClr val="accent1"/>
+            </a:effectRef>
+            <a:fontRef idx="minor">
+              <a:schemeClr val="lt1"/>
+            </a:fontRef>
+          </p:style>
+        </p:sp>
+      </p:grpSp>
       <p:sp>
         <p:nvSpPr>
           <p:cNvPr id="2" name="Title 1"/>
@@ -136,15 +687,21 @@
         </p:nvSpPr>
         <p:spPr>
           <a:xfrm>
-            <a:off x="1524000" y="1122363"/>
-            <a:ext cx="9144000" cy="2387600"/>
+            <a:off x="1507067" y="2404534"/>
+            <a:ext cx="7766936" cy="1646302"/>
           </a:xfrm>
         </p:spPr>
         <p:txBody>
-          <a:bodyPr anchor="b"/>
+          <a:bodyPr anchor="b">
+            <a:noAutofit/>
+          </a:bodyPr>
           <a:lstStyle>
-            <a:lvl1pPr algn="ctr">
-              <a:defRPr sz="6000"/>
+            <a:lvl1pPr algn="r">
+              <a:defRPr sz="5400">
+                <a:solidFill>
+                  <a:schemeClr val="accent1"/>
+                </a:solidFill>
+              </a:defRPr>
             </a:lvl1pPr>
           </a:lstStyle>
           <a:p>
@@ -152,7 +709,7 @@
               <a:rPr lang="en-US" smtClean="0"/>
               <a:t>Click to edit Master title style</a:t>
             </a:r>
-            <a:endParaRPr lang="en-US"/>
+            <a:endParaRPr lang="en-US" dirty="0"/>
           </a:p>
         </p:txBody>
       </p:sp>
@@ -168,48 +725,103 @@
         </p:nvSpPr>
         <p:spPr>
           <a:xfrm>
-            <a:off x="1524000" y="3602038"/>
-            <a:ext cx="9144000" cy="1655762"/>
+            <a:off x="1507067" y="4050833"/>
+            <a:ext cx="7766936" cy="1096899"/>
           </a:xfrm>
         </p:spPr>
         <p:txBody>
-          <a:bodyPr/>
+          <a:bodyPr anchor="t"/>
           <a:lstStyle>
-            <a:lvl1pPr marL="0" indent="0" algn="ctr">
-              <a:buNone/>
-              <a:defRPr sz="2400"/>
+            <a:lvl1pPr marL="0" indent="0" algn="r">
+              <a:buNone/>
+              <a:defRPr>
+                <a:solidFill>
+                  <a:schemeClr val="tx1">
+                    <a:lumMod val="50000"/>
+                    <a:lumOff val="50000"/>
+                  </a:schemeClr>
+                </a:solidFill>
+              </a:defRPr>
             </a:lvl1pPr>
             <a:lvl2pPr marL="457200" indent="0" algn="ctr">
               <a:buNone/>
-              <a:defRPr sz="2000"/>
+              <a:defRPr>
+                <a:solidFill>
+                  <a:schemeClr val="tx1">
+                    <a:tint val="75000"/>
+                  </a:schemeClr>
+                </a:solidFill>
+              </a:defRPr>
             </a:lvl2pPr>
             <a:lvl3pPr marL="914400" indent="0" algn="ctr">
               <a:buNone/>
-              <a:defRPr sz="1800"/>
+              <a:defRPr>
+                <a:solidFill>
+                  <a:schemeClr val="tx1">
+                    <a:tint val="75000"/>
+                  </a:schemeClr>
+                </a:solidFill>
+              </a:defRPr>
             </a:lvl3pPr>
             <a:lvl4pPr marL="1371600" indent="0" algn="ctr">
               <a:buNone/>
-              <a:defRPr sz="1600"/>
+              <a:defRPr>
+                <a:solidFill>
+                  <a:schemeClr val="tx1">
+                    <a:tint val="75000"/>
+                  </a:schemeClr>
+                </a:solidFill>
+              </a:defRPr>
             </a:lvl4pPr>
             <a:lvl5pPr marL="1828800" indent="0" algn="ctr">
               <a:buNone/>
-              <a:defRPr sz="1600"/>
+              <a:defRPr>
+                <a:solidFill>
+                  <a:schemeClr val="tx1">
+                    <a:tint val="75000"/>
+                  </a:schemeClr>
+                </a:solidFill>
+              </a:defRPr>
             </a:lvl5pPr>
             <a:lvl6pPr marL="2286000" indent="0" algn="ctr">
               <a:buNone/>
-              <a:defRPr sz="1600"/>
+              <a:defRPr>
+                <a:solidFill>
+                  <a:schemeClr val="tx1">
+                    <a:tint val="75000"/>
+                  </a:schemeClr>
+                </a:solidFill>
+              </a:defRPr>
             </a:lvl6pPr>
             <a:lvl7pPr marL="2743200" indent="0" algn="ctr">
               <a:buNone/>
-              <a:defRPr sz="1600"/>
+              <a:defRPr>
+                <a:solidFill>
+                  <a:schemeClr val="tx1">
+                    <a:tint val="75000"/>
+                  </a:schemeClr>
+                </a:solidFill>
+              </a:defRPr>
             </a:lvl7pPr>
             <a:lvl8pPr marL="3200400" indent="0" algn="ctr">
               <a:buNone/>
-              <a:defRPr sz="1600"/>
+              <a:defRPr>
+                <a:solidFill>
+                  <a:schemeClr val="tx1">
+                    <a:tint val="75000"/>
+                  </a:schemeClr>
+                </a:solidFill>
+              </a:defRPr>
             </a:lvl8pPr>
             <a:lvl9pPr marL="3657600" indent="0" algn="ctr">
               <a:buNone/>
-              <a:defRPr sz="1600"/>
+              <a:defRPr>
+                <a:solidFill>
+                  <a:schemeClr val="tx1">
+                    <a:tint val="75000"/>
+                  </a:schemeClr>
+                </a:solidFill>
+              </a:defRPr>
             </a:lvl9pPr>
           </a:lstStyle>
           <a:p>
@@ -217,7 +829,7 @@
               <a:rPr lang="en-US" smtClean="0"/>
               <a:t>Click to edit Master subtitle style</a:t>
             </a:r>
-            <a:endParaRPr lang="en-US"/>
+            <a:endParaRPr lang="en-US" dirty="0"/>
           </a:p>
         </p:txBody>
       </p:sp>
@@ -289,7 +901,7 @@
     </p:spTree>
     <p:extLst>
       <p:ext uri="{BB962C8B-B14F-4D97-AF65-F5344CB8AC3E}">
-        <p14:creationId xmlns:p14="http://schemas.microsoft.com/office/powerpoint/2010/main" val="2264074999"/>
+        <p14:creationId xmlns:p14="http://schemas.microsoft.com/office/powerpoint/2010/main" val="4041604791"/>
       </p:ext>
     </p:extLst>
   </p:cSld>
@@ -300,6 +912,1619 @@
 </file>
 
 <file path=ppt/slideLayouts/slideLayout10.xml><?xml version="1.0" encoding="utf-8"?>
+<p:sldLayout xmlns:a="http://schemas.openxmlformats.org/drawingml/2006/main" xmlns:r="http://schemas.openxmlformats.org/officeDocument/2006/relationships" xmlns:p="http://schemas.openxmlformats.org/presentationml/2006/main" preserve="1">
+  <p:cSld name="Title and Caption">
+    <p:spTree>
+      <p:nvGrpSpPr>
+        <p:cNvPr id="1" name=""/>
+        <p:cNvGrpSpPr/>
+        <p:nvPr/>
+      </p:nvGrpSpPr>
+      <p:grpSpPr>
+        <a:xfrm>
+          <a:off x="0" y="0"/>
+          <a:ext cx="0" cy="0"/>
+          <a:chOff x="0" y="0"/>
+          <a:chExt cx="0" cy="0"/>
+        </a:xfrm>
+      </p:grpSpPr>
+      <p:sp>
+        <p:nvSpPr>
+          <p:cNvPr id="2" name="Title 1"/>
+          <p:cNvSpPr>
+            <a:spLocks noGrp="1"/>
+          </p:cNvSpPr>
+          <p:nvPr>
+            <p:ph type="title"/>
+          </p:nvPr>
+        </p:nvSpPr>
+        <p:spPr>
+          <a:xfrm>
+            <a:off x="677335" y="609600"/>
+            <a:ext cx="8596668" cy="3403600"/>
+          </a:xfrm>
+        </p:spPr>
+        <p:txBody>
+          <a:bodyPr anchor="ctr">
+            <a:normAutofit/>
+          </a:bodyPr>
+          <a:lstStyle>
+            <a:lvl1pPr algn="l">
+              <a:defRPr sz="4400" b="0" cap="none"/>
+            </a:lvl1pPr>
+          </a:lstStyle>
+          <a:p>
+            <a:r>
+              <a:rPr lang="en-US" smtClean="0"/>
+              <a:t>Click to edit Master title style</a:t>
+            </a:r>
+            <a:endParaRPr lang="en-US" dirty="0"/>
+          </a:p>
+        </p:txBody>
+      </p:sp>
+      <p:sp>
+        <p:nvSpPr>
+          <p:cNvPr id="3" name="Text Placeholder 2"/>
+          <p:cNvSpPr>
+            <a:spLocks noGrp="1"/>
+          </p:cNvSpPr>
+          <p:nvPr>
+            <p:ph type="body" idx="1"/>
+          </p:nvPr>
+        </p:nvSpPr>
+        <p:spPr>
+          <a:xfrm>
+            <a:off x="677335" y="4470400"/>
+            <a:ext cx="8596668" cy="1570962"/>
+          </a:xfrm>
+        </p:spPr>
+        <p:txBody>
+          <a:bodyPr anchor="ctr">
+            <a:normAutofit/>
+          </a:bodyPr>
+          <a:lstStyle>
+            <a:lvl1pPr marL="0" indent="0" algn="l">
+              <a:buNone/>
+              <a:defRPr sz="1800">
+                <a:solidFill>
+                  <a:schemeClr val="tx1">
+                    <a:lumMod val="75000"/>
+                    <a:lumOff val="25000"/>
+                  </a:schemeClr>
+                </a:solidFill>
+              </a:defRPr>
+            </a:lvl1pPr>
+            <a:lvl2pPr marL="457200" indent="0">
+              <a:buNone/>
+              <a:defRPr sz="1800">
+                <a:solidFill>
+                  <a:schemeClr val="tx1">
+                    <a:tint val="75000"/>
+                  </a:schemeClr>
+                </a:solidFill>
+              </a:defRPr>
+            </a:lvl2pPr>
+            <a:lvl3pPr marL="914400" indent="0">
+              <a:buNone/>
+              <a:defRPr sz="1600">
+                <a:solidFill>
+                  <a:schemeClr val="tx1">
+                    <a:tint val="75000"/>
+                  </a:schemeClr>
+                </a:solidFill>
+              </a:defRPr>
+            </a:lvl3pPr>
+            <a:lvl4pPr marL="1371600" indent="0">
+              <a:buNone/>
+              <a:defRPr sz="1400">
+                <a:solidFill>
+                  <a:schemeClr val="tx1">
+                    <a:tint val="75000"/>
+                  </a:schemeClr>
+                </a:solidFill>
+              </a:defRPr>
+            </a:lvl4pPr>
+            <a:lvl5pPr marL="1828800" indent="0">
+              <a:buNone/>
+              <a:defRPr sz="1400">
+                <a:solidFill>
+                  <a:schemeClr val="tx1">
+                    <a:tint val="75000"/>
+                  </a:schemeClr>
+                </a:solidFill>
+              </a:defRPr>
+            </a:lvl5pPr>
+            <a:lvl6pPr marL="2286000" indent="0">
+              <a:buNone/>
+              <a:defRPr sz="1400">
+                <a:solidFill>
+                  <a:schemeClr val="tx1">
+                    <a:tint val="75000"/>
+                  </a:schemeClr>
+                </a:solidFill>
+              </a:defRPr>
+            </a:lvl6pPr>
+            <a:lvl7pPr marL="2743200" indent="0">
+              <a:buNone/>
+              <a:defRPr sz="1400">
+                <a:solidFill>
+                  <a:schemeClr val="tx1">
+                    <a:tint val="75000"/>
+                  </a:schemeClr>
+                </a:solidFill>
+              </a:defRPr>
+            </a:lvl7pPr>
+            <a:lvl8pPr marL="3200400" indent="0">
+              <a:buNone/>
+              <a:defRPr sz="1400">
+                <a:solidFill>
+                  <a:schemeClr val="tx1">
+                    <a:tint val="75000"/>
+                  </a:schemeClr>
+                </a:solidFill>
+              </a:defRPr>
+            </a:lvl8pPr>
+            <a:lvl9pPr marL="3657600" indent="0">
+              <a:buNone/>
+              <a:defRPr sz="1400">
+                <a:solidFill>
+                  <a:schemeClr val="tx1">
+                    <a:tint val="75000"/>
+                  </a:schemeClr>
+                </a:solidFill>
+              </a:defRPr>
+            </a:lvl9pPr>
+          </a:lstStyle>
+          <a:p>
+            <a:pPr lvl="0"/>
+            <a:r>
+              <a:rPr lang="en-US" smtClean="0"/>
+              <a:t>Edit Master text styles</a:t>
+            </a:r>
+          </a:p>
+        </p:txBody>
+      </p:sp>
+      <p:sp>
+        <p:nvSpPr>
+          <p:cNvPr id="4" name="Date Placeholder 3"/>
+          <p:cNvSpPr>
+            <a:spLocks noGrp="1"/>
+          </p:cNvSpPr>
+          <p:nvPr>
+            <p:ph type="dt" sz="half" idx="10"/>
+          </p:nvPr>
+        </p:nvSpPr>
+        <p:spPr/>
+        <p:txBody>
+          <a:bodyPr/>
+          <a:lstStyle/>
+          <a:p>
+            <a:fld id="{3B23D399-D7CD-457B-A2A6-B6CA86A2F7FF}" type="datetimeFigureOut">
+              <a:rPr lang="en-US" smtClean="0"/>
+              <a:t>6/30/2024</a:t>
+            </a:fld>
+            <a:endParaRPr lang="en-US"/>
+          </a:p>
+        </p:txBody>
+      </p:sp>
+      <p:sp>
+        <p:nvSpPr>
+          <p:cNvPr id="5" name="Footer Placeholder 4"/>
+          <p:cNvSpPr>
+            <a:spLocks noGrp="1"/>
+          </p:cNvSpPr>
+          <p:nvPr>
+            <p:ph type="ftr" sz="quarter" idx="11"/>
+          </p:nvPr>
+        </p:nvSpPr>
+        <p:spPr/>
+        <p:txBody>
+          <a:bodyPr/>
+          <a:lstStyle/>
+          <a:p>
+            <a:endParaRPr lang="en-US"/>
+          </a:p>
+        </p:txBody>
+      </p:sp>
+      <p:sp>
+        <p:nvSpPr>
+          <p:cNvPr id="6" name="Slide Number Placeholder 5"/>
+          <p:cNvSpPr>
+            <a:spLocks noGrp="1"/>
+          </p:cNvSpPr>
+          <p:nvPr>
+            <p:ph type="sldNum" sz="quarter" idx="12"/>
+          </p:nvPr>
+        </p:nvSpPr>
+        <p:spPr/>
+        <p:txBody>
+          <a:bodyPr/>
+          <a:lstStyle/>
+          <a:p>
+            <a:fld id="{7F909DBA-0C4D-4A83-B375-804A007AEAE8}" type="slidenum">
+              <a:rPr lang="en-US" smtClean="0"/>
+              <a:t>‹#›</a:t>
+            </a:fld>
+            <a:endParaRPr lang="en-US"/>
+          </a:p>
+        </p:txBody>
+      </p:sp>
+    </p:spTree>
+    <p:extLst>
+      <p:ext uri="{BB962C8B-B14F-4D97-AF65-F5344CB8AC3E}">
+        <p14:creationId xmlns:p14="http://schemas.microsoft.com/office/powerpoint/2010/main" val="2032549630"/>
+      </p:ext>
+    </p:extLst>
+  </p:cSld>
+  <p:clrMapOvr>
+    <a:masterClrMapping/>
+  </p:clrMapOvr>
+</p:sldLayout>
+</file>
+
+<file path=ppt/slideLayouts/slideLayout11.xml><?xml version="1.0" encoding="utf-8"?>
+<p:sldLayout xmlns:a="http://schemas.openxmlformats.org/drawingml/2006/main" xmlns:r="http://schemas.openxmlformats.org/officeDocument/2006/relationships" xmlns:p="http://schemas.openxmlformats.org/presentationml/2006/main" preserve="1">
+  <p:cSld name="Quote with Caption">
+    <p:spTree>
+      <p:nvGrpSpPr>
+        <p:cNvPr id="1" name=""/>
+        <p:cNvGrpSpPr/>
+        <p:nvPr/>
+      </p:nvGrpSpPr>
+      <p:grpSpPr>
+        <a:xfrm>
+          <a:off x="0" y="0"/>
+          <a:ext cx="0" cy="0"/>
+          <a:chOff x="0" y="0"/>
+          <a:chExt cx="0" cy="0"/>
+        </a:xfrm>
+      </p:grpSpPr>
+      <p:sp>
+        <p:nvSpPr>
+          <p:cNvPr id="2" name="Title 1"/>
+          <p:cNvSpPr>
+            <a:spLocks noGrp="1"/>
+          </p:cNvSpPr>
+          <p:nvPr>
+            <p:ph type="title"/>
+          </p:nvPr>
+        </p:nvSpPr>
+        <p:spPr>
+          <a:xfrm>
+            <a:off x="931334" y="609600"/>
+            <a:ext cx="8094134" cy="3022600"/>
+          </a:xfrm>
+        </p:spPr>
+        <p:txBody>
+          <a:bodyPr anchor="ctr">
+            <a:normAutofit/>
+          </a:bodyPr>
+          <a:lstStyle>
+            <a:lvl1pPr algn="l">
+              <a:defRPr sz="4400" b="0" cap="none"/>
+            </a:lvl1pPr>
+          </a:lstStyle>
+          <a:p>
+            <a:r>
+              <a:rPr lang="en-US" smtClean="0"/>
+              <a:t>Click to edit Master title style</a:t>
+            </a:r>
+            <a:endParaRPr lang="en-US" dirty="0"/>
+          </a:p>
+        </p:txBody>
+      </p:sp>
+      <p:sp>
+        <p:nvSpPr>
+          <p:cNvPr id="23" name="Text Placeholder 9"/>
+          <p:cNvSpPr>
+            <a:spLocks noGrp="1"/>
+          </p:cNvSpPr>
+          <p:nvPr>
+            <p:ph type="body" sz="quarter" idx="13"/>
+          </p:nvPr>
+        </p:nvSpPr>
+        <p:spPr>
+          <a:xfrm>
+            <a:off x="1366139" y="3632200"/>
+            <a:ext cx="7224524" cy="381000"/>
+          </a:xfrm>
+        </p:spPr>
+        <p:txBody>
+          <a:bodyPr anchor="ctr">
+            <a:noAutofit/>
+          </a:bodyPr>
+          <a:lstStyle>
+            <a:lvl1pPr marL="0" indent="0">
+              <a:buFontTx/>
+              <a:buNone/>
+              <a:defRPr sz="1600">
+                <a:solidFill>
+                  <a:schemeClr val="tx1">
+                    <a:lumMod val="50000"/>
+                    <a:lumOff val="50000"/>
+                  </a:schemeClr>
+                </a:solidFill>
+              </a:defRPr>
+            </a:lvl1pPr>
+            <a:lvl2pPr marL="457200" indent="0">
+              <a:buFontTx/>
+              <a:buNone/>
+              <a:defRPr/>
+            </a:lvl2pPr>
+            <a:lvl3pPr marL="914400" indent="0">
+              <a:buFontTx/>
+              <a:buNone/>
+              <a:defRPr/>
+            </a:lvl3pPr>
+            <a:lvl4pPr marL="1371600" indent="0">
+              <a:buFontTx/>
+              <a:buNone/>
+              <a:defRPr/>
+            </a:lvl4pPr>
+            <a:lvl5pPr marL="1828800" indent="0">
+              <a:buFontTx/>
+              <a:buNone/>
+              <a:defRPr/>
+            </a:lvl5pPr>
+          </a:lstStyle>
+          <a:p>
+            <a:pPr lvl="0"/>
+            <a:r>
+              <a:rPr lang="en-US" smtClean="0"/>
+              <a:t>Edit Master text styles</a:t>
+            </a:r>
+          </a:p>
+        </p:txBody>
+      </p:sp>
+      <p:sp>
+        <p:nvSpPr>
+          <p:cNvPr id="3" name="Text Placeholder 2"/>
+          <p:cNvSpPr>
+            <a:spLocks noGrp="1"/>
+          </p:cNvSpPr>
+          <p:nvPr>
+            <p:ph type="body" idx="1"/>
+          </p:nvPr>
+        </p:nvSpPr>
+        <p:spPr>
+          <a:xfrm>
+            <a:off x="677335" y="4470400"/>
+            <a:ext cx="8596668" cy="1570962"/>
+          </a:xfrm>
+        </p:spPr>
+        <p:txBody>
+          <a:bodyPr anchor="ctr">
+            <a:normAutofit/>
+          </a:bodyPr>
+          <a:lstStyle>
+            <a:lvl1pPr marL="0" indent="0" algn="l">
+              <a:buNone/>
+              <a:defRPr sz="1800">
+                <a:solidFill>
+                  <a:schemeClr val="tx1">
+                    <a:lumMod val="75000"/>
+                    <a:lumOff val="25000"/>
+                  </a:schemeClr>
+                </a:solidFill>
+              </a:defRPr>
+            </a:lvl1pPr>
+            <a:lvl2pPr marL="457200" indent="0">
+              <a:buNone/>
+              <a:defRPr sz="1800">
+                <a:solidFill>
+                  <a:schemeClr val="tx1">
+                    <a:tint val="75000"/>
+                  </a:schemeClr>
+                </a:solidFill>
+              </a:defRPr>
+            </a:lvl2pPr>
+            <a:lvl3pPr marL="914400" indent="0">
+              <a:buNone/>
+              <a:defRPr sz="1600">
+                <a:solidFill>
+                  <a:schemeClr val="tx1">
+                    <a:tint val="75000"/>
+                  </a:schemeClr>
+                </a:solidFill>
+              </a:defRPr>
+            </a:lvl3pPr>
+            <a:lvl4pPr marL="1371600" indent="0">
+              <a:buNone/>
+              <a:defRPr sz="1400">
+                <a:solidFill>
+                  <a:schemeClr val="tx1">
+                    <a:tint val="75000"/>
+                  </a:schemeClr>
+                </a:solidFill>
+              </a:defRPr>
+            </a:lvl4pPr>
+            <a:lvl5pPr marL="1828800" indent="0">
+              <a:buNone/>
+              <a:defRPr sz="1400">
+                <a:solidFill>
+                  <a:schemeClr val="tx1">
+                    <a:tint val="75000"/>
+                  </a:schemeClr>
+                </a:solidFill>
+              </a:defRPr>
+            </a:lvl5pPr>
+            <a:lvl6pPr marL="2286000" indent="0">
+              <a:buNone/>
+              <a:defRPr sz="1400">
+                <a:solidFill>
+                  <a:schemeClr val="tx1">
+                    <a:tint val="75000"/>
+                  </a:schemeClr>
+                </a:solidFill>
+              </a:defRPr>
+            </a:lvl6pPr>
+            <a:lvl7pPr marL="2743200" indent="0">
+              <a:buNone/>
+              <a:defRPr sz="1400">
+                <a:solidFill>
+                  <a:schemeClr val="tx1">
+                    <a:tint val="75000"/>
+                  </a:schemeClr>
+                </a:solidFill>
+              </a:defRPr>
+            </a:lvl7pPr>
+            <a:lvl8pPr marL="3200400" indent="0">
+              <a:buNone/>
+              <a:defRPr sz="1400">
+                <a:solidFill>
+                  <a:schemeClr val="tx1">
+                    <a:tint val="75000"/>
+                  </a:schemeClr>
+                </a:solidFill>
+              </a:defRPr>
+            </a:lvl8pPr>
+            <a:lvl9pPr marL="3657600" indent="0">
+              <a:buNone/>
+              <a:defRPr sz="1400">
+                <a:solidFill>
+                  <a:schemeClr val="tx1">
+                    <a:tint val="75000"/>
+                  </a:schemeClr>
+                </a:solidFill>
+              </a:defRPr>
+            </a:lvl9pPr>
+          </a:lstStyle>
+          <a:p>
+            <a:pPr lvl="0"/>
+            <a:r>
+              <a:rPr lang="en-US" smtClean="0"/>
+              <a:t>Edit Master text styles</a:t>
+            </a:r>
+          </a:p>
+        </p:txBody>
+      </p:sp>
+      <p:sp>
+        <p:nvSpPr>
+          <p:cNvPr id="4" name="Date Placeholder 3"/>
+          <p:cNvSpPr>
+            <a:spLocks noGrp="1"/>
+          </p:cNvSpPr>
+          <p:nvPr>
+            <p:ph type="dt" sz="half" idx="10"/>
+          </p:nvPr>
+        </p:nvSpPr>
+        <p:spPr/>
+        <p:txBody>
+          <a:bodyPr/>
+          <a:lstStyle/>
+          <a:p>
+            <a:fld id="{3B23D399-D7CD-457B-A2A6-B6CA86A2F7FF}" type="datetimeFigureOut">
+              <a:rPr lang="en-US" smtClean="0"/>
+              <a:t>6/30/2024</a:t>
+            </a:fld>
+            <a:endParaRPr lang="en-US"/>
+          </a:p>
+        </p:txBody>
+      </p:sp>
+      <p:sp>
+        <p:nvSpPr>
+          <p:cNvPr id="5" name="Footer Placeholder 4"/>
+          <p:cNvSpPr>
+            <a:spLocks noGrp="1"/>
+          </p:cNvSpPr>
+          <p:nvPr>
+            <p:ph type="ftr" sz="quarter" idx="11"/>
+          </p:nvPr>
+        </p:nvSpPr>
+        <p:spPr/>
+        <p:txBody>
+          <a:bodyPr/>
+          <a:lstStyle/>
+          <a:p>
+            <a:endParaRPr lang="en-US"/>
+          </a:p>
+        </p:txBody>
+      </p:sp>
+      <p:sp>
+        <p:nvSpPr>
+          <p:cNvPr id="6" name="Slide Number Placeholder 5"/>
+          <p:cNvSpPr>
+            <a:spLocks noGrp="1"/>
+          </p:cNvSpPr>
+          <p:nvPr>
+            <p:ph type="sldNum" sz="quarter" idx="12"/>
+          </p:nvPr>
+        </p:nvSpPr>
+        <p:spPr/>
+        <p:txBody>
+          <a:bodyPr/>
+          <a:lstStyle/>
+          <a:p>
+            <a:fld id="{7F909DBA-0C4D-4A83-B375-804A007AEAE8}" type="slidenum">
+              <a:rPr lang="en-US" smtClean="0"/>
+              <a:t>‹#›</a:t>
+            </a:fld>
+            <a:endParaRPr lang="en-US"/>
+          </a:p>
+        </p:txBody>
+      </p:sp>
+      <p:sp>
+        <p:nvSpPr>
+          <p:cNvPr id="20" name="TextBox 19"/>
+          <p:cNvSpPr txBox="1"/>
+          <p:nvPr/>
+        </p:nvSpPr>
+        <p:spPr>
+          <a:xfrm>
+            <a:off x="541870" y="790378"/>
+            <a:ext cx="609600" cy="584776"/>
+          </a:xfrm>
+          <a:prstGeom prst="rect">
+            <a:avLst/>
+          </a:prstGeom>
+        </p:spPr>
+        <p:txBody>
+          <a:bodyPr vert="horz" lIns="91440" tIns="45720" rIns="91440" bIns="45720" rtlCol="0" anchor="ctr">
+            <a:noAutofit/>
+          </a:bodyPr>
+          <a:lstStyle/>
+          <a:p>
+            <a:pPr lvl="0"/>
+            <a:r>
+              <a:rPr lang="en-US" sz="8000" baseline="0" dirty="0">
+                <a:ln w="3175" cmpd="sng">
+                  <a:noFill/>
+                </a:ln>
+                <a:solidFill>
+                  <a:schemeClr val="accent1">
+                    <a:lumMod val="60000"/>
+                    <a:lumOff val="40000"/>
+                  </a:schemeClr>
+                </a:solidFill>
+                <a:effectLst/>
+                <a:latin typeface="Arial"/>
+              </a:rPr>
+              <a:t>“</a:t>
+            </a:r>
+          </a:p>
+        </p:txBody>
+      </p:sp>
+      <p:sp>
+        <p:nvSpPr>
+          <p:cNvPr id="22" name="TextBox 21"/>
+          <p:cNvSpPr txBox="1"/>
+          <p:nvPr/>
+        </p:nvSpPr>
+        <p:spPr>
+          <a:xfrm>
+            <a:off x="8893011" y="2886556"/>
+            <a:ext cx="609600" cy="584776"/>
+          </a:xfrm>
+          <a:prstGeom prst="rect">
+            <a:avLst/>
+          </a:prstGeom>
+        </p:spPr>
+        <p:txBody>
+          <a:bodyPr vert="horz" lIns="91440" tIns="45720" rIns="91440" bIns="45720" rtlCol="0" anchor="ctr">
+            <a:noAutofit/>
+          </a:bodyPr>
+          <a:lstStyle/>
+          <a:p>
+            <a:pPr lvl="0"/>
+            <a:r>
+              <a:rPr lang="en-US" sz="8000" baseline="0" dirty="0">
+                <a:ln w="3175" cmpd="sng">
+                  <a:noFill/>
+                </a:ln>
+                <a:solidFill>
+                  <a:schemeClr val="accent1">
+                    <a:lumMod val="60000"/>
+                    <a:lumOff val="40000"/>
+                  </a:schemeClr>
+                </a:solidFill>
+                <a:latin typeface="Arial"/>
+              </a:rPr>
+              <a:t>”</a:t>
+            </a:r>
+            <a:endParaRPr lang="en-US" dirty="0">
+              <a:solidFill>
+                <a:schemeClr val="accent1">
+                  <a:lumMod val="60000"/>
+                  <a:lumOff val="40000"/>
+                </a:schemeClr>
+              </a:solidFill>
+              <a:latin typeface="Arial"/>
+            </a:endParaRPr>
+          </a:p>
+        </p:txBody>
+      </p:sp>
+    </p:spTree>
+    <p:extLst>
+      <p:ext uri="{BB962C8B-B14F-4D97-AF65-F5344CB8AC3E}">
+        <p14:creationId xmlns:p14="http://schemas.microsoft.com/office/powerpoint/2010/main" val="2331287209"/>
+      </p:ext>
+    </p:extLst>
+  </p:cSld>
+  <p:clrMapOvr>
+    <a:masterClrMapping/>
+  </p:clrMapOvr>
+</p:sldLayout>
+</file>
+
+<file path=ppt/slideLayouts/slideLayout12.xml><?xml version="1.0" encoding="utf-8"?>
+<p:sldLayout xmlns:a="http://schemas.openxmlformats.org/drawingml/2006/main" xmlns:r="http://schemas.openxmlformats.org/officeDocument/2006/relationships" xmlns:p="http://schemas.openxmlformats.org/presentationml/2006/main" preserve="1">
+  <p:cSld name="Name Card">
+    <p:spTree>
+      <p:nvGrpSpPr>
+        <p:cNvPr id="1" name=""/>
+        <p:cNvGrpSpPr/>
+        <p:nvPr/>
+      </p:nvGrpSpPr>
+      <p:grpSpPr>
+        <a:xfrm>
+          <a:off x="0" y="0"/>
+          <a:ext cx="0" cy="0"/>
+          <a:chOff x="0" y="0"/>
+          <a:chExt cx="0" cy="0"/>
+        </a:xfrm>
+      </p:grpSpPr>
+      <p:sp>
+        <p:nvSpPr>
+          <p:cNvPr id="2" name="Title 1"/>
+          <p:cNvSpPr>
+            <a:spLocks noGrp="1"/>
+          </p:cNvSpPr>
+          <p:nvPr>
+            <p:ph type="title"/>
+          </p:nvPr>
+        </p:nvSpPr>
+        <p:spPr>
+          <a:xfrm>
+            <a:off x="677335" y="1931988"/>
+            <a:ext cx="8596668" cy="2595460"/>
+          </a:xfrm>
+        </p:spPr>
+        <p:txBody>
+          <a:bodyPr anchor="b">
+            <a:normAutofit/>
+          </a:bodyPr>
+          <a:lstStyle>
+            <a:lvl1pPr algn="l">
+              <a:defRPr sz="4400" b="0" cap="none"/>
+            </a:lvl1pPr>
+          </a:lstStyle>
+          <a:p>
+            <a:r>
+              <a:rPr lang="en-US" smtClean="0"/>
+              <a:t>Click to edit Master title style</a:t>
+            </a:r>
+            <a:endParaRPr lang="en-US" dirty="0"/>
+          </a:p>
+        </p:txBody>
+      </p:sp>
+      <p:sp>
+        <p:nvSpPr>
+          <p:cNvPr id="3" name="Text Placeholder 2"/>
+          <p:cNvSpPr>
+            <a:spLocks noGrp="1"/>
+          </p:cNvSpPr>
+          <p:nvPr>
+            <p:ph type="body" idx="1"/>
+          </p:nvPr>
+        </p:nvSpPr>
+        <p:spPr>
+          <a:xfrm>
+            <a:off x="677335" y="4527448"/>
+            <a:ext cx="8596668" cy="1513914"/>
+          </a:xfrm>
+        </p:spPr>
+        <p:txBody>
+          <a:bodyPr anchor="t">
+            <a:normAutofit/>
+          </a:bodyPr>
+          <a:lstStyle>
+            <a:lvl1pPr marL="0" indent="0" algn="l">
+              <a:buNone/>
+              <a:defRPr sz="1800">
+                <a:solidFill>
+                  <a:schemeClr val="tx1">
+                    <a:lumMod val="75000"/>
+                    <a:lumOff val="25000"/>
+                  </a:schemeClr>
+                </a:solidFill>
+              </a:defRPr>
+            </a:lvl1pPr>
+            <a:lvl2pPr marL="457200" indent="0">
+              <a:buNone/>
+              <a:defRPr sz="1800">
+                <a:solidFill>
+                  <a:schemeClr val="tx1">
+                    <a:tint val="75000"/>
+                  </a:schemeClr>
+                </a:solidFill>
+              </a:defRPr>
+            </a:lvl2pPr>
+            <a:lvl3pPr marL="914400" indent="0">
+              <a:buNone/>
+              <a:defRPr sz="1600">
+                <a:solidFill>
+                  <a:schemeClr val="tx1">
+                    <a:tint val="75000"/>
+                  </a:schemeClr>
+                </a:solidFill>
+              </a:defRPr>
+            </a:lvl3pPr>
+            <a:lvl4pPr marL="1371600" indent="0">
+              <a:buNone/>
+              <a:defRPr sz="1400">
+                <a:solidFill>
+                  <a:schemeClr val="tx1">
+                    <a:tint val="75000"/>
+                  </a:schemeClr>
+                </a:solidFill>
+              </a:defRPr>
+            </a:lvl4pPr>
+            <a:lvl5pPr marL="1828800" indent="0">
+              <a:buNone/>
+              <a:defRPr sz="1400">
+                <a:solidFill>
+                  <a:schemeClr val="tx1">
+                    <a:tint val="75000"/>
+                  </a:schemeClr>
+                </a:solidFill>
+              </a:defRPr>
+            </a:lvl5pPr>
+            <a:lvl6pPr marL="2286000" indent="0">
+              <a:buNone/>
+              <a:defRPr sz="1400">
+                <a:solidFill>
+                  <a:schemeClr val="tx1">
+                    <a:tint val="75000"/>
+                  </a:schemeClr>
+                </a:solidFill>
+              </a:defRPr>
+            </a:lvl6pPr>
+            <a:lvl7pPr marL="2743200" indent="0">
+              <a:buNone/>
+              <a:defRPr sz="1400">
+                <a:solidFill>
+                  <a:schemeClr val="tx1">
+                    <a:tint val="75000"/>
+                  </a:schemeClr>
+                </a:solidFill>
+              </a:defRPr>
+            </a:lvl7pPr>
+            <a:lvl8pPr marL="3200400" indent="0">
+              <a:buNone/>
+              <a:defRPr sz="1400">
+                <a:solidFill>
+                  <a:schemeClr val="tx1">
+                    <a:tint val="75000"/>
+                  </a:schemeClr>
+                </a:solidFill>
+              </a:defRPr>
+            </a:lvl8pPr>
+            <a:lvl9pPr marL="3657600" indent="0">
+              <a:buNone/>
+              <a:defRPr sz="1400">
+                <a:solidFill>
+                  <a:schemeClr val="tx1">
+                    <a:tint val="75000"/>
+                  </a:schemeClr>
+                </a:solidFill>
+              </a:defRPr>
+            </a:lvl9pPr>
+          </a:lstStyle>
+          <a:p>
+            <a:pPr lvl="0"/>
+            <a:r>
+              <a:rPr lang="en-US" smtClean="0"/>
+              <a:t>Edit Master text styles</a:t>
+            </a:r>
+          </a:p>
+        </p:txBody>
+      </p:sp>
+      <p:sp>
+        <p:nvSpPr>
+          <p:cNvPr id="4" name="Date Placeholder 3"/>
+          <p:cNvSpPr>
+            <a:spLocks noGrp="1"/>
+          </p:cNvSpPr>
+          <p:nvPr>
+            <p:ph type="dt" sz="half" idx="10"/>
+          </p:nvPr>
+        </p:nvSpPr>
+        <p:spPr/>
+        <p:txBody>
+          <a:bodyPr/>
+          <a:lstStyle/>
+          <a:p>
+            <a:fld id="{3B23D399-D7CD-457B-A2A6-B6CA86A2F7FF}" type="datetimeFigureOut">
+              <a:rPr lang="en-US" smtClean="0"/>
+              <a:t>6/30/2024</a:t>
+            </a:fld>
+            <a:endParaRPr lang="en-US"/>
+          </a:p>
+        </p:txBody>
+      </p:sp>
+      <p:sp>
+        <p:nvSpPr>
+          <p:cNvPr id="5" name="Footer Placeholder 4"/>
+          <p:cNvSpPr>
+            <a:spLocks noGrp="1"/>
+          </p:cNvSpPr>
+          <p:nvPr>
+            <p:ph type="ftr" sz="quarter" idx="11"/>
+          </p:nvPr>
+        </p:nvSpPr>
+        <p:spPr/>
+        <p:txBody>
+          <a:bodyPr/>
+          <a:lstStyle/>
+          <a:p>
+            <a:endParaRPr lang="en-US"/>
+          </a:p>
+        </p:txBody>
+      </p:sp>
+      <p:sp>
+        <p:nvSpPr>
+          <p:cNvPr id="6" name="Slide Number Placeholder 5"/>
+          <p:cNvSpPr>
+            <a:spLocks noGrp="1"/>
+          </p:cNvSpPr>
+          <p:nvPr>
+            <p:ph type="sldNum" sz="quarter" idx="12"/>
+          </p:nvPr>
+        </p:nvSpPr>
+        <p:spPr/>
+        <p:txBody>
+          <a:bodyPr/>
+          <a:lstStyle/>
+          <a:p>
+            <a:fld id="{7F909DBA-0C4D-4A83-B375-804A007AEAE8}" type="slidenum">
+              <a:rPr lang="en-US" smtClean="0"/>
+              <a:t>‹#›</a:t>
+            </a:fld>
+            <a:endParaRPr lang="en-US"/>
+          </a:p>
+        </p:txBody>
+      </p:sp>
+    </p:spTree>
+    <p:extLst>
+      <p:ext uri="{BB962C8B-B14F-4D97-AF65-F5344CB8AC3E}">
+        <p14:creationId xmlns:p14="http://schemas.microsoft.com/office/powerpoint/2010/main" val="1600496113"/>
+      </p:ext>
+    </p:extLst>
+  </p:cSld>
+  <p:clrMapOvr>
+    <a:masterClrMapping/>
+  </p:clrMapOvr>
+</p:sldLayout>
+</file>
+
+<file path=ppt/slideLayouts/slideLayout13.xml><?xml version="1.0" encoding="utf-8"?>
+<p:sldLayout xmlns:a="http://schemas.openxmlformats.org/drawingml/2006/main" xmlns:r="http://schemas.openxmlformats.org/officeDocument/2006/relationships" xmlns:p="http://schemas.openxmlformats.org/presentationml/2006/main" preserve="1">
+  <p:cSld name="Quote Name Card">
+    <p:spTree>
+      <p:nvGrpSpPr>
+        <p:cNvPr id="1" name=""/>
+        <p:cNvGrpSpPr/>
+        <p:nvPr/>
+      </p:nvGrpSpPr>
+      <p:grpSpPr>
+        <a:xfrm>
+          <a:off x="0" y="0"/>
+          <a:ext cx="0" cy="0"/>
+          <a:chOff x="0" y="0"/>
+          <a:chExt cx="0" cy="0"/>
+        </a:xfrm>
+      </p:grpSpPr>
+      <p:sp>
+        <p:nvSpPr>
+          <p:cNvPr id="2" name="Title 1"/>
+          <p:cNvSpPr>
+            <a:spLocks noGrp="1"/>
+          </p:cNvSpPr>
+          <p:nvPr>
+            <p:ph type="title"/>
+          </p:nvPr>
+        </p:nvSpPr>
+        <p:spPr>
+          <a:xfrm>
+            <a:off x="931334" y="609600"/>
+            <a:ext cx="8094134" cy="3022600"/>
+          </a:xfrm>
+        </p:spPr>
+        <p:txBody>
+          <a:bodyPr anchor="ctr">
+            <a:normAutofit/>
+          </a:bodyPr>
+          <a:lstStyle>
+            <a:lvl1pPr algn="l">
+              <a:defRPr sz="4400" b="0" cap="none"/>
+            </a:lvl1pPr>
+          </a:lstStyle>
+          <a:p>
+            <a:r>
+              <a:rPr lang="en-US" smtClean="0"/>
+              <a:t>Click to edit Master title style</a:t>
+            </a:r>
+            <a:endParaRPr lang="en-US" dirty="0"/>
+          </a:p>
+        </p:txBody>
+      </p:sp>
+      <p:sp>
+        <p:nvSpPr>
+          <p:cNvPr id="23" name="Text Placeholder 9"/>
+          <p:cNvSpPr>
+            <a:spLocks noGrp="1"/>
+          </p:cNvSpPr>
+          <p:nvPr>
+            <p:ph type="body" sz="quarter" idx="13"/>
+          </p:nvPr>
+        </p:nvSpPr>
+        <p:spPr>
+          <a:xfrm>
+            <a:off x="677332" y="4013200"/>
+            <a:ext cx="8596669" cy="514248"/>
+          </a:xfrm>
+        </p:spPr>
+        <p:txBody>
+          <a:bodyPr anchor="b">
+            <a:noAutofit/>
+          </a:bodyPr>
+          <a:lstStyle>
+            <a:lvl1pPr marL="0" indent="0">
+              <a:buFontTx/>
+              <a:buNone/>
+              <a:defRPr sz="2400">
+                <a:solidFill>
+                  <a:schemeClr val="tx1">
+                    <a:lumMod val="75000"/>
+                    <a:lumOff val="25000"/>
+                  </a:schemeClr>
+                </a:solidFill>
+              </a:defRPr>
+            </a:lvl1pPr>
+            <a:lvl2pPr marL="457200" indent="0">
+              <a:buFontTx/>
+              <a:buNone/>
+              <a:defRPr/>
+            </a:lvl2pPr>
+            <a:lvl3pPr marL="914400" indent="0">
+              <a:buFontTx/>
+              <a:buNone/>
+              <a:defRPr/>
+            </a:lvl3pPr>
+            <a:lvl4pPr marL="1371600" indent="0">
+              <a:buFontTx/>
+              <a:buNone/>
+              <a:defRPr/>
+            </a:lvl4pPr>
+            <a:lvl5pPr marL="1828800" indent="0">
+              <a:buFontTx/>
+              <a:buNone/>
+              <a:defRPr/>
+            </a:lvl5pPr>
+          </a:lstStyle>
+          <a:p>
+            <a:pPr lvl="0"/>
+            <a:r>
+              <a:rPr lang="en-US" smtClean="0"/>
+              <a:t>Edit Master text styles</a:t>
+            </a:r>
+          </a:p>
+        </p:txBody>
+      </p:sp>
+      <p:sp>
+        <p:nvSpPr>
+          <p:cNvPr id="3" name="Text Placeholder 2"/>
+          <p:cNvSpPr>
+            <a:spLocks noGrp="1"/>
+          </p:cNvSpPr>
+          <p:nvPr>
+            <p:ph type="body" idx="1"/>
+          </p:nvPr>
+        </p:nvSpPr>
+        <p:spPr>
+          <a:xfrm>
+            <a:off x="677335" y="4527448"/>
+            <a:ext cx="8596668" cy="1513914"/>
+          </a:xfrm>
+        </p:spPr>
+        <p:txBody>
+          <a:bodyPr anchor="t">
+            <a:normAutofit/>
+          </a:bodyPr>
+          <a:lstStyle>
+            <a:lvl1pPr marL="0" indent="0" algn="l">
+              <a:buNone/>
+              <a:defRPr sz="1800">
+                <a:solidFill>
+                  <a:schemeClr val="tx1">
+                    <a:lumMod val="50000"/>
+                    <a:lumOff val="50000"/>
+                  </a:schemeClr>
+                </a:solidFill>
+              </a:defRPr>
+            </a:lvl1pPr>
+            <a:lvl2pPr marL="457200" indent="0">
+              <a:buNone/>
+              <a:defRPr sz="1800">
+                <a:solidFill>
+                  <a:schemeClr val="tx1">
+                    <a:tint val="75000"/>
+                  </a:schemeClr>
+                </a:solidFill>
+              </a:defRPr>
+            </a:lvl2pPr>
+            <a:lvl3pPr marL="914400" indent="0">
+              <a:buNone/>
+              <a:defRPr sz="1600">
+                <a:solidFill>
+                  <a:schemeClr val="tx1">
+                    <a:tint val="75000"/>
+                  </a:schemeClr>
+                </a:solidFill>
+              </a:defRPr>
+            </a:lvl3pPr>
+            <a:lvl4pPr marL="1371600" indent="0">
+              <a:buNone/>
+              <a:defRPr sz="1400">
+                <a:solidFill>
+                  <a:schemeClr val="tx1">
+                    <a:tint val="75000"/>
+                  </a:schemeClr>
+                </a:solidFill>
+              </a:defRPr>
+            </a:lvl4pPr>
+            <a:lvl5pPr marL="1828800" indent="0">
+              <a:buNone/>
+              <a:defRPr sz="1400">
+                <a:solidFill>
+                  <a:schemeClr val="tx1">
+                    <a:tint val="75000"/>
+                  </a:schemeClr>
+                </a:solidFill>
+              </a:defRPr>
+            </a:lvl5pPr>
+            <a:lvl6pPr marL="2286000" indent="0">
+              <a:buNone/>
+              <a:defRPr sz="1400">
+                <a:solidFill>
+                  <a:schemeClr val="tx1">
+                    <a:tint val="75000"/>
+                  </a:schemeClr>
+                </a:solidFill>
+              </a:defRPr>
+            </a:lvl6pPr>
+            <a:lvl7pPr marL="2743200" indent="0">
+              <a:buNone/>
+              <a:defRPr sz="1400">
+                <a:solidFill>
+                  <a:schemeClr val="tx1">
+                    <a:tint val="75000"/>
+                  </a:schemeClr>
+                </a:solidFill>
+              </a:defRPr>
+            </a:lvl7pPr>
+            <a:lvl8pPr marL="3200400" indent="0">
+              <a:buNone/>
+              <a:defRPr sz="1400">
+                <a:solidFill>
+                  <a:schemeClr val="tx1">
+                    <a:tint val="75000"/>
+                  </a:schemeClr>
+                </a:solidFill>
+              </a:defRPr>
+            </a:lvl8pPr>
+            <a:lvl9pPr marL="3657600" indent="0">
+              <a:buNone/>
+              <a:defRPr sz="1400">
+                <a:solidFill>
+                  <a:schemeClr val="tx1">
+                    <a:tint val="75000"/>
+                  </a:schemeClr>
+                </a:solidFill>
+              </a:defRPr>
+            </a:lvl9pPr>
+          </a:lstStyle>
+          <a:p>
+            <a:pPr lvl="0"/>
+            <a:r>
+              <a:rPr lang="en-US" smtClean="0"/>
+              <a:t>Edit Master text styles</a:t>
+            </a:r>
+          </a:p>
+        </p:txBody>
+      </p:sp>
+      <p:sp>
+        <p:nvSpPr>
+          <p:cNvPr id="4" name="Date Placeholder 3"/>
+          <p:cNvSpPr>
+            <a:spLocks noGrp="1"/>
+          </p:cNvSpPr>
+          <p:nvPr>
+            <p:ph type="dt" sz="half" idx="10"/>
+          </p:nvPr>
+        </p:nvSpPr>
+        <p:spPr/>
+        <p:txBody>
+          <a:bodyPr/>
+          <a:lstStyle/>
+          <a:p>
+            <a:fld id="{3B23D399-D7CD-457B-A2A6-B6CA86A2F7FF}" type="datetimeFigureOut">
+              <a:rPr lang="en-US" smtClean="0"/>
+              <a:t>6/30/2024</a:t>
+            </a:fld>
+            <a:endParaRPr lang="en-US"/>
+          </a:p>
+        </p:txBody>
+      </p:sp>
+      <p:sp>
+        <p:nvSpPr>
+          <p:cNvPr id="5" name="Footer Placeholder 4"/>
+          <p:cNvSpPr>
+            <a:spLocks noGrp="1"/>
+          </p:cNvSpPr>
+          <p:nvPr>
+            <p:ph type="ftr" sz="quarter" idx="11"/>
+          </p:nvPr>
+        </p:nvSpPr>
+        <p:spPr/>
+        <p:txBody>
+          <a:bodyPr/>
+          <a:lstStyle/>
+          <a:p>
+            <a:endParaRPr lang="en-US"/>
+          </a:p>
+        </p:txBody>
+      </p:sp>
+      <p:sp>
+        <p:nvSpPr>
+          <p:cNvPr id="6" name="Slide Number Placeholder 5"/>
+          <p:cNvSpPr>
+            <a:spLocks noGrp="1"/>
+          </p:cNvSpPr>
+          <p:nvPr>
+            <p:ph type="sldNum" sz="quarter" idx="12"/>
+          </p:nvPr>
+        </p:nvSpPr>
+        <p:spPr/>
+        <p:txBody>
+          <a:bodyPr/>
+          <a:lstStyle/>
+          <a:p>
+            <a:fld id="{7F909DBA-0C4D-4A83-B375-804A007AEAE8}" type="slidenum">
+              <a:rPr lang="en-US" smtClean="0"/>
+              <a:t>‹#›</a:t>
+            </a:fld>
+            <a:endParaRPr lang="en-US"/>
+          </a:p>
+        </p:txBody>
+      </p:sp>
+      <p:sp>
+        <p:nvSpPr>
+          <p:cNvPr id="24" name="TextBox 23"/>
+          <p:cNvSpPr txBox="1"/>
+          <p:nvPr/>
+        </p:nvSpPr>
+        <p:spPr>
+          <a:xfrm>
+            <a:off x="541870" y="790378"/>
+            <a:ext cx="609600" cy="584776"/>
+          </a:xfrm>
+          <a:prstGeom prst="rect">
+            <a:avLst/>
+          </a:prstGeom>
+        </p:spPr>
+        <p:txBody>
+          <a:bodyPr vert="horz" lIns="91440" tIns="45720" rIns="91440" bIns="45720" rtlCol="0" anchor="ctr">
+            <a:noAutofit/>
+          </a:bodyPr>
+          <a:lstStyle/>
+          <a:p>
+            <a:pPr lvl="0"/>
+            <a:r>
+              <a:rPr lang="en-US" sz="8000" baseline="0" dirty="0">
+                <a:ln w="3175" cmpd="sng">
+                  <a:noFill/>
+                </a:ln>
+                <a:solidFill>
+                  <a:schemeClr val="accent1">
+                    <a:lumMod val="60000"/>
+                    <a:lumOff val="40000"/>
+                  </a:schemeClr>
+                </a:solidFill>
+                <a:effectLst/>
+                <a:latin typeface="Arial"/>
+              </a:rPr>
+              <a:t>“</a:t>
+            </a:r>
+          </a:p>
+        </p:txBody>
+      </p:sp>
+      <p:sp>
+        <p:nvSpPr>
+          <p:cNvPr id="25" name="TextBox 24"/>
+          <p:cNvSpPr txBox="1"/>
+          <p:nvPr/>
+        </p:nvSpPr>
+        <p:spPr>
+          <a:xfrm>
+            <a:off x="8893011" y="2886556"/>
+            <a:ext cx="609600" cy="584776"/>
+          </a:xfrm>
+          <a:prstGeom prst="rect">
+            <a:avLst/>
+          </a:prstGeom>
+        </p:spPr>
+        <p:txBody>
+          <a:bodyPr vert="horz" lIns="91440" tIns="45720" rIns="91440" bIns="45720" rtlCol="0" anchor="ctr">
+            <a:noAutofit/>
+          </a:bodyPr>
+          <a:lstStyle/>
+          <a:p>
+            <a:pPr lvl="0"/>
+            <a:r>
+              <a:rPr lang="en-US" sz="8000" baseline="0" dirty="0">
+                <a:ln w="3175" cmpd="sng">
+                  <a:noFill/>
+                </a:ln>
+                <a:solidFill>
+                  <a:schemeClr val="accent1">
+                    <a:lumMod val="60000"/>
+                    <a:lumOff val="40000"/>
+                  </a:schemeClr>
+                </a:solidFill>
+                <a:effectLst/>
+                <a:latin typeface="Arial"/>
+              </a:rPr>
+              <a:t>”</a:t>
+            </a:r>
+          </a:p>
+        </p:txBody>
+      </p:sp>
+    </p:spTree>
+    <p:extLst>
+      <p:ext uri="{BB962C8B-B14F-4D97-AF65-F5344CB8AC3E}">
+        <p14:creationId xmlns:p14="http://schemas.microsoft.com/office/powerpoint/2010/main" val="540524766"/>
+      </p:ext>
+    </p:extLst>
+  </p:cSld>
+  <p:clrMapOvr>
+    <a:masterClrMapping/>
+  </p:clrMapOvr>
+</p:sldLayout>
+</file>
+
+<file path=ppt/slideLayouts/slideLayout14.xml><?xml version="1.0" encoding="utf-8"?>
+<p:sldLayout xmlns:a="http://schemas.openxmlformats.org/drawingml/2006/main" xmlns:r="http://schemas.openxmlformats.org/officeDocument/2006/relationships" xmlns:p="http://schemas.openxmlformats.org/presentationml/2006/main" preserve="1">
+  <p:cSld name="True or False">
+    <p:spTree>
+      <p:nvGrpSpPr>
+        <p:cNvPr id="1" name=""/>
+        <p:cNvGrpSpPr/>
+        <p:nvPr/>
+      </p:nvGrpSpPr>
+      <p:grpSpPr>
+        <a:xfrm>
+          <a:off x="0" y="0"/>
+          <a:ext cx="0" cy="0"/>
+          <a:chOff x="0" y="0"/>
+          <a:chExt cx="0" cy="0"/>
+        </a:xfrm>
+      </p:grpSpPr>
+      <p:sp>
+        <p:nvSpPr>
+          <p:cNvPr id="2" name="Title 1"/>
+          <p:cNvSpPr>
+            <a:spLocks noGrp="1"/>
+          </p:cNvSpPr>
+          <p:nvPr>
+            <p:ph type="title"/>
+          </p:nvPr>
+        </p:nvSpPr>
+        <p:spPr>
+          <a:xfrm>
+            <a:off x="685799" y="609600"/>
+            <a:ext cx="8588203" cy="3022600"/>
+          </a:xfrm>
+        </p:spPr>
+        <p:txBody>
+          <a:bodyPr anchor="ctr">
+            <a:normAutofit/>
+          </a:bodyPr>
+          <a:lstStyle>
+            <a:lvl1pPr algn="l">
+              <a:defRPr sz="4400" b="0" cap="none"/>
+            </a:lvl1pPr>
+          </a:lstStyle>
+          <a:p>
+            <a:r>
+              <a:rPr lang="en-US" smtClean="0"/>
+              <a:t>Click to edit Master title style</a:t>
+            </a:r>
+            <a:endParaRPr lang="en-US" dirty="0"/>
+          </a:p>
+        </p:txBody>
+      </p:sp>
+      <p:sp>
+        <p:nvSpPr>
+          <p:cNvPr id="23" name="Text Placeholder 9"/>
+          <p:cNvSpPr>
+            <a:spLocks noGrp="1"/>
+          </p:cNvSpPr>
+          <p:nvPr>
+            <p:ph type="body" sz="quarter" idx="13"/>
+          </p:nvPr>
+        </p:nvSpPr>
+        <p:spPr>
+          <a:xfrm>
+            <a:off x="677332" y="4013200"/>
+            <a:ext cx="8596669" cy="514248"/>
+          </a:xfrm>
+        </p:spPr>
+        <p:txBody>
+          <a:bodyPr anchor="b">
+            <a:noAutofit/>
+          </a:bodyPr>
+          <a:lstStyle>
+            <a:lvl1pPr marL="0" indent="0">
+              <a:buFontTx/>
+              <a:buNone/>
+              <a:defRPr sz="2400">
+                <a:solidFill>
+                  <a:schemeClr val="accent1"/>
+                </a:solidFill>
+              </a:defRPr>
+            </a:lvl1pPr>
+            <a:lvl2pPr marL="457200" indent="0">
+              <a:buFontTx/>
+              <a:buNone/>
+              <a:defRPr/>
+            </a:lvl2pPr>
+            <a:lvl3pPr marL="914400" indent="0">
+              <a:buFontTx/>
+              <a:buNone/>
+              <a:defRPr/>
+            </a:lvl3pPr>
+            <a:lvl4pPr marL="1371600" indent="0">
+              <a:buFontTx/>
+              <a:buNone/>
+              <a:defRPr/>
+            </a:lvl4pPr>
+            <a:lvl5pPr marL="1828800" indent="0">
+              <a:buFontTx/>
+              <a:buNone/>
+              <a:defRPr/>
+            </a:lvl5pPr>
+          </a:lstStyle>
+          <a:p>
+            <a:pPr lvl="0"/>
+            <a:r>
+              <a:rPr lang="en-US" smtClean="0"/>
+              <a:t>Edit Master text styles</a:t>
+            </a:r>
+          </a:p>
+        </p:txBody>
+      </p:sp>
+      <p:sp>
+        <p:nvSpPr>
+          <p:cNvPr id="3" name="Text Placeholder 2"/>
+          <p:cNvSpPr>
+            <a:spLocks noGrp="1"/>
+          </p:cNvSpPr>
+          <p:nvPr>
+            <p:ph type="body" idx="1"/>
+          </p:nvPr>
+        </p:nvSpPr>
+        <p:spPr>
+          <a:xfrm>
+            <a:off x="677335" y="4527448"/>
+            <a:ext cx="8596668" cy="1513914"/>
+          </a:xfrm>
+        </p:spPr>
+        <p:txBody>
+          <a:bodyPr anchor="t">
+            <a:normAutofit/>
+          </a:bodyPr>
+          <a:lstStyle>
+            <a:lvl1pPr marL="0" indent="0" algn="l">
+              <a:buNone/>
+              <a:defRPr sz="1800">
+                <a:solidFill>
+                  <a:schemeClr val="tx1">
+                    <a:lumMod val="50000"/>
+                    <a:lumOff val="50000"/>
+                  </a:schemeClr>
+                </a:solidFill>
+              </a:defRPr>
+            </a:lvl1pPr>
+            <a:lvl2pPr marL="457200" indent="0">
+              <a:buNone/>
+              <a:defRPr sz="1800">
+                <a:solidFill>
+                  <a:schemeClr val="tx1">
+                    <a:tint val="75000"/>
+                  </a:schemeClr>
+                </a:solidFill>
+              </a:defRPr>
+            </a:lvl2pPr>
+            <a:lvl3pPr marL="914400" indent="0">
+              <a:buNone/>
+              <a:defRPr sz="1600">
+                <a:solidFill>
+                  <a:schemeClr val="tx1">
+                    <a:tint val="75000"/>
+                  </a:schemeClr>
+                </a:solidFill>
+              </a:defRPr>
+            </a:lvl3pPr>
+            <a:lvl4pPr marL="1371600" indent="0">
+              <a:buNone/>
+              <a:defRPr sz="1400">
+                <a:solidFill>
+                  <a:schemeClr val="tx1">
+                    <a:tint val="75000"/>
+                  </a:schemeClr>
+                </a:solidFill>
+              </a:defRPr>
+            </a:lvl4pPr>
+            <a:lvl5pPr marL="1828800" indent="0">
+              <a:buNone/>
+              <a:defRPr sz="1400">
+                <a:solidFill>
+                  <a:schemeClr val="tx1">
+                    <a:tint val="75000"/>
+                  </a:schemeClr>
+                </a:solidFill>
+              </a:defRPr>
+            </a:lvl5pPr>
+            <a:lvl6pPr marL="2286000" indent="0">
+              <a:buNone/>
+              <a:defRPr sz="1400">
+                <a:solidFill>
+                  <a:schemeClr val="tx1">
+                    <a:tint val="75000"/>
+                  </a:schemeClr>
+                </a:solidFill>
+              </a:defRPr>
+            </a:lvl6pPr>
+            <a:lvl7pPr marL="2743200" indent="0">
+              <a:buNone/>
+              <a:defRPr sz="1400">
+                <a:solidFill>
+                  <a:schemeClr val="tx1">
+                    <a:tint val="75000"/>
+                  </a:schemeClr>
+                </a:solidFill>
+              </a:defRPr>
+            </a:lvl7pPr>
+            <a:lvl8pPr marL="3200400" indent="0">
+              <a:buNone/>
+              <a:defRPr sz="1400">
+                <a:solidFill>
+                  <a:schemeClr val="tx1">
+                    <a:tint val="75000"/>
+                  </a:schemeClr>
+                </a:solidFill>
+              </a:defRPr>
+            </a:lvl8pPr>
+            <a:lvl9pPr marL="3657600" indent="0">
+              <a:buNone/>
+              <a:defRPr sz="1400">
+                <a:solidFill>
+                  <a:schemeClr val="tx1">
+                    <a:tint val="75000"/>
+                  </a:schemeClr>
+                </a:solidFill>
+              </a:defRPr>
+            </a:lvl9pPr>
+          </a:lstStyle>
+          <a:p>
+            <a:pPr lvl="0"/>
+            <a:r>
+              <a:rPr lang="en-US" smtClean="0"/>
+              <a:t>Edit Master text styles</a:t>
+            </a:r>
+          </a:p>
+        </p:txBody>
+      </p:sp>
+      <p:sp>
+        <p:nvSpPr>
+          <p:cNvPr id="4" name="Date Placeholder 3"/>
+          <p:cNvSpPr>
+            <a:spLocks noGrp="1"/>
+          </p:cNvSpPr>
+          <p:nvPr>
+            <p:ph type="dt" sz="half" idx="10"/>
+          </p:nvPr>
+        </p:nvSpPr>
+        <p:spPr/>
+        <p:txBody>
+          <a:bodyPr/>
+          <a:lstStyle/>
+          <a:p>
+            <a:fld id="{3B23D399-D7CD-457B-A2A6-B6CA86A2F7FF}" type="datetimeFigureOut">
+              <a:rPr lang="en-US" smtClean="0"/>
+              <a:t>6/30/2024</a:t>
+            </a:fld>
+            <a:endParaRPr lang="en-US"/>
+          </a:p>
+        </p:txBody>
+      </p:sp>
+      <p:sp>
+        <p:nvSpPr>
+          <p:cNvPr id="5" name="Footer Placeholder 4"/>
+          <p:cNvSpPr>
+            <a:spLocks noGrp="1"/>
+          </p:cNvSpPr>
+          <p:nvPr>
+            <p:ph type="ftr" sz="quarter" idx="11"/>
+          </p:nvPr>
+        </p:nvSpPr>
+        <p:spPr/>
+        <p:txBody>
+          <a:bodyPr/>
+          <a:lstStyle/>
+          <a:p>
+            <a:endParaRPr lang="en-US"/>
+          </a:p>
+        </p:txBody>
+      </p:sp>
+      <p:sp>
+        <p:nvSpPr>
+          <p:cNvPr id="6" name="Slide Number Placeholder 5"/>
+          <p:cNvSpPr>
+            <a:spLocks noGrp="1"/>
+          </p:cNvSpPr>
+          <p:nvPr>
+            <p:ph type="sldNum" sz="quarter" idx="12"/>
+          </p:nvPr>
+        </p:nvSpPr>
+        <p:spPr/>
+        <p:txBody>
+          <a:bodyPr/>
+          <a:lstStyle/>
+          <a:p>
+            <a:fld id="{7F909DBA-0C4D-4A83-B375-804A007AEAE8}" type="slidenum">
+              <a:rPr lang="en-US" smtClean="0"/>
+              <a:t>‹#›</a:t>
+            </a:fld>
+            <a:endParaRPr lang="en-US"/>
+          </a:p>
+        </p:txBody>
+      </p:sp>
+    </p:spTree>
+    <p:extLst>
+      <p:ext uri="{BB962C8B-B14F-4D97-AF65-F5344CB8AC3E}">
+        <p14:creationId xmlns:p14="http://schemas.microsoft.com/office/powerpoint/2010/main" val="734227075"/>
+      </p:ext>
+    </p:extLst>
+  </p:cSld>
+  <p:clrMapOvr>
+    <a:masterClrMapping/>
+  </p:clrMapOvr>
+</p:sldLayout>
+</file>
+
+<file path=ppt/slideLayouts/slideLayout15.xml><?xml version="1.0" encoding="utf-8"?>
 <p:sldLayout xmlns:a="http://schemas.openxmlformats.org/drawingml/2006/main" xmlns:r="http://schemas.openxmlformats.org/officeDocument/2006/relationships" xmlns:p="http://schemas.openxmlformats.org/presentationml/2006/main" type="vertTx" preserve="1">
   <p:cSld name="Title and Vertical Text">
     <p:spTree>
@@ -335,7 +2560,7 @@
               <a:rPr lang="en-US" smtClean="0"/>
               <a:t>Click to edit Master title style</a:t>
             </a:r>
-            <a:endParaRPr lang="en-US"/>
+            <a:endParaRPr lang="en-US" dirty="0"/>
           </a:p>
         </p:txBody>
       </p:sp>
@@ -387,7 +2612,7 @@
               <a:rPr lang="en-US" smtClean="0"/>
               <a:t>Fifth level</a:t>
             </a:r>
-            <a:endParaRPr lang="en-US"/>
+            <a:endParaRPr lang="en-US" dirty="0"/>
           </a:p>
         </p:txBody>
       </p:sp>
@@ -459,7 +2684,7 @@
     </p:spTree>
     <p:extLst>
       <p:ext uri="{BB962C8B-B14F-4D97-AF65-F5344CB8AC3E}">
-        <p14:creationId xmlns:p14="http://schemas.microsoft.com/office/powerpoint/2010/main" val="1375806166"/>
+        <p14:creationId xmlns:p14="http://schemas.microsoft.com/office/powerpoint/2010/main" val="2966705824"/>
       </p:ext>
     </p:extLst>
   </p:cSld>
@@ -469,7 +2694,7 @@
 </p:sldLayout>
 </file>
 
-<file path=ppt/slideLayouts/slideLayout11.xml><?xml version="1.0" encoding="utf-8"?>
+<file path=ppt/slideLayouts/slideLayout16.xml><?xml version="1.0" encoding="utf-8"?>
 <p:sldLayout xmlns:a="http://schemas.openxmlformats.org/drawingml/2006/main" xmlns:r="http://schemas.openxmlformats.org/officeDocument/2006/relationships" xmlns:p="http://schemas.openxmlformats.org/presentationml/2006/main" type="vertTitleAndTx" preserve="1">
   <p:cSld name="Vertical Title and Text">
     <p:spTree>
@@ -498,19 +2723,19 @@
         </p:nvSpPr>
         <p:spPr>
           <a:xfrm>
-            <a:off x="8724900" y="365125"/>
-            <a:ext cx="2628900" cy="5811838"/>
+            <a:off x="7967673" y="609599"/>
+            <a:ext cx="1304743" cy="5251451"/>
           </a:xfrm>
         </p:spPr>
         <p:txBody>
-          <a:bodyPr vert="eaVert"/>
+          <a:bodyPr vert="eaVert" anchor="ctr"/>
           <a:lstStyle/>
           <a:p>
             <a:r>
               <a:rPr lang="en-US" smtClean="0"/>
               <a:t>Click to edit Master title style</a:t>
             </a:r>
-            <a:endParaRPr lang="en-US"/>
+            <a:endParaRPr lang="en-US" dirty="0"/>
           </a:p>
         </p:txBody>
       </p:sp>
@@ -526,8 +2751,8 @@
         </p:nvSpPr>
         <p:spPr>
           <a:xfrm>
-            <a:off x="838200" y="365125"/>
-            <a:ext cx="7734300" cy="5811838"/>
+            <a:off x="677335" y="609600"/>
+            <a:ext cx="7060150" cy="5251450"/>
           </a:xfrm>
         </p:spPr>
         <p:txBody>
@@ -567,7 +2792,7 @@
               <a:rPr lang="en-US" smtClean="0"/>
               <a:t>Fifth level</a:t>
             </a:r>
-            <a:endParaRPr lang="en-US"/>
+            <a:endParaRPr lang="en-US" dirty="0"/>
           </a:p>
         </p:txBody>
       </p:sp>
@@ -639,7 +2864,7 @@
     </p:spTree>
     <p:extLst>
       <p:ext uri="{BB962C8B-B14F-4D97-AF65-F5344CB8AC3E}">
-        <p14:creationId xmlns:p14="http://schemas.microsoft.com/office/powerpoint/2010/main" val="911521243"/>
+        <p14:creationId xmlns:p14="http://schemas.microsoft.com/office/powerpoint/2010/main" val="1562526062"/>
       </p:ext>
     </p:extLst>
   </p:cSld>
@@ -678,32 +2903,38 @@
         </p:nvSpPr>
         <p:spPr/>
         <p:txBody>
+          <a:bodyPr>
+            <a:normAutofit/>
+          </a:bodyPr>
+          <a:lstStyle>
+            <a:lvl1pPr>
+              <a:defRPr sz="3600"/>
+            </a:lvl1pPr>
+          </a:lstStyle>
+          <a:p>
+            <a:r>
+              <a:rPr lang="en-US" smtClean="0"/>
+              <a:t>Click to edit Master title style</a:t>
+            </a:r>
+            <a:endParaRPr lang="en-US" dirty="0"/>
+          </a:p>
+        </p:txBody>
+      </p:sp>
+      <p:sp>
+        <p:nvSpPr>
+          <p:cNvPr id="3" name="Content Placeholder 2"/>
+          <p:cNvSpPr>
+            <a:spLocks noGrp="1"/>
+          </p:cNvSpPr>
+          <p:nvPr>
+            <p:ph idx="1"/>
+          </p:nvPr>
+        </p:nvSpPr>
+        <p:spPr/>
+        <p:txBody>
           <a:bodyPr/>
           <a:lstStyle/>
           <a:p>
-            <a:r>
-              <a:rPr lang="en-US" smtClean="0"/>
-              <a:t>Click to edit Master title style</a:t>
-            </a:r>
-            <a:endParaRPr lang="en-US"/>
-          </a:p>
-        </p:txBody>
-      </p:sp>
-      <p:sp>
-        <p:nvSpPr>
-          <p:cNvPr id="3" name="Content Placeholder 2"/>
-          <p:cNvSpPr>
-            <a:spLocks noGrp="1"/>
-          </p:cNvSpPr>
-          <p:nvPr>
-            <p:ph idx="1"/>
-          </p:nvPr>
-        </p:nvSpPr>
-        <p:spPr/>
-        <p:txBody>
-          <a:bodyPr/>
-          <a:lstStyle/>
-          <a:p>
             <a:pPr lvl="0"/>
             <a:r>
               <a:rPr lang="en-US" smtClean="0"/>
@@ -737,7 +2968,7 @@
               <a:rPr lang="en-US" smtClean="0"/>
               <a:t>Fifth level</a:t>
             </a:r>
-            <a:endParaRPr lang="en-US"/>
+            <a:endParaRPr lang="en-US" dirty="0"/>
           </a:p>
         </p:txBody>
       </p:sp>
@@ -809,7 +3040,7 @@
     </p:spTree>
     <p:extLst>
       <p:ext uri="{BB962C8B-B14F-4D97-AF65-F5344CB8AC3E}">
-        <p14:creationId xmlns:p14="http://schemas.microsoft.com/office/powerpoint/2010/main" val="1703037298"/>
+        <p14:creationId xmlns:p14="http://schemas.microsoft.com/office/powerpoint/2010/main" val="2865187339"/>
       </p:ext>
     </p:extLst>
   </p:cSld>
@@ -848,15 +3079,15 @@
         </p:nvSpPr>
         <p:spPr>
           <a:xfrm>
-            <a:off x="831850" y="1709738"/>
-            <a:ext cx="10515600" cy="2852737"/>
+            <a:off x="677335" y="2700867"/>
+            <a:ext cx="8596668" cy="1826581"/>
           </a:xfrm>
         </p:spPr>
         <p:txBody>
           <a:bodyPr anchor="b"/>
           <a:lstStyle>
-            <a:lvl1pPr>
-              <a:defRPr sz="6000"/>
+            <a:lvl1pPr algn="l">
+              <a:defRPr sz="4000" b="0" cap="none"/>
             </a:lvl1pPr>
           </a:lstStyle>
           <a:p>
@@ -864,7 +3095,7 @@
               <a:rPr lang="en-US" smtClean="0"/>
               <a:t>Click to edit Master title style</a:t>
             </a:r>
-            <a:endParaRPr lang="en-US"/>
+            <a:endParaRPr lang="en-US" dirty="0"/>
           </a:p>
         </p:txBody>
       </p:sp>
@@ -880,102 +3111,103 @@
         </p:nvSpPr>
         <p:spPr>
           <a:xfrm>
-            <a:off x="831850" y="4589463"/>
-            <a:ext cx="10515600" cy="1500187"/>
+            <a:off x="677335" y="4527448"/>
+            <a:ext cx="8596668" cy="860400"/>
           </a:xfrm>
         </p:spPr>
         <p:txBody>
-          <a:bodyPr/>
+          <a:bodyPr anchor="t"/>
           <a:lstStyle>
-            <a:lvl1pPr marL="0" indent="0">
-              <a:buNone/>
-              <a:defRPr sz="2400">
+            <a:lvl1pPr marL="0" indent="0" algn="l">
+              <a:buNone/>
+              <a:defRPr sz="2000">
+                <a:solidFill>
+                  <a:schemeClr val="tx1">
+                    <a:lumMod val="50000"/>
+                    <a:lumOff val="50000"/>
+                  </a:schemeClr>
+                </a:solidFill>
+              </a:defRPr>
+            </a:lvl1pPr>
+            <a:lvl2pPr marL="457200" indent="0">
+              <a:buNone/>
+              <a:defRPr sz="1800">
                 <a:solidFill>
                   <a:schemeClr val="tx1">
                     <a:tint val="75000"/>
                   </a:schemeClr>
                 </a:solidFill>
               </a:defRPr>
-            </a:lvl1pPr>
-            <a:lvl2pPr marL="457200" indent="0">
-              <a:buNone/>
-              <a:defRPr sz="2000">
+            </a:lvl2pPr>
+            <a:lvl3pPr marL="914400" indent="0">
+              <a:buNone/>
+              <a:defRPr sz="1600">
                 <a:solidFill>
                   <a:schemeClr val="tx1">
                     <a:tint val="75000"/>
                   </a:schemeClr>
                 </a:solidFill>
               </a:defRPr>
-            </a:lvl2pPr>
-            <a:lvl3pPr marL="914400" indent="0">
-              <a:buNone/>
-              <a:defRPr sz="1800">
+            </a:lvl3pPr>
+            <a:lvl4pPr marL="1371600" indent="0">
+              <a:buNone/>
+              <a:defRPr sz="1400">
                 <a:solidFill>
                   <a:schemeClr val="tx1">
                     <a:tint val="75000"/>
                   </a:schemeClr>
                 </a:solidFill>
               </a:defRPr>
-            </a:lvl3pPr>
-            <a:lvl4pPr marL="1371600" indent="0">
-              <a:buNone/>
-              <a:defRPr sz="1600">
+            </a:lvl4pPr>
+            <a:lvl5pPr marL="1828800" indent="0">
+              <a:buNone/>
+              <a:defRPr sz="1400">
                 <a:solidFill>
                   <a:schemeClr val="tx1">
                     <a:tint val="75000"/>
                   </a:schemeClr>
                 </a:solidFill>
               </a:defRPr>
-            </a:lvl4pPr>
-            <a:lvl5pPr marL="1828800" indent="0">
-              <a:buNone/>
-              <a:defRPr sz="1600">
+            </a:lvl5pPr>
+            <a:lvl6pPr marL="2286000" indent="0">
+              <a:buNone/>
+              <a:defRPr sz="1400">
                 <a:solidFill>
                   <a:schemeClr val="tx1">
                     <a:tint val="75000"/>
                   </a:schemeClr>
                 </a:solidFill>
               </a:defRPr>
-            </a:lvl5pPr>
-            <a:lvl6pPr marL="2286000" indent="0">
-              <a:buNone/>
-              <a:defRPr sz="1600">
+            </a:lvl6pPr>
+            <a:lvl7pPr marL="2743200" indent="0">
+              <a:buNone/>
+              <a:defRPr sz="1400">
                 <a:solidFill>
                   <a:schemeClr val="tx1">
                     <a:tint val="75000"/>
                   </a:schemeClr>
                 </a:solidFill>
               </a:defRPr>
-            </a:lvl6pPr>
-            <a:lvl7pPr marL="2743200" indent="0">
-              <a:buNone/>
-              <a:defRPr sz="1600">
+            </a:lvl7pPr>
+            <a:lvl8pPr marL="3200400" indent="0">
+              <a:buNone/>
+              <a:defRPr sz="1400">
                 <a:solidFill>
                   <a:schemeClr val="tx1">
                     <a:tint val="75000"/>
                   </a:schemeClr>
                 </a:solidFill>
               </a:defRPr>
-            </a:lvl7pPr>
-            <a:lvl8pPr marL="3200400" indent="0">
-              <a:buNone/>
-              <a:defRPr sz="1600">
+            </a:lvl8pPr>
+            <a:lvl9pPr marL="3657600" indent="0">
+              <a:buNone/>
+              <a:defRPr sz="1400">
                 <a:solidFill>
                   <a:schemeClr val="tx1">
                     <a:tint val="75000"/>
                   </a:schemeClr>
                 </a:solidFill>
               </a:defRPr>
-            </a:lvl8pPr>
-            <a:lvl9pPr marL="3657600" indent="0">
-              <a:buNone/>
-              <a:defRPr sz="1600">
-                <a:solidFill>
-                  <a:schemeClr val="tx1">
-                    <a:tint val="75000"/>
-                  </a:schemeClr>
-                </a:solidFill>
-              </a:defRPr>
             </a:lvl9pPr>
           </a:lstStyle>
           <a:p>
@@ -1055,7 +3287,7 @@
     </p:spTree>
     <p:extLst>
       <p:ext uri="{BB962C8B-B14F-4D97-AF65-F5344CB8AC3E}">
-        <p14:creationId xmlns:p14="http://schemas.microsoft.com/office/powerpoint/2010/main" val="3059922681"/>
+        <p14:creationId xmlns:p14="http://schemas.microsoft.com/office/powerpoint/2010/main" val="2697540499"/>
       </p:ext>
     </p:extLst>
   </p:cSld>
@@ -1101,7 +3333,7 @@
               <a:rPr lang="en-US" smtClean="0"/>
               <a:t>Click to edit Master title style</a:t>
             </a:r>
-            <a:endParaRPr lang="en-US"/>
+            <a:endParaRPr lang="en-US" dirty="0"/>
           </a:p>
         </p:txBody>
       </p:sp>
@@ -1117,8 +3349,8 @@
         </p:nvSpPr>
         <p:spPr>
           <a:xfrm>
-            <a:off x="838200" y="1825625"/>
-            <a:ext cx="5181600" cy="4351338"/>
+            <a:off x="677334" y="2160589"/>
+            <a:ext cx="4184035" cy="3880772"/>
           </a:xfrm>
         </p:spPr>
         <p:txBody>
@@ -1158,7 +3390,7 @@
               <a:rPr lang="en-US" smtClean="0"/>
               <a:t>Fifth level</a:t>
             </a:r>
-            <a:endParaRPr lang="en-US"/>
+            <a:endParaRPr lang="en-US" dirty="0"/>
           </a:p>
         </p:txBody>
       </p:sp>
@@ -1174,8 +3406,8 @@
         </p:nvSpPr>
         <p:spPr>
           <a:xfrm>
-            <a:off x="6172200" y="1825625"/>
-            <a:ext cx="5181600" cy="4351338"/>
+            <a:off x="5089970" y="2160589"/>
+            <a:ext cx="4184034" cy="3880773"/>
           </a:xfrm>
         </p:spPr>
         <p:txBody>
@@ -1215,7 +3447,7 @@
               <a:rPr lang="en-US" smtClean="0"/>
               <a:t>Fifth level</a:t>
             </a:r>
-            <a:endParaRPr lang="en-US"/>
+            <a:endParaRPr lang="en-US" dirty="0"/>
           </a:p>
         </p:txBody>
       </p:sp>
@@ -1287,7 +3519,7 @@
     </p:spTree>
     <p:extLst>
       <p:ext uri="{BB962C8B-B14F-4D97-AF65-F5344CB8AC3E}">
-        <p14:creationId xmlns:p14="http://schemas.microsoft.com/office/powerpoint/2010/main" val="3433780"/>
+        <p14:creationId xmlns:p14="http://schemas.microsoft.com/office/powerpoint/2010/main" val="109141344"/>
       </p:ext>
     </p:extLst>
   </p:cSld>
@@ -1324,46 +3556,47 @@
             <p:ph type="title"/>
           </p:nvPr>
         </p:nvSpPr>
+        <p:spPr/>
+        <p:txBody>
+          <a:bodyPr/>
+          <a:lstStyle>
+            <a:lvl1pPr>
+              <a:defRPr/>
+            </a:lvl1pPr>
+          </a:lstStyle>
+          <a:p>
+            <a:r>
+              <a:rPr lang="en-US" smtClean="0"/>
+              <a:t>Click to edit Master title style</a:t>
+            </a:r>
+            <a:endParaRPr lang="en-US" dirty="0"/>
+          </a:p>
+        </p:txBody>
+      </p:sp>
+      <p:sp>
+        <p:nvSpPr>
+          <p:cNvPr id="3" name="Text Placeholder 2"/>
+          <p:cNvSpPr>
+            <a:spLocks noGrp="1"/>
+          </p:cNvSpPr>
+          <p:nvPr>
+            <p:ph type="body" idx="1"/>
+          </p:nvPr>
+        </p:nvSpPr>
         <p:spPr>
           <a:xfrm>
-            <a:off x="839788" y="365125"/>
-            <a:ext cx="10515600" cy="1325563"/>
+            <a:off x="675745" y="2160983"/>
+            <a:ext cx="4185623" cy="576262"/>
           </a:xfrm>
         </p:spPr>
         <p:txBody>
-          <a:bodyPr/>
-          <a:lstStyle/>
-          <a:p>
-            <a:r>
-              <a:rPr lang="en-US" smtClean="0"/>
-              <a:t>Click to edit Master title style</a:t>
-            </a:r>
-            <a:endParaRPr lang="en-US"/>
-          </a:p>
-        </p:txBody>
-      </p:sp>
-      <p:sp>
-        <p:nvSpPr>
-          <p:cNvPr id="3" name="Text Placeholder 2"/>
-          <p:cNvSpPr>
-            <a:spLocks noGrp="1"/>
-          </p:cNvSpPr>
-          <p:nvPr>
-            <p:ph type="body" idx="1"/>
-          </p:nvPr>
-        </p:nvSpPr>
-        <p:spPr>
-          <a:xfrm>
-            <a:off x="839788" y="1681163"/>
-            <a:ext cx="5157787" cy="823912"/>
-          </a:xfrm>
-        </p:spPr>
-        <p:txBody>
-          <a:bodyPr anchor="b"/>
+          <a:bodyPr anchor="b">
+            <a:noAutofit/>
+          </a:bodyPr>
           <a:lstStyle>
             <a:lvl1pPr marL="0" indent="0">
               <a:buNone/>
-              <a:defRPr sz="2400" b="1"/>
+              <a:defRPr sz="2400" b="0"/>
             </a:lvl1pPr>
             <a:lvl2pPr marL="457200" indent="0">
               <a:buNone/>
@@ -1419,12 +3652,14 @@
         </p:nvSpPr>
         <p:spPr>
           <a:xfrm>
-            <a:off x="839788" y="2505075"/>
-            <a:ext cx="5157787" cy="3684588"/>
+            <a:off x="675745" y="2737245"/>
+            <a:ext cx="4185623" cy="3304117"/>
           </a:xfrm>
         </p:spPr>
         <p:txBody>
-          <a:bodyPr/>
+          <a:bodyPr>
+            <a:normAutofit/>
+          </a:bodyPr>
           <a:lstStyle/>
           <a:p>
             <a:pPr lvl="0"/>
@@ -1460,7 +3695,7 @@
               <a:rPr lang="en-US" smtClean="0"/>
               <a:t>Fifth level</a:t>
             </a:r>
-            <a:endParaRPr lang="en-US"/>
+            <a:endParaRPr lang="en-US" dirty="0"/>
           </a:p>
         </p:txBody>
       </p:sp>
@@ -1476,16 +3711,18 @@
         </p:nvSpPr>
         <p:spPr>
           <a:xfrm>
-            <a:off x="6172200" y="1681163"/>
-            <a:ext cx="5183188" cy="823912"/>
+            <a:off x="5088383" y="2160983"/>
+            <a:ext cx="4185618" cy="576262"/>
           </a:xfrm>
         </p:spPr>
         <p:txBody>
-          <a:bodyPr anchor="b"/>
+          <a:bodyPr anchor="b">
+            <a:noAutofit/>
+          </a:bodyPr>
           <a:lstStyle>
             <a:lvl1pPr marL="0" indent="0">
               <a:buNone/>
-              <a:defRPr sz="2400" b="1"/>
+              <a:defRPr sz="2400" b="0"/>
             </a:lvl1pPr>
             <a:lvl2pPr marL="457200" indent="0">
               <a:buNone/>
@@ -1541,12 +3778,14 @@
         </p:nvSpPr>
         <p:spPr>
           <a:xfrm>
-            <a:off x="6172200" y="2505075"/>
-            <a:ext cx="5183188" cy="3684588"/>
+            <a:off x="5088384" y="2737245"/>
+            <a:ext cx="4185617" cy="3304117"/>
           </a:xfrm>
         </p:spPr>
         <p:txBody>
-          <a:bodyPr/>
+          <a:bodyPr>
+            <a:normAutofit/>
+          </a:bodyPr>
           <a:lstStyle/>
           <a:p>
             <a:pPr lvl="0"/>
@@ -1582,7 +3821,7 @@
               <a:rPr lang="en-US" smtClean="0"/>
               <a:t>Fifth level</a:t>
             </a:r>
-            <a:endParaRPr lang="en-US"/>
+            <a:endParaRPr lang="en-US" dirty="0"/>
           </a:p>
         </p:txBody>
       </p:sp>
@@ -1654,7 +3893,7 @@
     </p:spTree>
     <p:extLst>
       <p:ext uri="{BB962C8B-B14F-4D97-AF65-F5344CB8AC3E}">
-        <p14:creationId xmlns:p14="http://schemas.microsoft.com/office/powerpoint/2010/main" val="2176137521"/>
+        <p14:creationId xmlns:p14="http://schemas.microsoft.com/office/powerpoint/2010/main" val="3038634063"/>
       </p:ext>
     </p:extLst>
   </p:cSld>
@@ -1691,7 +3930,12 @@
             <p:ph type="title"/>
           </p:nvPr>
         </p:nvSpPr>
-        <p:spPr/>
+        <p:spPr>
+          <a:xfrm>
+            <a:off x="677334" y="609600"/>
+            <a:ext cx="8596668" cy="1320800"/>
+          </a:xfrm>
+        </p:spPr>
         <p:txBody>
           <a:bodyPr/>
           <a:lstStyle/>
@@ -1700,7 +3944,7 @@
               <a:rPr lang="en-US" smtClean="0"/>
               <a:t>Click to edit Master title style</a:t>
             </a:r>
-            <a:endParaRPr lang="en-US"/>
+            <a:endParaRPr lang="en-US" dirty="0"/>
           </a:p>
         </p:txBody>
       </p:sp>
@@ -1772,7 +4016,7 @@
     </p:spTree>
     <p:extLst>
       <p:ext uri="{BB962C8B-B14F-4D97-AF65-F5344CB8AC3E}">
-        <p14:creationId xmlns:p14="http://schemas.microsoft.com/office/powerpoint/2010/main" val="4076251852"/>
+        <p14:creationId xmlns:p14="http://schemas.microsoft.com/office/powerpoint/2010/main" val="389284971"/>
       </p:ext>
     </p:extLst>
   </p:cSld>
@@ -1867,7 +4111,7 @@
     </p:spTree>
     <p:extLst>
       <p:ext uri="{BB962C8B-B14F-4D97-AF65-F5344CB8AC3E}">
-        <p14:creationId xmlns:p14="http://schemas.microsoft.com/office/powerpoint/2010/main" val="2503461003"/>
+        <p14:creationId xmlns:p14="http://schemas.microsoft.com/office/powerpoint/2010/main" val="3960844175"/>
       </p:ext>
     </p:extLst>
   </p:cSld>
@@ -1906,15 +4150,17 @@
         </p:nvSpPr>
         <p:spPr>
           <a:xfrm>
-            <a:off x="839788" y="457200"/>
-            <a:ext cx="3932237" cy="1600200"/>
+            <a:off x="677334" y="1498604"/>
+            <a:ext cx="3854528" cy="1278466"/>
           </a:xfrm>
         </p:spPr>
         <p:txBody>
-          <a:bodyPr anchor="b"/>
+          <a:bodyPr anchor="b">
+            <a:normAutofit/>
+          </a:bodyPr>
           <a:lstStyle>
             <a:lvl1pPr>
-              <a:defRPr sz="3200"/>
+              <a:defRPr sz="2000"/>
             </a:lvl1pPr>
           </a:lstStyle>
           <a:p>
@@ -1922,7 +4168,7 @@
               <a:rPr lang="en-US" smtClean="0"/>
               <a:t>Click to edit Master title style</a:t>
             </a:r>
-            <a:endParaRPr lang="en-US"/>
+            <a:endParaRPr lang="en-US" dirty="0"/>
           </a:p>
         </p:txBody>
       </p:sp>
@@ -1938,41 +4184,15 @@
         </p:nvSpPr>
         <p:spPr>
           <a:xfrm>
-            <a:off x="5183188" y="987425"/>
-            <a:ext cx="6172200" cy="4873625"/>
+            <a:off x="4760461" y="514924"/>
+            <a:ext cx="4513541" cy="5526437"/>
           </a:xfrm>
         </p:spPr>
         <p:txBody>
-          <a:bodyPr/>
-          <a:lstStyle>
-            <a:lvl1pPr>
-              <a:defRPr sz="3200"/>
-            </a:lvl1pPr>
-            <a:lvl2pPr>
-              <a:defRPr sz="2800"/>
-            </a:lvl2pPr>
-            <a:lvl3pPr>
-              <a:defRPr sz="2400"/>
-            </a:lvl3pPr>
-            <a:lvl4pPr>
-              <a:defRPr sz="2000"/>
-            </a:lvl4pPr>
-            <a:lvl5pPr>
-              <a:defRPr sz="2000"/>
-            </a:lvl5pPr>
-            <a:lvl6pPr>
-              <a:defRPr sz="2000"/>
-            </a:lvl6pPr>
-            <a:lvl7pPr>
-              <a:defRPr sz="2000"/>
-            </a:lvl7pPr>
-            <a:lvl8pPr>
-              <a:defRPr sz="2000"/>
-            </a:lvl8pPr>
-            <a:lvl9pPr>
-              <a:defRPr sz="2000"/>
-            </a:lvl9pPr>
-          </a:lstStyle>
+          <a:bodyPr>
+            <a:normAutofit/>
+          </a:bodyPr>
+          <a:lstStyle/>
           <a:p>
             <a:pPr lvl="0"/>
             <a:r>
@@ -2007,7 +4227,7 @@
               <a:rPr lang="en-US" smtClean="0"/>
               <a:t>Fifth level</a:t>
             </a:r>
-            <a:endParaRPr lang="en-US"/>
+            <a:endParaRPr lang="en-US" dirty="0"/>
           </a:p>
         </p:txBody>
       </p:sp>
@@ -2023,46 +4243,48 @@
         </p:nvSpPr>
         <p:spPr>
           <a:xfrm>
-            <a:off x="839788" y="2057400"/>
-            <a:ext cx="3932237" cy="3811588"/>
+            <a:off x="677334" y="2777069"/>
+            <a:ext cx="3854528" cy="2584449"/>
           </a:xfrm>
         </p:spPr>
         <p:txBody>
-          <a:bodyPr/>
+          <a:bodyPr>
+            <a:normAutofit/>
+          </a:bodyPr>
           <a:lstStyle>
             <a:lvl1pPr marL="0" indent="0">
               <a:buNone/>
-              <a:defRPr sz="1600"/>
+              <a:defRPr sz="1400"/>
             </a:lvl1pPr>
-            <a:lvl2pPr marL="457200" indent="0">
+            <a:lvl2pPr marL="457063" indent="0">
               <a:buNone/>
               <a:defRPr sz="1400"/>
             </a:lvl2pPr>
-            <a:lvl3pPr marL="914400" indent="0">
+            <a:lvl3pPr marL="914126" indent="0">
               <a:buNone/>
               <a:defRPr sz="1200"/>
             </a:lvl3pPr>
-            <a:lvl4pPr marL="1371600" indent="0">
+            <a:lvl4pPr marL="1371189" indent="0">
               <a:buNone/>
               <a:defRPr sz="1000"/>
             </a:lvl4pPr>
-            <a:lvl5pPr marL="1828800" indent="0">
+            <a:lvl5pPr marL="1828251" indent="0">
               <a:buNone/>
               <a:defRPr sz="1000"/>
             </a:lvl5pPr>
-            <a:lvl6pPr marL="2286000" indent="0">
+            <a:lvl6pPr marL="2285314" indent="0">
               <a:buNone/>
               <a:defRPr sz="1000"/>
             </a:lvl6pPr>
-            <a:lvl7pPr marL="2743200" indent="0">
+            <a:lvl7pPr marL="2742377" indent="0">
               <a:buNone/>
               <a:defRPr sz="1000"/>
             </a:lvl7pPr>
-            <a:lvl8pPr marL="3200400" indent="0">
+            <a:lvl8pPr marL="3199440" indent="0">
               <a:buNone/>
               <a:defRPr sz="1000"/>
             </a:lvl8pPr>
-            <a:lvl9pPr marL="3657600" indent="0">
+            <a:lvl9pPr marL="3656503" indent="0">
               <a:buNone/>
               <a:defRPr sz="1000"/>
             </a:lvl9pPr>
@@ -2144,7 +4366,7 @@
     </p:spTree>
     <p:extLst>
       <p:ext uri="{BB962C8B-B14F-4D97-AF65-F5344CB8AC3E}">
-        <p14:creationId xmlns:p14="http://schemas.microsoft.com/office/powerpoint/2010/main" val="3226165661"/>
+        <p14:creationId xmlns:p14="http://schemas.microsoft.com/office/powerpoint/2010/main" val="1206437860"/>
       </p:ext>
     </p:extLst>
   </p:cSld>
@@ -2183,15 +4405,17 @@
         </p:nvSpPr>
         <p:spPr>
           <a:xfrm>
-            <a:off x="839788" y="457200"/>
-            <a:ext cx="3932237" cy="1600200"/>
+            <a:off x="677334" y="4800600"/>
+            <a:ext cx="8596667" cy="566738"/>
           </a:xfrm>
         </p:spPr>
         <p:txBody>
-          <a:bodyPr anchor="b"/>
+          <a:bodyPr anchor="b">
+            <a:normAutofit/>
+          </a:bodyPr>
           <a:lstStyle>
-            <a:lvl1pPr>
-              <a:defRPr sz="3200"/>
+            <a:lvl1pPr algn="l">
+              <a:defRPr sz="2400" b="0"/>
             </a:lvl1pPr>
           </a:lstStyle>
           <a:p>
@@ -2199,7 +4423,7 @@
               <a:rPr lang="en-US" smtClean="0"/>
               <a:t>Click to edit Master title style</a:t>
             </a:r>
-            <a:endParaRPr lang="en-US"/>
+            <a:endParaRPr lang="en-US" dirty="0"/>
           </a:p>
         </p:txBody>
       </p:sp>
@@ -2207,7 +4431,7 @@
         <p:nvSpPr>
           <p:cNvPr id="3" name="Picture Placeholder 2"/>
           <p:cNvSpPr>
-            <a:spLocks noGrp="1"/>
+            <a:spLocks noGrp="1" noChangeAspect="1"/>
           </p:cNvSpPr>
           <p:nvPr>
             <p:ph type="pic" idx="1"/>
@@ -2215,109 +4439,117 @@
         </p:nvSpPr>
         <p:spPr>
           <a:xfrm>
-            <a:off x="5183188" y="987425"/>
-            <a:ext cx="6172200" cy="4873625"/>
+            <a:off x="677334" y="609600"/>
+            <a:ext cx="8596668" cy="3845718"/>
           </a:xfrm>
         </p:spPr>
         <p:txBody>
-          <a:bodyPr/>
+          <a:bodyPr anchor="t">
+            <a:normAutofit/>
+          </a:bodyPr>
           <a:lstStyle>
-            <a:lvl1pPr marL="0" indent="0">
-              <a:buNone/>
-              <a:defRPr sz="3200"/>
-            </a:lvl1pPr>
-            <a:lvl2pPr marL="457200" indent="0">
-              <a:buNone/>
-              <a:defRPr sz="2800"/>
-            </a:lvl2pPr>
-            <a:lvl3pPr marL="914400" indent="0">
-              <a:buNone/>
-              <a:defRPr sz="2400"/>
-            </a:lvl3pPr>
-            <a:lvl4pPr marL="1371600" indent="0">
-              <a:buNone/>
-              <a:defRPr sz="2000"/>
-            </a:lvl4pPr>
-            <a:lvl5pPr marL="1828800" indent="0">
-              <a:buNone/>
-              <a:defRPr sz="2000"/>
-            </a:lvl5pPr>
-            <a:lvl6pPr marL="2286000" indent="0">
-              <a:buNone/>
-              <a:defRPr sz="2000"/>
-            </a:lvl6pPr>
-            <a:lvl7pPr marL="2743200" indent="0">
-              <a:buNone/>
-              <a:defRPr sz="2000"/>
-            </a:lvl7pPr>
-            <a:lvl8pPr marL="3200400" indent="0">
-              <a:buNone/>
-              <a:defRPr sz="2000"/>
-            </a:lvl8pPr>
-            <a:lvl9pPr marL="3657600" indent="0">
-              <a:buNone/>
-              <a:defRPr sz="2000"/>
-            </a:lvl9pPr>
-          </a:lstStyle>
-          <a:p>
-            <a:endParaRPr lang="en-US"/>
-          </a:p>
-        </p:txBody>
-      </p:sp>
-      <p:sp>
-        <p:nvSpPr>
-          <p:cNvPr id="4" name="Text Placeholder 3"/>
-          <p:cNvSpPr>
-            <a:spLocks noGrp="1"/>
-          </p:cNvSpPr>
-          <p:nvPr>
-            <p:ph type="body" sz="half" idx="2"/>
-          </p:nvPr>
-        </p:nvSpPr>
-        <p:spPr>
-          <a:xfrm>
-            <a:off x="839788" y="2057400"/>
-            <a:ext cx="3932237" cy="3811588"/>
-          </a:xfrm>
-        </p:spPr>
-        <p:txBody>
-          <a:bodyPr/>
-          <a:lstStyle>
-            <a:lvl1pPr marL="0" indent="0">
+            <a:lvl1pPr marL="0" indent="0" algn="ctr">
               <a:buNone/>
               <a:defRPr sz="1600"/>
             </a:lvl1pPr>
             <a:lvl2pPr marL="457200" indent="0">
               <a:buNone/>
-              <a:defRPr sz="1400"/>
+              <a:defRPr sz="1600"/>
             </a:lvl2pPr>
             <a:lvl3pPr marL="914400" indent="0">
               <a:buNone/>
-              <a:defRPr sz="1200"/>
+              <a:defRPr sz="1600"/>
             </a:lvl3pPr>
             <a:lvl4pPr marL="1371600" indent="0">
               <a:buNone/>
-              <a:defRPr sz="1000"/>
+              <a:defRPr sz="1600"/>
             </a:lvl4pPr>
             <a:lvl5pPr marL="1828800" indent="0">
               <a:buNone/>
-              <a:defRPr sz="1000"/>
+              <a:defRPr sz="1600"/>
             </a:lvl5pPr>
             <a:lvl6pPr marL="2286000" indent="0">
               <a:buNone/>
-              <a:defRPr sz="1000"/>
+              <a:defRPr sz="1600"/>
             </a:lvl6pPr>
             <a:lvl7pPr marL="2743200" indent="0">
               <a:buNone/>
-              <a:defRPr sz="1000"/>
+              <a:defRPr sz="1600"/>
             </a:lvl7pPr>
             <a:lvl8pPr marL="3200400" indent="0">
               <a:buNone/>
-              <a:defRPr sz="1000"/>
+              <a:defRPr sz="1600"/>
             </a:lvl8pPr>
             <a:lvl9pPr marL="3657600" indent="0">
               <a:buNone/>
+              <a:defRPr sz="1600"/>
+            </a:lvl9pPr>
+          </a:lstStyle>
+          <a:p>
+            <a:r>
+              <a:rPr lang="en-US" smtClean="0"/>
+              <a:t>Click icon to add picture</a:t>
+            </a:r>
+            <a:endParaRPr lang="en-US" dirty="0"/>
+          </a:p>
+        </p:txBody>
+      </p:sp>
+      <p:sp>
+        <p:nvSpPr>
+          <p:cNvPr id="4" name="Text Placeholder 3"/>
+          <p:cNvSpPr>
+            <a:spLocks noGrp="1"/>
+          </p:cNvSpPr>
+          <p:nvPr>
+            <p:ph type="body" sz="half" idx="2"/>
+          </p:nvPr>
+        </p:nvSpPr>
+        <p:spPr>
+          <a:xfrm>
+            <a:off x="677334" y="5367338"/>
+            <a:ext cx="8596667" cy="674024"/>
+          </a:xfrm>
+        </p:spPr>
+        <p:txBody>
+          <a:bodyPr>
+            <a:normAutofit/>
+          </a:bodyPr>
+          <a:lstStyle>
+            <a:lvl1pPr marL="0" indent="0">
+              <a:buNone/>
+              <a:defRPr sz="1200"/>
+            </a:lvl1pPr>
+            <a:lvl2pPr marL="457200" indent="0">
+              <a:buNone/>
+              <a:defRPr sz="1200"/>
+            </a:lvl2pPr>
+            <a:lvl3pPr marL="914400" indent="0">
+              <a:buNone/>
               <a:defRPr sz="1000"/>
+            </a:lvl3pPr>
+            <a:lvl4pPr marL="1371600" indent="0">
+              <a:buNone/>
+              <a:defRPr sz="900"/>
+            </a:lvl4pPr>
+            <a:lvl5pPr marL="1828800" indent="0">
+              <a:buNone/>
+              <a:defRPr sz="900"/>
+            </a:lvl5pPr>
+            <a:lvl6pPr marL="2286000" indent="0">
+              <a:buNone/>
+              <a:defRPr sz="900"/>
+            </a:lvl6pPr>
+            <a:lvl7pPr marL="2743200" indent="0">
+              <a:buNone/>
+              <a:defRPr sz="900"/>
+            </a:lvl7pPr>
+            <a:lvl8pPr marL="3200400" indent="0">
+              <a:buNone/>
+              <a:defRPr sz="900"/>
+            </a:lvl8pPr>
+            <a:lvl9pPr marL="3657600" indent="0">
+              <a:buNone/>
+              <a:defRPr sz="900"/>
             </a:lvl9pPr>
           </a:lstStyle>
           <a:p>
@@ -2397,7 +4629,7 @@
     </p:spTree>
     <p:extLst>
       <p:ext uri="{BB962C8B-B14F-4D97-AF65-F5344CB8AC3E}">
-        <p14:creationId xmlns:p14="http://schemas.microsoft.com/office/powerpoint/2010/main" val="3796832491"/>
+        <p14:creationId xmlns:p14="http://schemas.microsoft.com/office/powerpoint/2010/main" val="411594336"/>
       </p:ext>
     </p:extLst>
   </p:cSld>
@@ -2429,6 +4661,536 @@
           <a:chExt cx="0" cy="0"/>
         </a:xfrm>
       </p:grpSpPr>
+      <p:grpSp>
+        <p:nvGrpSpPr>
+          <p:cNvPr id="7" name="Group 6"/>
+          <p:cNvGrpSpPr/>
+          <p:nvPr/>
+        </p:nvGrpSpPr>
+        <p:grpSpPr>
+          <a:xfrm>
+            <a:off x="0" y="-8467"/>
+            <a:ext cx="12192000" cy="6866467"/>
+            <a:chOff x="0" y="-8467"/>
+            <a:chExt cx="12192000" cy="6866467"/>
+          </a:xfrm>
+        </p:grpSpPr>
+        <p:cxnSp>
+          <p:nvCxnSpPr>
+            <p:cNvPr id="20" name="Straight Connector 19"/>
+            <p:cNvCxnSpPr/>
+            <p:nvPr/>
+          </p:nvCxnSpPr>
+          <p:spPr>
+            <a:xfrm>
+              <a:off x="9371012" y="0"/>
+              <a:ext cx="1219200" cy="6858000"/>
+            </a:xfrm>
+            <a:prstGeom prst="line">
+              <a:avLst/>
+            </a:prstGeom>
+            <a:ln w="9525">
+              <a:solidFill>
+                <a:schemeClr val="bg1">
+                  <a:lumMod val="75000"/>
+                </a:schemeClr>
+              </a:solidFill>
+            </a:ln>
+          </p:spPr>
+          <p:style>
+            <a:lnRef idx="2">
+              <a:schemeClr val="accent1"/>
+            </a:lnRef>
+            <a:fillRef idx="0">
+              <a:schemeClr val="accent1"/>
+            </a:fillRef>
+            <a:effectRef idx="1">
+              <a:schemeClr val="accent1"/>
+            </a:effectRef>
+            <a:fontRef idx="minor">
+              <a:schemeClr val="tx1"/>
+            </a:fontRef>
+          </p:style>
+        </p:cxnSp>
+        <p:cxnSp>
+          <p:nvCxnSpPr>
+            <p:cNvPr id="21" name="Straight Connector 20"/>
+            <p:cNvCxnSpPr/>
+            <p:nvPr/>
+          </p:nvCxnSpPr>
+          <p:spPr>
+            <a:xfrm flipH="1">
+              <a:off x="7425267" y="3681413"/>
+              <a:ext cx="4763558" cy="3176587"/>
+            </a:xfrm>
+            <a:prstGeom prst="line">
+              <a:avLst/>
+            </a:prstGeom>
+            <a:ln w="9525">
+              <a:solidFill>
+                <a:schemeClr val="bg1">
+                  <a:lumMod val="85000"/>
+                </a:schemeClr>
+              </a:solidFill>
+            </a:ln>
+          </p:spPr>
+          <p:style>
+            <a:lnRef idx="2">
+              <a:schemeClr val="accent1"/>
+            </a:lnRef>
+            <a:fillRef idx="0">
+              <a:schemeClr val="accent1"/>
+            </a:fillRef>
+            <a:effectRef idx="1">
+              <a:schemeClr val="accent1"/>
+            </a:effectRef>
+            <a:fontRef idx="minor">
+              <a:schemeClr val="tx1"/>
+            </a:fontRef>
+          </p:style>
+        </p:cxnSp>
+        <p:sp>
+          <p:nvSpPr>
+            <p:cNvPr id="22" name="Rectangle 23"/>
+            <p:cNvSpPr/>
+            <p:nvPr/>
+          </p:nvSpPr>
+          <p:spPr>
+            <a:xfrm>
+              <a:off x="9181476" y="-8467"/>
+              <a:ext cx="3007349" cy="6866467"/>
+            </a:xfrm>
+            <a:custGeom>
+              <a:avLst/>
+              <a:gdLst/>
+              <a:ahLst/>
+              <a:cxnLst/>
+              <a:rect l="l" t="t" r="r" b="b"/>
+              <a:pathLst>
+                <a:path w="3007349" h="6866467">
+                  <a:moveTo>
+                    <a:pt x="2045532" y="0"/>
+                  </a:moveTo>
+                  <a:lnTo>
+                    <a:pt x="3007349" y="0"/>
+                  </a:lnTo>
+                  <a:lnTo>
+                    <a:pt x="3007349" y="6866467"/>
+                  </a:lnTo>
+                  <a:lnTo>
+                    <a:pt x="0" y="6866467"/>
+                  </a:lnTo>
+                  <a:lnTo>
+                    <a:pt x="2045532" y="0"/>
+                  </a:lnTo>
+                  <a:close/>
+                </a:path>
+              </a:pathLst>
+            </a:custGeom>
+            <a:solidFill>
+              <a:schemeClr val="accent1">
+                <a:alpha val="30000"/>
+              </a:schemeClr>
+            </a:solidFill>
+            <a:ln>
+              <a:noFill/>
+            </a:ln>
+            <a:effectLst/>
+          </p:spPr>
+          <p:style>
+            <a:lnRef idx="1">
+              <a:schemeClr val="accent1"/>
+            </a:lnRef>
+            <a:fillRef idx="3">
+              <a:schemeClr val="accent1"/>
+            </a:fillRef>
+            <a:effectRef idx="2">
+              <a:schemeClr val="accent1"/>
+            </a:effectRef>
+            <a:fontRef idx="minor">
+              <a:schemeClr val="lt1"/>
+            </a:fontRef>
+          </p:style>
+        </p:sp>
+        <p:sp>
+          <p:nvSpPr>
+            <p:cNvPr id="23" name="Rectangle 25"/>
+            <p:cNvSpPr/>
+            <p:nvPr/>
+          </p:nvSpPr>
+          <p:spPr>
+            <a:xfrm>
+              <a:off x="9603442" y="-8467"/>
+              <a:ext cx="2588558" cy="6866467"/>
+            </a:xfrm>
+            <a:custGeom>
+              <a:avLst/>
+              <a:gdLst/>
+              <a:ahLst/>
+              <a:cxnLst/>
+              <a:rect l="l" t="t" r="r" b="b"/>
+              <a:pathLst>
+                <a:path w="2573311" h="6866467">
+                  <a:moveTo>
+                    <a:pt x="0" y="0"/>
+                  </a:moveTo>
+                  <a:lnTo>
+                    <a:pt x="2573311" y="0"/>
+                  </a:lnTo>
+                  <a:lnTo>
+                    <a:pt x="2573311" y="6866467"/>
+                  </a:lnTo>
+                  <a:lnTo>
+                    <a:pt x="1202336" y="6866467"/>
+                  </a:lnTo>
+                  <a:lnTo>
+                    <a:pt x="0" y="0"/>
+                  </a:lnTo>
+                  <a:close/>
+                </a:path>
+              </a:pathLst>
+            </a:custGeom>
+            <a:solidFill>
+              <a:schemeClr val="accent1">
+                <a:alpha val="20000"/>
+              </a:schemeClr>
+            </a:solidFill>
+            <a:ln>
+              <a:noFill/>
+            </a:ln>
+            <a:effectLst/>
+          </p:spPr>
+          <p:style>
+            <a:lnRef idx="1">
+              <a:schemeClr val="accent1"/>
+            </a:lnRef>
+            <a:fillRef idx="3">
+              <a:schemeClr val="accent1"/>
+            </a:fillRef>
+            <a:effectRef idx="2">
+              <a:schemeClr val="accent1"/>
+            </a:effectRef>
+            <a:fontRef idx="minor">
+              <a:schemeClr val="lt1"/>
+            </a:fontRef>
+          </p:style>
+        </p:sp>
+        <p:sp>
+          <p:nvSpPr>
+            <p:cNvPr id="24" name="Isosceles Triangle 23"/>
+            <p:cNvSpPr/>
+            <p:nvPr/>
+          </p:nvSpPr>
+          <p:spPr>
+            <a:xfrm>
+              <a:off x="8932333" y="3048000"/>
+              <a:ext cx="3259667" cy="3810000"/>
+            </a:xfrm>
+            <a:prstGeom prst="triangle">
+              <a:avLst>
+                <a:gd name="adj" fmla="val 100000"/>
+              </a:avLst>
+            </a:prstGeom>
+            <a:solidFill>
+              <a:schemeClr val="accent2">
+                <a:alpha val="72000"/>
+              </a:schemeClr>
+            </a:solidFill>
+            <a:ln>
+              <a:noFill/>
+            </a:ln>
+            <a:effectLst/>
+          </p:spPr>
+          <p:style>
+            <a:lnRef idx="1">
+              <a:schemeClr val="accent1"/>
+            </a:lnRef>
+            <a:fillRef idx="3">
+              <a:schemeClr val="accent1"/>
+            </a:fillRef>
+            <a:effectRef idx="2">
+              <a:schemeClr val="accent1"/>
+            </a:effectRef>
+            <a:fontRef idx="minor">
+              <a:schemeClr val="lt1"/>
+            </a:fontRef>
+          </p:style>
+        </p:sp>
+        <p:sp>
+          <p:nvSpPr>
+            <p:cNvPr id="25" name="Rectangle 27"/>
+            <p:cNvSpPr/>
+            <p:nvPr/>
+          </p:nvSpPr>
+          <p:spPr>
+            <a:xfrm>
+              <a:off x="9334500" y="-8467"/>
+              <a:ext cx="2854326" cy="6866467"/>
+            </a:xfrm>
+            <a:custGeom>
+              <a:avLst/>
+              <a:gdLst/>
+              <a:ahLst/>
+              <a:cxnLst/>
+              <a:rect l="l" t="t" r="r" b="b"/>
+              <a:pathLst>
+                <a:path w="2858013" h="6866467">
+                  <a:moveTo>
+                    <a:pt x="0" y="0"/>
+                  </a:moveTo>
+                  <a:lnTo>
+                    <a:pt x="2858013" y="0"/>
+                  </a:lnTo>
+                  <a:lnTo>
+                    <a:pt x="2858013" y="6866467"/>
+                  </a:lnTo>
+                  <a:lnTo>
+                    <a:pt x="2473942" y="6866467"/>
+                  </a:lnTo>
+                  <a:lnTo>
+                    <a:pt x="0" y="0"/>
+                  </a:lnTo>
+                  <a:close/>
+                </a:path>
+              </a:pathLst>
+            </a:custGeom>
+            <a:solidFill>
+              <a:schemeClr val="accent2">
+                <a:lumMod val="75000"/>
+                <a:alpha val="70000"/>
+              </a:schemeClr>
+            </a:solidFill>
+            <a:ln>
+              <a:noFill/>
+            </a:ln>
+            <a:effectLst/>
+          </p:spPr>
+          <p:style>
+            <a:lnRef idx="1">
+              <a:schemeClr val="accent1"/>
+            </a:lnRef>
+            <a:fillRef idx="3">
+              <a:schemeClr val="accent1"/>
+            </a:fillRef>
+            <a:effectRef idx="2">
+              <a:schemeClr val="accent1"/>
+            </a:effectRef>
+            <a:fontRef idx="minor">
+              <a:schemeClr val="lt1"/>
+            </a:fontRef>
+          </p:style>
+        </p:sp>
+        <p:sp>
+          <p:nvSpPr>
+            <p:cNvPr id="26" name="Rectangle 28"/>
+            <p:cNvSpPr/>
+            <p:nvPr/>
+          </p:nvSpPr>
+          <p:spPr>
+            <a:xfrm>
+              <a:off x="10898730" y="-8467"/>
+              <a:ext cx="1290094" cy="6866467"/>
+            </a:xfrm>
+            <a:custGeom>
+              <a:avLst/>
+              <a:gdLst/>
+              <a:ahLst/>
+              <a:cxnLst/>
+              <a:rect l="l" t="t" r="r" b="b"/>
+              <a:pathLst>
+                <a:path w="1290094" h="6858000">
+                  <a:moveTo>
+                    <a:pt x="1019735" y="0"/>
+                  </a:moveTo>
+                  <a:lnTo>
+                    <a:pt x="1290094" y="0"/>
+                  </a:lnTo>
+                  <a:lnTo>
+                    <a:pt x="1290094" y="6858000"/>
+                  </a:lnTo>
+                  <a:lnTo>
+                    <a:pt x="0" y="6858000"/>
+                  </a:lnTo>
+                  <a:lnTo>
+                    <a:pt x="1019735" y="0"/>
+                  </a:lnTo>
+                  <a:close/>
+                </a:path>
+              </a:pathLst>
+            </a:custGeom>
+            <a:solidFill>
+              <a:schemeClr val="accent1">
+                <a:lumMod val="60000"/>
+                <a:lumOff val="40000"/>
+                <a:alpha val="70000"/>
+              </a:schemeClr>
+            </a:solidFill>
+            <a:ln>
+              <a:noFill/>
+            </a:ln>
+            <a:effectLst/>
+          </p:spPr>
+          <p:style>
+            <a:lnRef idx="1">
+              <a:schemeClr val="accent1"/>
+            </a:lnRef>
+            <a:fillRef idx="3">
+              <a:schemeClr val="accent1"/>
+            </a:fillRef>
+            <a:effectRef idx="2">
+              <a:schemeClr val="accent1"/>
+            </a:effectRef>
+            <a:fontRef idx="minor">
+              <a:schemeClr val="lt1"/>
+            </a:fontRef>
+          </p:style>
+        </p:sp>
+        <p:sp>
+          <p:nvSpPr>
+            <p:cNvPr id="27" name="Rectangle 29"/>
+            <p:cNvSpPr/>
+            <p:nvPr/>
+          </p:nvSpPr>
+          <p:spPr>
+            <a:xfrm>
+              <a:off x="10938999" y="-8467"/>
+              <a:ext cx="1249825" cy="6866467"/>
+            </a:xfrm>
+            <a:custGeom>
+              <a:avLst/>
+              <a:gdLst/>
+              <a:ahLst/>
+              <a:cxnLst/>
+              <a:rect l="l" t="t" r="r" b="b"/>
+              <a:pathLst>
+                <a:path w="1249825" h="6858000">
+                  <a:moveTo>
+                    <a:pt x="0" y="0"/>
+                  </a:moveTo>
+                  <a:lnTo>
+                    <a:pt x="1249825" y="0"/>
+                  </a:lnTo>
+                  <a:lnTo>
+                    <a:pt x="1249825" y="6858000"/>
+                  </a:lnTo>
+                  <a:lnTo>
+                    <a:pt x="1109382" y="6858000"/>
+                  </a:lnTo>
+                  <a:lnTo>
+                    <a:pt x="0" y="0"/>
+                  </a:lnTo>
+                  <a:close/>
+                </a:path>
+              </a:pathLst>
+            </a:custGeom>
+            <a:solidFill>
+              <a:schemeClr val="accent1">
+                <a:alpha val="65000"/>
+              </a:schemeClr>
+            </a:solidFill>
+            <a:ln>
+              <a:noFill/>
+            </a:ln>
+            <a:effectLst/>
+          </p:spPr>
+          <p:style>
+            <a:lnRef idx="1">
+              <a:schemeClr val="accent1"/>
+            </a:lnRef>
+            <a:fillRef idx="3">
+              <a:schemeClr val="accent1"/>
+            </a:fillRef>
+            <a:effectRef idx="2">
+              <a:schemeClr val="accent1"/>
+            </a:effectRef>
+            <a:fontRef idx="minor">
+              <a:schemeClr val="lt1"/>
+            </a:fontRef>
+          </p:style>
+        </p:sp>
+        <p:sp>
+          <p:nvSpPr>
+            <p:cNvPr id="28" name="Isosceles Triangle 27"/>
+            <p:cNvSpPr/>
+            <p:nvPr/>
+          </p:nvSpPr>
+          <p:spPr>
+            <a:xfrm>
+              <a:off x="10371666" y="3589867"/>
+              <a:ext cx="1817159" cy="3268133"/>
+            </a:xfrm>
+            <a:prstGeom prst="triangle">
+              <a:avLst>
+                <a:gd name="adj" fmla="val 100000"/>
+              </a:avLst>
+            </a:prstGeom>
+            <a:solidFill>
+              <a:schemeClr val="accent1">
+                <a:alpha val="80000"/>
+              </a:schemeClr>
+            </a:solidFill>
+            <a:ln>
+              <a:noFill/>
+            </a:ln>
+            <a:effectLst/>
+          </p:spPr>
+          <p:style>
+            <a:lnRef idx="1">
+              <a:schemeClr val="accent1"/>
+            </a:lnRef>
+            <a:fillRef idx="3">
+              <a:schemeClr val="accent1"/>
+            </a:fillRef>
+            <a:effectRef idx="2">
+              <a:schemeClr val="accent1"/>
+            </a:effectRef>
+            <a:fontRef idx="minor">
+              <a:schemeClr val="lt1"/>
+            </a:fontRef>
+          </p:style>
+        </p:sp>
+        <p:sp>
+          <p:nvSpPr>
+            <p:cNvPr id="29" name="Isosceles Triangle 28"/>
+            <p:cNvSpPr/>
+            <p:nvPr/>
+          </p:nvSpPr>
+          <p:spPr>
+            <a:xfrm>
+              <a:off x="0" y="4013200"/>
+              <a:ext cx="448733" cy="2844800"/>
+            </a:xfrm>
+            <a:prstGeom prst="triangle">
+              <a:avLst>
+                <a:gd name="adj" fmla="val 0"/>
+              </a:avLst>
+            </a:prstGeom>
+            <a:solidFill>
+              <a:schemeClr val="accent1">
+                <a:alpha val="85000"/>
+              </a:schemeClr>
+            </a:solidFill>
+            <a:ln>
+              <a:noFill/>
+            </a:ln>
+            <a:effectLst/>
+          </p:spPr>
+          <p:style>
+            <a:lnRef idx="1">
+              <a:schemeClr val="accent1"/>
+            </a:lnRef>
+            <a:fillRef idx="3">
+              <a:schemeClr val="accent1"/>
+            </a:fillRef>
+            <a:effectRef idx="2">
+              <a:schemeClr val="accent1"/>
+            </a:effectRef>
+            <a:fontRef idx="minor">
+              <a:schemeClr val="lt1"/>
+            </a:fontRef>
+          </p:style>
+        </p:sp>
+      </p:grpSp>
       <p:sp>
         <p:nvSpPr>
           <p:cNvPr id="2" name="Title Placeholder 1"/>
@@ -2441,15 +5203,15 @@
         </p:nvSpPr>
         <p:spPr>
           <a:xfrm>
-            <a:off x="838200" y="365125"/>
-            <a:ext cx="10515600" cy="1325563"/>
+            <a:off x="677334" y="609600"/>
+            <a:ext cx="8596668" cy="1320800"/>
           </a:xfrm>
           <a:prstGeom prst="rect">
             <a:avLst/>
           </a:prstGeom>
         </p:spPr>
         <p:txBody>
-          <a:bodyPr vert="horz" lIns="91440" tIns="45720" rIns="91440" bIns="45720" rtlCol="0" anchor="ctr">
+          <a:bodyPr vert="horz" lIns="91440" tIns="45720" rIns="91440" bIns="45720" rtlCol="0" anchor="t">
             <a:normAutofit/>
           </a:bodyPr>
           <a:lstStyle/>
@@ -2458,7 +5220,7 @@
               <a:rPr lang="en-US" smtClean="0"/>
               <a:t>Click to edit Master title style</a:t>
             </a:r>
-            <a:endParaRPr lang="en-US"/>
+            <a:endParaRPr lang="en-US" dirty="0"/>
           </a:p>
         </p:txBody>
       </p:sp>
@@ -2474,8 +5236,8 @@
         </p:nvSpPr>
         <p:spPr>
           <a:xfrm>
-            <a:off x="838200" y="1825625"/>
-            <a:ext cx="10515600" cy="4351338"/>
+            <a:off x="677334" y="2160589"/>
+            <a:ext cx="8596668" cy="3880773"/>
           </a:xfrm>
           <a:prstGeom prst="rect">
             <a:avLst/>
@@ -2520,7 +5282,7 @@
               <a:rPr lang="en-US" smtClean="0"/>
               <a:t>Fifth level</a:t>
             </a:r>
-            <a:endParaRPr lang="en-US"/>
+            <a:endParaRPr lang="en-US" dirty="0"/>
           </a:p>
         </p:txBody>
       </p:sp>
@@ -2536,8 +5298,8 @@
         </p:nvSpPr>
         <p:spPr>
           <a:xfrm>
-            <a:off x="838200" y="6356350"/>
-            <a:ext cx="2743200" cy="365125"/>
+            <a:off x="7205133" y="6041362"/>
+            <a:ext cx="911939" cy="365125"/>
           </a:xfrm>
           <a:prstGeom prst="rect">
             <a:avLst/>
@@ -2546,8 +5308,8 @@
         <p:txBody>
           <a:bodyPr vert="horz" lIns="91440" tIns="45720" rIns="91440" bIns="45720" rtlCol="0" anchor="ctr"/>
           <a:lstStyle>
-            <a:lvl1pPr algn="l">
-              <a:defRPr sz="1200">
+            <a:lvl1pPr algn="r">
+              <a:defRPr sz="900">
                 <a:solidFill>
                   <a:schemeClr val="tx1">
                     <a:tint val="75000"/>
@@ -2577,8 +5339,8 @@
         </p:nvSpPr>
         <p:spPr>
           <a:xfrm>
-            <a:off x="4038600" y="6356350"/>
-            <a:ext cx="4114800" cy="365125"/>
+            <a:off x="677334" y="6041362"/>
+            <a:ext cx="6297612" cy="365125"/>
           </a:xfrm>
           <a:prstGeom prst="rect">
             <a:avLst/>
@@ -2587,8 +5349,8 @@
         <p:txBody>
           <a:bodyPr vert="horz" lIns="91440" tIns="45720" rIns="91440" bIns="45720" rtlCol="0" anchor="ctr"/>
           <a:lstStyle>
-            <a:lvl1pPr algn="ctr">
-              <a:defRPr sz="1200">
+            <a:lvl1pPr algn="l">
+              <a:defRPr sz="900">
                 <a:solidFill>
                   <a:schemeClr val="tx1">
                     <a:tint val="75000"/>
@@ -2614,8 +5376,8 @@
         </p:nvSpPr>
         <p:spPr>
           <a:xfrm>
-            <a:off x="8610600" y="6356350"/>
-            <a:ext cx="2743200" cy="365125"/>
+            <a:off x="8590663" y="6041362"/>
+            <a:ext cx="683339" cy="365125"/>
           </a:xfrm>
           <a:prstGeom prst="rect">
             <a:avLst/>
@@ -2625,11 +5387,9 @@
           <a:bodyPr vert="horz" lIns="91440" tIns="45720" rIns="91440" bIns="45720" rtlCol="0" anchor="ctr"/>
           <a:lstStyle>
             <a:lvl1pPr algn="r">
-              <a:defRPr sz="1200">
-                <a:solidFill>
-                  <a:schemeClr val="tx1">
-                    <a:tint val="75000"/>
-                  </a:schemeClr>
+              <a:defRPr sz="900">
+                <a:solidFill>
+                  <a:schemeClr val="accent1"/>
                 </a:solidFill>
               </a:defRPr>
             </a:lvl1pPr>
@@ -2646,201 +5406,322 @@
     </p:spTree>
     <p:extLst>
       <p:ext uri="{BB962C8B-B14F-4D97-AF65-F5344CB8AC3E}">
-        <p14:creationId xmlns:p14="http://schemas.microsoft.com/office/powerpoint/2010/main" val="529126369"/>
+        <p14:creationId xmlns:p14="http://schemas.microsoft.com/office/powerpoint/2010/main" val="639789826"/>
       </p:ext>
     </p:extLst>
   </p:cSld>
   <p:clrMap bg1="lt1" tx1="dk1" bg2="lt2" tx2="dk2" accent1="accent1" accent2="accent2" accent3="accent3" accent4="accent4" accent5="accent5" accent6="accent6" hlink="hlink" folHlink="folHlink"/>
   <p:sldLayoutIdLst>
-    <p:sldLayoutId id="2147483649" r:id="rId1"/>
-    <p:sldLayoutId id="2147483650" r:id="rId2"/>
-    <p:sldLayoutId id="2147483651" r:id="rId3"/>
-    <p:sldLayoutId id="2147483652" r:id="rId4"/>
-    <p:sldLayoutId id="2147483653" r:id="rId5"/>
-    <p:sldLayoutId id="2147483654" r:id="rId6"/>
-    <p:sldLayoutId id="2147483655" r:id="rId7"/>
-    <p:sldLayoutId id="2147483656" r:id="rId8"/>
-    <p:sldLayoutId id="2147483657" r:id="rId9"/>
-    <p:sldLayoutId id="2147483658" r:id="rId10"/>
-    <p:sldLayoutId id="2147483659" r:id="rId11"/>
+    <p:sldLayoutId id="2147483743" r:id="rId1"/>
+    <p:sldLayoutId id="2147483744" r:id="rId2"/>
+    <p:sldLayoutId id="2147483745" r:id="rId3"/>
+    <p:sldLayoutId id="2147483746" r:id="rId4"/>
+    <p:sldLayoutId id="2147483747" r:id="rId5"/>
+    <p:sldLayoutId id="2147483748" r:id="rId6"/>
+    <p:sldLayoutId id="2147483749" r:id="rId7"/>
+    <p:sldLayoutId id="2147483750" r:id="rId8"/>
+    <p:sldLayoutId id="2147483751" r:id="rId9"/>
+    <p:sldLayoutId id="2147483752" r:id="rId10"/>
+    <p:sldLayoutId id="2147483753" r:id="rId11"/>
+    <p:sldLayoutId id="2147483754" r:id="rId12"/>
+    <p:sldLayoutId id="2147483755" r:id="rId13"/>
+    <p:sldLayoutId id="2147483756" r:id="rId14"/>
+    <p:sldLayoutId id="2147483757" r:id="rId15"/>
+    <p:sldLayoutId id="2147483758" r:id="rId16"/>
   </p:sldLayoutIdLst>
   <p:txStyles>
     <p:titleStyle>
-      <a:lvl1pPr algn="l" defTabSz="914400" rtl="0" eaLnBrk="1" latinLnBrk="0" hangingPunct="1">
-        <a:lnSpc>
-          <a:spcPct val="90000"/>
-        </a:lnSpc>
+      <a:lvl1pPr algn="l" defTabSz="457200" rtl="0" eaLnBrk="1" latinLnBrk="0" hangingPunct="1">
         <a:spcBef>
           <a:spcPct val="0"/>
         </a:spcBef>
         <a:buNone/>
-        <a:defRPr sz="4400" kern="1200">
+        <a:defRPr sz="3600" kern="1200">
           <a:solidFill>
-            <a:schemeClr val="tx1"/>
+            <a:schemeClr val="accent1"/>
           </a:solidFill>
           <a:latin typeface="+mj-lt"/>
           <a:ea typeface="+mj-ea"/>
           <a:cs typeface="+mj-cs"/>
         </a:defRPr>
       </a:lvl1pPr>
+      <a:lvl2pPr eaLnBrk="1" hangingPunct="1">
+        <a:defRPr>
+          <a:solidFill>
+            <a:schemeClr val="tx2"/>
+          </a:solidFill>
+        </a:defRPr>
+      </a:lvl2pPr>
+      <a:lvl3pPr eaLnBrk="1" hangingPunct="1">
+        <a:defRPr>
+          <a:solidFill>
+            <a:schemeClr val="tx2"/>
+          </a:solidFill>
+        </a:defRPr>
+      </a:lvl3pPr>
+      <a:lvl4pPr eaLnBrk="1" hangingPunct="1">
+        <a:defRPr>
+          <a:solidFill>
+            <a:schemeClr val="tx2"/>
+          </a:solidFill>
+        </a:defRPr>
+      </a:lvl4pPr>
+      <a:lvl5pPr eaLnBrk="1" hangingPunct="1">
+        <a:defRPr>
+          <a:solidFill>
+            <a:schemeClr val="tx2"/>
+          </a:solidFill>
+        </a:defRPr>
+      </a:lvl5pPr>
+      <a:lvl6pPr eaLnBrk="1" hangingPunct="1">
+        <a:defRPr>
+          <a:solidFill>
+            <a:schemeClr val="tx2"/>
+          </a:solidFill>
+        </a:defRPr>
+      </a:lvl6pPr>
+      <a:lvl7pPr eaLnBrk="1" hangingPunct="1">
+        <a:defRPr>
+          <a:solidFill>
+            <a:schemeClr val="tx2"/>
+          </a:solidFill>
+        </a:defRPr>
+      </a:lvl7pPr>
+      <a:lvl8pPr eaLnBrk="1" hangingPunct="1">
+        <a:defRPr>
+          <a:solidFill>
+            <a:schemeClr val="tx2"/>
+          </a:solidFill>
+        </a:defRPr>
+      </a:lvl8pPr>
+      <a:lvl9pPr eaLnBrk="1" hangingPunct="1">
+        <a:defRPr>
+          <a:solidFill>
+            <a:schemeClr val="tx2"/>
+          </a:solidFill>
+        </a:defRPr>
+      </a:lvl9pPr>
     </p:titleStyle>
     <p:bodyStyle>
-      <a:lvl1pPr marL="228600" indent="-228600" algn="l" defTabSz="914400" rtl="0" eaLnBrk="1" latinLnBrk="0" hangingPunct="1">
-        <a:lnSpc>
-          <a:spcPct val="90000"/>
-        </a:lnSpc>
+      <a:lvl1pPr marL="342900" indent="-342900" algn="l" defTabSz="457200" rtl="0" eaLnBrk="1" latinLnBrk="0" hangingPunct="1">
         <a:spcBef>
           <a:spcPts val="1000"/>
         </a:spcBef>
-        <a:buFont typeface="Arial" panose="020B0604020202020204" pitchFamily="34" charset="0"/>
-        <a:buChar char="•"/>
-        <a:defRPr sz="2800" kern="1200">
+        <a:spcAft>
+          <a:spcPts val="0"/>
+        </a:spcAft>
+        <a:buClr>
+          <a:schemeClr val="accent1"/>
+        </a:buClr>
+        <a:buSzPct val="80000"/>
+        <a:buFont typeface="Wingdings 3" charset="2"/>
+        <a:buChar char=""/>
+        <a:defRPr sz="1800" kern="1200">
           <a:solidFill>
-            <a:schemeClr val="tx1"/>
+            <a:schemeClr val="tx1">
+              <a:lumMod val="75000"/>
+              <a:lumOff val="25000"/>
+            </a:schemeClr>
           </a:solidFill>
           <a:latin typeface="+mn-lt"/>
           <a:ea typeface="+mn-ea"/>
           <a:cs typeface="+mn-cs"/>
         </a:defRPr>
       </a:lvl1pPr>
-      <a:lvl2pPr marL="685800" indent="-228600" algn="l" defTabSz="914400" rtl="0" eaLnBrk="1" latinLnBrk="0" hangingPunct="1">
-        <a:lnSpc>
-          <a:spcPct val="90000"/>
-        </a:lnSpc>
+      <a:lvl2pPr marL="742950" indent="-285750" algn="l" defTabSz="457200" rtl="0" eaLnBrk="1" latinLnBrk="0" hangingPunct="1">
         <a:spcBef>
-          <a:spcPts val="500"/>
+          <a:spcPts val="1000"/>
         </a:spcBef>
-        <a:buFont typeface="Arial" panose="020B0604020202020204" pitchFamily="34" charset="0"/>
-        <a:buChar char="•"/>
-        <a:defRPr sz="2400" kern="1200">
+        <a:spcAft>
+          <a:spcPts val="0"/>
+        </a:spcAft>
+        <a:buClr>
+          <a:schemeClr val="accent1"/>
+        </a:buClr>
+        <a:buSzPct val="80000"/>
+        <a:buFont typeface="Wingdings 3" charset="2"/>
+        <a:buChar char=""/>
+        <a:defRPr sz="1600" kern="1200">
           <a:solidFill>
-            <a:schemeClr val="tx1"/>
+            <a:schemeClr val="tx1">
+              <a:lumMod val="75000"/>
+              <a:lumOff val="25000"/>
+            </a:schemeClr>
           </a:solidFill>
           <a:latin typeface="+mn-lt"/>
           <a:ea typeface="+mn-ea"/>
           <a:cs typeface="+mn-cs"/>
         </a:defRPr>
       </a:lvl2pPr>
-      <a:lvl3pPr marL="1143000" indent="-228600" algn="l" defTabSz="914400" rtl="0" eaLnBrk="1" latinLnBrk="0" hangingPunct="1">
-        <a:lnSpc>
-          <a:spcPct val="90000"/>
-        </a:lnSpc>
+      <a:lvl3pPr marL="1143000" indent="-228600" algn="l" defTabSz="457200" rtl="0" eaLnBrk="1" latinLnBrk="0" hangingPunct="1">
         <a:spcBef>
-          <a:spcPts val="500"/>
+          <a:spcPts val="1000"/>
         </a:spcBef>
-        <a:buFont typeface="Arial" panose="020B0604020202020204" pitchFamily="34" charset="0"/>
-        <a:buChar char="•"/>
-        <a:defRPr sz="2000" kern="1200">
+        <a:spcAft>
+          <a:spcPts val="0"/>
+        </a:spcAft>
+        <a:buClr>
+          <a:schemeClr val="accent1"/>
+        </a:buClr>
+        <a:buSzPct val="80000"/>
+        <a:buFont typeface="Wingdings 3" charset="2"/>
+        <a:buChar char=""/>
+        <a:defRPr sz="1400" kern="1200">
           <a:solidFill>
-            <a:schemeClr val="tx1"/>
+            <a:schemeClr val="tx1">
+              <a:lumMod val="75000"/>
+              <a:lumOff val="25000"/>
+            </a:schemeClr>
           </a:solidFill>
           <a:latin typeface="+mn-lt"/>
           <a:ea typeface="+mn-ea"/>
           <a:cs typeface="+mn-cs"/>
         </a:defRPr>
       </a:lvl3pPr>
-      <a:lvl4pPr marL="1600200" indent="-228600" algn="l" defTabSz="914400" rtl="0" eaLnBrk="1" latinLnBrk="0" hangingPunct="1">
-        <a:lnSpc>
-          <a:spcPct val="90000"/>
-        </a:lnSpc>
+      <a:lvl4pPr marL="1600200" indent="-228600" algn="l" defTabSz="457200" rtl="0" eaLnBrk="1" latinLnBrk="0" hangingPunct="1">
         <a:spcBef>
-          <a:spcPts val="500"/>
+          <a:spcPts val="1000"/>
         </a:spcBef>
-        <a:buFont typeface="Arial" panose="020B0604020202020204" pitchFamily="34" charset="0"/>
-        <a:buChar char="•"/>
-        <a:defRPr sz="1800" kern="1200">
+        <a:spcAft>
+          <a:spcPts val="0"/>
+        </a:spcAft>
+        <a:buClr>
+          <a:schemeClr val="accent1"/>
+        </a:buClr>
+        <a:buSzPct val="80000"/>
+        <a:buFont typeface="Wingdings 3" charset="2"/>
+        <a:buChar char=""/>
+        <a:defRPr sz="1200" kern="1200">
           <a:solidFill>
-            <a:schemeClr val="tx1"/>
+            <a:schemeClr val="tx1">
+              <a:lumMod val="75000"/>
+              <a:lumOff val="25000"/>
+            </a:schemeClr>
           </a:solidFill>
           <a:latin typeface="+mn-lt"/>
           <a:ea typeface="+mn-ea"/>
           <a:cs typeface="+mn-cs"/>
         </a:defRPr>
       </a:lvl4pPr>
-      <a:lvl5pPr marL="2057400" indent="-228600" algn="l" defTabSz="914400" rtl="0" eaLnBrk="1" latinLnBrk="0" hangingPunct="1">
-        <a:lnSpc>
-          <a:spcPct val="90000"/>
-        </a:lnSpc>
+      <a:lvl5pPr marL="2057400" indent="-228600" algn="l" defTabSz="457200" rtl="0" eaLnBrk="1" latinLnBrk="0" hangingPunct="1">
         <a:spcBef>
-          <a:spcPts val="500"/>
+          <a:spcPts val="1000"/>
         </a:spcBef>
-        <a:buFont typeface="Arial" panose="020B0604020202020204" pitchFamily="34" charset="0"/>
-        <a:buChar char="•"/>
-        <a:defRPr sz="1800" kern="1200">
+        <a:spcAft>
+          <a:spcPts val="0"/>
+        </a:spcAft>
+        <a:buClr>
+          <a:schemeClr val="accent1"/>
+        </a:buClr>
+        <a:buSzPct val="80000"/>
+        <a:buFont typeface="Wingdings 3" charset="2"/>
+        <a:buChar char=""/>
+        <a:defRPr sz="1200" kern="1200">
           <a:solidFill>
-            <a:schemeClr val="tx1"/>
+            <a:schemeClr val="tx1">
+              <a:lumMod val="75000"/>
+              <a:lumOff val="25000"/>
+            </a:schemeClr>
           </a:solidFill>
           <a:latin typeface="+mn-lt"/>
           <a:ea typeface="+mn-ea"/>
           <a:cs typeface="+mn-cs"/>
         </a:defRPr>
       </a:lvl5pPr>
-      <a:lvl6pPr marL="2514600" indent="-228600" algn="l" defTabSz="914400" rtl="0" eaLnBrk="1" latinLnBrk="0" hangingPunct="1">
-        <a:lnSpc>
-          <a:spcPct val="90000"/>
-        </a:lnSpc>
+      <a:lvl6pPr marL="2514600" indent="-228600" algn="l" defTabSz="457200" rtl="0" eaLnBrk="1" latinLnBrk="0" hangingPunct="1">
         <a:spcBef>
-          <a:spcPts val="500"/>
+          <a:spcPts val="1000"/>
         </a:spcBef>
-        <a:buFont typeface="Arial" panose="020B0604020202020204" pitchFamily="34" charset="0"/>
-        <a:buChar char="•"/>
-        <a:defRPr sz="1800" kern="1200">
+        <a:spcAft>
+          <a:spcPts val="0"/>
+        </a:spcAft>
+        <a:buClr>
+          <a:schemeClr val="accent1"/>
+        </a:buClr>
+        <a:buSzPct val="80000"/>
+        <a:buFont typeface="Wingdings 3" charset="2"/>
+        <a:buChar char=""/>
+        <a:defRPr sz="1200" kern="1200">
           <a:solidFill>
-            <a:schemeClr val="tx1"/>
+            <a:schemeClr val="tx1">
+              <a:lumMod val="75000"/>
+              <a:lumOff val="25000"/>
+            </a:schemeClr>
           </a:solidFill>
           <a:latin typeface="+mn-lt"/>
           <a:ea typeface="+mn-ea"/>
           <a:cs typeface="+mn-cs"/>
         </a:defRPr>
       </a:lvl6pPr>
-      <a:lvl7pPr marL="2971800" indent="-228600" algn="l" defTabSz="914400" rtl="0" eaLnBrk="1" latinLnBrk="0" hangingPunct="1">
-        <a:lnSpc>
-          <a:spcPct val="90000"/>
-        </a:lnSpc>
+      <a:lvl7pPr marL="2971800" indent="-228600" algn="l" defTabSz="457200" rtl="0" eaLnBrk="1" latinLnBrk="0" hangingPunct="1">
         <a:spcBef>
-          <a:spcPts val="500"/>
+          <a:spcPts val="1000"/>
         </a:spcBef>
-        <a:buFont typeface="Arial" panose="020B0604020202020204" pitchFamily="34" charset="0"/>
-        <a:buChar char="•"/>
-        <a:defRPr sz="1800" kern="1200">
+        <a:spcAft>
+          <a:spcPts val="0"/>
+        </a:spcAft>
+        <a:buClr>
+          <a:schemeClr val="accent1"/>
+        </a:buClr>
+        <a:buSzPct val="80000"/>
+        <a:buFont typeface="Wingdings 3" charset="2"/>
+        <a:buChar char=""/>
+        <a:defRPr sz="1200" kern="1200">
           <a:solidFill>
-            <a:schemeClr val="tx1"/>
+            <a:schemeClr val="tx1">
+              <a:lumMod val="75000"/>
+              <a:lumOff val="25000"/>
+            </a:schemeClr>
           </a:solidFill>
           <a:latin typeface="+mn-lt"/>
           <a:ea typeface="+mn-ea"/>
           <a:cs typeface="+mn-cs"/>
         </a:defRPr>
       </a:lvl7pPr>
-      <a:lvl8pPr marL="3429000" indent="-228600" algn="l" defTabSz="914400" rtl="0" eaLnBrk="1" latinLnBrk="0" hangingPunct="1">
-        <a:lnSpc>
-          <a:spcPct val="90000"/>
-        </a:lnSpc>
+      <a:lvl8pPr marL="3429000" indent="-228600" algn="l" defTabSz="457200" rtl="0" eaLnBrk="1" latinLnBrk="0" hangingPunct="1">
         <a:spcBef>
-          <a:spcPts val="500"/>
+          <a:spcPts val="1000"/>
         </a:spcBef>
-        <a:buFont typeface="Arial" panose="020B0604020202020204" pitchFamily="34" charset="0"/>
-        <a:buChar char="•"/>
-        <a:defRPr sz="1800" kern="1200">
+        <a:spcAft>
+          <a:spcPts val="0"/>
+        </a:spcAft>
+        <a:buClr>
+          <a:schemeClr val="accent1"/>
+        </a:buClr>
+        <a:buSzPct val="80000"/>
+        <a:buFont typeface="Wingdings 3" charset="2"/>
+        <a:buChar char=""/>
+        <a:defRPr sz="1200" kern="1200">
           <a:solidFill>
-            <a:schemeClr val="tx1"/>
+            <a:schemeClr val="tx1">
+              <a:lumMod val="75000"/>
+              <a:lumOff val="25000"/>
+            </a:schemeClr>
           </a:solidFill>
           <a:latin typeface="+mn-lt"/>
           <a:ea typeface="+mn-ea"/>
           <a:cs typeface="+mn-cs"/>
         </a:defRPr>
       </a:lvl8pPr>
-      <a:lvl9pPr marL="3886200" indent="-228600" algn="l" defTabSz="914400" rtl="0" eaLnBrk="1" latinLnBrk="0" hangingPunct="1">
-        <a:lnSpc>
-          <a:spcPct val="90000"/>
-        </a:lnSpc>
+      <a:lvl9pPr marL="3886200" indent="-228600" algn="l" defTabSz="457200" rtl="0" eaLnBrk="1" latinLnBrk="0" hangingPunct="1">
         <a:spcBef>
-          <a:spcPts val="500"/>
+          <a:spcPts val="1000"/>
         </a:spcBef>
-        <a:buFont typeface="Arial" panose="020B0604020202020204" pitchFamily="34" charset="0"/>
-        <a:buChar char="•"/>
-        <a:defRPr sz="1800" kern="1200">
+        <a:spcAft>
+          <a:spcPts val="0"/>
+        </a:spcAft>
+        <a:buClr>
+          <a:schemeClr val="accent1"/>
+        </a:buClr>
+        <a:buSzPct val="80000"/>
+        <a:buFont typeface="Wingdings 3" charset="2"/>
+        <a:buChar char=""/>
+        <a:defRPr sz="1200" kern="1200">
           <a:solidFill>
-            <a:schemeClr val="tx1"/>
+            <a:schemeClr val="tx1">
+              <a:lumMod val="75000"/>
+              <a:lumOff val="25000"/>
+            </a:schemeClr>
           </a:solidFill>
           <a:latin typeface="+mn-lt"/>
           <a:ea typeface="+mn-ea"/>
@@ -2852,7 +5733,7 @@
       <a:defPPr>
         <a:defRPr lang="en-US"/>
       </a:defPPr>
-      <a:lvl1pPr marL="0" algn="l" defTabSz="914400" rtl="0" eaLnBrk="1" latinLnBrk="0" hangingPunct="1">
+      <a:lvl1pPr marL="0" algn="l" defTabSz="457200" rtl="0" eaLnBrk="1" latinLnBrk="0" hangingPunct="1">
         <a:defRPr sz="1800" kern="1200">
           <a:solidFill>
             <a:schemeClr val="tx1"/>
@@ -2862,7 +5743,7 @@
           <a:cs typeface="+mn-cs"/>
         </a:defRPr>
       </a:lvl1pPr>
-      <a:lvl2pPr marL="457200" algn="l" defTabSz="914400" rtl="0" eaLnBrk="1" latinLnBrk="0" hangingPunct="1">
+      <a:lvl2pPr marL="457200" algn="l" defTabSz="457200" rtl="0" eaLnBrk="1" latinLnBrk="0" hangingPunct="1">
         <a:defRPr sz="1800" kern="1200">
           <a:solidFill>
             <a:schemeClr val="tx1"/>
@@ -2872,7 +5753,7 @@
           <a:cs typeface="+mn-cs"/>
         </a:defRPr>
       </a:lvl2pPr>
-      <a:lvl3pPr marL="914400" algn="l" defTabSz="914400" rtl="0" eaLnBrk="1" latinLnBrk="0" hangingPunct="1">
+      <a:lvl3pPr marL="914400" algn="l" defTabSz="457200" rtl="0" eaLnBrk="1" latinLnBrk="0" hangingPunct="1">
         <a:defRPr sz="1800" kern="1200">
           <a:solidFill>
             <a:schemeClr val="tx1"/>
@@ -2882,7 +5763,7 @@
           <a:cs typeface="+mn-cs"/>
         </a:defRPr>
       </a:lvl3pPr>
-      <a:lvl4pPr marL="1371600" algn="l" defTabSz="914400" rtl="0" eaLnBrk="1" latinLnBrk="0" hangingPunct="1">
+      <a:lvl4pPr marL="1371600" algn="l" defTabSz="457200" rtl="0" eaLnBrk="1" latinLnBrk="0" hangingPunct="1">
         <a:defRPr sz="1800" kern="1200">
           <a:solidFill>
             <a:schemeClr val="tx1"/>
@@ -2892,7 +5773,7 @@
           <a:cs typeface="+mn-cs"/>
         </a:defRPr>
       </a:lvl4pPr>
-      <a:lvl5pPr marL="1828800" algn="l" defTabSz="914400" rtl="0" eaLnBrk="1" latinLnBrk="0" hangingPunct="1">
+      <a:lvl5pPr marL="1828800" algn="l" defTabSz="457200" rtl="0" eaLnBrk="1" latinLnBrk="0" hangingPunct="1">
         <a:defRPr sz="1800" kern="1200">
           <a:solidFill>
             <a:schemeClr val="tx1"/>
@@ -2902,7 +5783,7 @@
           <a:cs typeface="+mn-cs"/>
         </a:defRPr>
       </a:lvl5pPr>
-      <a:lvl6pPr marL="2286000" algn="l" defTabSz="914400" rtl="0" eaLnBrk="1" latinLnBrk="0" hangingPunct="1">
+      <a:lvl6pPr marL="2286000" algn="l" defTabSz="457200" rtl="0" eaLnBrk="1" latinLnBrk="0" hangingPunct="1">
         <a:defRPr sz="1800" kern="1200">
           <a:solidFill>
             <a:schemeClr val="tx1"/>
@@ -2912,7 +5793,7 @@
           <a:cs typeface="+mn-cs"/>
         </a:defRPr>
       </a:lvl6pPr>
-      <a:lvl7pPr marL="2743200" algn="l" defTabSz="914400" rtl="0" eaLnBrk="1" latinLnBrk="0" hangingPunct="1">
+      <a:lvl7pPr marL="2743200" algn="l" defTabSz="457200" rtl="0" eaLnBrk="1" latinLnBrk="0" hangingPunct="1">
         <a:defRPr sz="1800" kern="1200">
           <a:solidFill>
             <a:schemeClr val="tx1"/>
@@ -2922,7 +5803,7 @@
           <a:cs typeface="+mn-cs"/>
         </a:defRPr>
       </a:lvl7pPr>
-      <a:lvl8pPr marL="3200400" algn="l" defTabSz="914400" rtl="0" eaLnBrk="1" latinLnBrk="0" hangingPunct="1">
+      <a:lvl8pPr marL="3200400" algn="l" defTabSz="457200" rtl="0" eaLnBrk="1" latinLnBrk="0" hangingPunct="1">
         <a:defRPr sz="1800" kern="1200">
           <a:solidFill>
             <a:schemeClr val="tx1"/>
@@ -2932,7 +5813,7 @@
           <a:cs typeface="+mn-cs"/>
         </a:defRPr>
       </a:lvl8pPr>
-      <a:lvl9pPr marL="3657600" algn="l" defTabSz="914400" rtl="0" eaLnBrk="1" latinLnBrk="0" hangingPunct="1">
+      <a:lvl9pPr marL="3657600" algn="l" defTabSz="457200" rtl="0" eaLnBrk="1" latinLnBrk="0" hangingPunct="1">
         <a:defRPr sz="1800" kern="1200">
           <a:solidFill>
             <a:schemeClr val="tx1"/>
@@ -2974,35 +5855,97 @@
             <p:ph type="ctrTitle"/>
           </p:nvPr>
         </p:nvSpPr>
-        <p:spPr/>
+        <p:spPr>
+          <a:xfrm>
+            <a:off x="218875" y="1"/>
+            <a:ext cx="8915399" cy="1722268"/>
+          </a:xfrm>
+        </p:spPr>
         <p:txBody>
           <a:bodyPr/>
           <a:lstStyle/>
           <a:p>
             <a:r>
+              <a:rPr lang="en-US" dirty="0" smtClean="0">
+                <a:solidFill>
+                  <a:schemeClr val="tx1"/>
+                </a:solidFill>
+              </a:rPr>
+              <a:t>Leo-Futsal</a:t>
+            </a:r>
+            <a:endParaRPr lang="en-US" dirty="0">
+              <a:solidFill>
+                <a:schemeClr val="tx1"/>
+              </a:solidFill>
+            </a:endParaRPr>
+          </a:p>
+        </p:txBody>
+      </p:sp>
+      <p:sp>
+        <p:nvSpPr>
+          <p:cNvPr id="3" name="Subtitle 2"/>
+          <p:cNvSpPr>
+            <a:spLocks noGrp="1"/>
+          </p:cNvSpPr>
+          <p:nvPr>
+            <p:ph type="subTitle" idx="1"/>
+          </p:nvPr>
+        </p:nvSpPr>
+        <p:spPr>
+          <a:xfrm>
+            <a:off x="671636" y="2025302"/>
+            <a:ext cx="8915399" cy="1845362"/>
+          </a:xfrm>
+        </p:spPr>
+        <p:txBody>
+          <a:bodyPr>
+            <a:normAutofit/>
+          </a:bodyPr>
+          <a:lstStyle/>
+          <a:p>
+            <a:r>
+              <a:rPr lang="en-US" b="1" dirty="0" smtClean="0"/>
+              <a:t>Presented by</a:t>
+            </a:r>
+          </a:p>
+          <a:p>
+            <a:r>
               <a:rPr lang="en-US" dirty="0" smtClean="0"/>
-              <a:t>uhguyg7uygy7ug</a:t>
-            </a:r>
+              <a:t>Manish Shrestha</a:t>
+            </a:r>
+          </a:p>
+          <a:p>
+            <a:r>
+              <a:rPr lang="en-US" dirty="0" err="1" smtClean="0"/>
+              <a:t>Kshitij</a:t>
+            </a:r>
+            <a:r>
+              <a:rPr lang="en-US" dirty="0" smtClean="0"/>
+              <a:t> </a:t>
+            </a:r>
+            <a:r>
+              <a:rPr lang="en-US" dirty="0" err="1" smtClean="0"/>
+              <a:t>Gurung</a:t>
+            </a:r>
+            <a:endParaRPr lang="en-US" dirty="0" smtClean="0"/>
+          </a:p>
+          <a:p>
+            <a:r>
+              <a:rPr lang="en-US" dirty="0" err="1" smtClean="0"/>
+              <a:t>Kushal</a:t>
+            </a:r>
+            <a:r>
+              <a:rPr lang="en-US" dirty="0" smtClean="0"/>
+              <a:t> </a:t>
+            </a:r>
+            <a:r>
+              <a:rPr lang="en-US" dirty="0" err="1" smtClean="0"/>
+              <a:t>Kapre</a:t>
+            </a:r>
+            <a:endParaRPr lang="en-US" dirty="0" smtClean="0"/>
+          </a:p>
+          <a:p>
             <a:endParaRPr lang="en-US" dirty="0"/>
-          </a:p>
-        </p:txBody>
-      </p:sp>
-      <p:sp>
-        <p:nvSpPr>
-          <p:cNvPr id="3" name="Subtitle 2"/>
-          <p:cNvSpPr>
-            <a:spLocks noGrp="1"/>
-          </p:cNvSpPr>
-          <p:nvPr>
-            <p:ph type="subTitle" idx="1"/>
-          </p:nvPr>
-        </p:nvSpPr>
-        <p:spPr/>
-        <p:txBody>
-          <a:bodyPr/>
-          <a:lstStyle/>
-          <a:p>
-            <a:endParaRPr lang="en-US"/>
           </a:p>
         </p:txBody>
       </p:sp>
@@ -3019,10 +5962,3049 @@
 </p:sld>
 </file>
 
+<file path=ppt/slides/slide10.xml><?xml version="1.0" encoding="utf-8"?>
+<p:sld xmlns:a="http://schemas.openxmlformats.org/drawingml/2006/main" xmlns:r="http://schemas.openxmlformats.org/officeDocument/2006/relationships" xmlns:p="http://schemas.openxmlformats.org/presentationml/2006/main">
+  <p:cSld>
+    <p:spTree>
+      <p:nvGrpSpPr>
+        <p:cNvPr id="1" name=""/>
+        <p:cNvGrpSpPr/>
+        <p:nvPr/>
+      </p:nvGrpSpPr>
+      <p:grpSpPr>
+        <a:xfrm>
+          <a:off x="0" y="0"/>
+          <a:ext cx="0" cy="0"/>
+          <a:chOff x="0" y="0"/>
+          <a:chExt cx="0" cy="0"/>
+        </a:xfrm>
+      </p:grpSpPr>
+      <p:sp>
+        <p:nvSpPr>
+          <p:cNvPr id="3" name="Content Placeholder 2"/>
+          <p:cNvSpPr>
+            <a:spLocks noGrp="1"/>
+          </p:cNvSpPr>
+          <p:nvPr>
+            <p:ph idx="1"/>
+          </p:nvPr>
+        </p:nvSpPr>
+        <p:spPr>
+          <a:xfrm>
+            <a:off x="357738" y="633630"/>
+            <a:ext cx="8596668" cy="3880773"/>
+          </a:xfrm>
+        </p:spPr>
+        <p:txBody>
+          <a:bodyPr/>
+          <a:lstStyle/>
+          <a:p>
+            <a:r>
+              <a:rPr lang="en-US" dirty="0" smtClean="0"/>
+              <a:t>Level 2 </a:t>
+            </a:r>
+            <a:r>
+              <a:rPr lang="en-US" dirty="0" err="1" smtClean="0"/>
+              <a:t>dfd</a:t>
+            </a:r>
+            <a:r>
+              <a:rPr lang="en-US" dirty="0" smtClean="0"/>
+              <a:t> for court booking</a:t>
+            </a:r>
+          </a:p>
+          <a:p>
+            <a:endParaRPr lang="en-US" dirty="0"/>
+          </a:p>
+        </p:txBody>
+      </p:sp>
+      <p:pic>
+        <p:nvPicPr>
+          <p:cNvPr id="4" name="Picture 3"/>
+          <p:cNvPicPr/>
+          <p:nvPr/>
+        </p:nvPicPr>
+        <p:blipFill>
+          <a:blip r:embed="rId2">
+            <a:extLst>
+              <a:ext uri="{28A0092B-C50C-407E-A947-70E740481C1C}">
+                <a14:useLocalDpi xmlns:a14="http://schemas.microsoft.com/office/drawing/2010/main" val="0"/>
+              </a:ext>
+            </a:extLst>
+          </a:blip>
+          <a:srcRect/>
+          <a:stretch>
+            <a:fillRect/>
+          </a:stretch>
+        </p:blipFill>
+        <p:spPr bwMode="auto">
+          <a:xfrm>
+            <a:off x="2183907" y="1171851"/>
+            <a:ext cx="2181493" cy="5271117"/>
+          </a:xfrm>
+          <a:prstGeom prst="rect">
+            <a:avLst/>
+          </a:prstGeom>
+          <a:noFill/>
+          <a:ln>
+            <a:noFill/>
+          </a:ln>
+        </p:spPr>
+      </p:pic>
+    </p:spTree>
+    <p:extLst>
+      <p:ext uri="{BB962C8B-B14F-4D97-AF65-F5344CB8AC3E}">
+        <p14:creationId xmlns:p14="http://schemas.microsoft.com/office/powerpoint/2010/main" val="883817412"/>
+      </p:ext>
+    </p:extLst>
+  </p:cSld>
+  <p:clrMapOvr>
+    <a:masterClrMapping/>
+  </p:clrMapOvr>
+</p:sld>
+</file>
+
+<file path=ppt/slides/slide11.xml><?xml version="1.0" encoding="utf-8"?>
+<p:sld xmlns:a="http://schemas.openxmlformats.org/drawingml/2006/main" xmlns:r="http://schemas.openxmlformats.org/officeDocument/2006/relationships" xmlns:p="http://schemas.openxmlformats.org/presentationml/2006/main">
+  <p:cSld>
+    <p:spTree>
+      <p:nvGrpSpPr>
+        <p:cNvPr id="1" name=""/>
+        <p:cNvGrpSpPr/>
+        <p:nvPr/>
+      </p:nvGrpSpPr>
+      <p:grpSpPr>
+        <a:xfrm>
+          <a:off x="0" y="0"/>
+          <a:ext cx="0" cy="0"/>
+          <a:chOff x="0" y="0"/>
+          <a:chExt cx="0" cy="0"/>
+        </a:xfrm>
+      </p:grpSpPr>
+      <p:sp>
+        <p:nvSpPr>
+          <p:cNvPr id="2" name="Title 1"/>
+          <p:cNvSpPr>
+            <a:spLocks noGrp="1"/>
+          </p:cNvSpPr>
+          <p:nvPr>
+            <p:ph type="title"/>
+          </p:nvPr>
+        </p:nvSpPr>
+        <p:spPr/>
+        <p:txBody>
+          <a:bodyPr/>
+          <a:lstStyle/>
+          <a:p>
+            <a:r>
+              <a:rPr lang="en-US" dirty="0" smtClean="0">
+                <a:solidFill>
+                  <a:schemeClr val="tx1"/>
+                </a:solidFill>
+              </a:rPr>
+              <a:t>Database Schema</a:t>
+            </a:r>
+            <a:endParaRPr lang="en-US" dirty="0">
+              <a:solidFill>
+                <a:schemeClr val="tx1"/>
+              </a:solidFill>
+            </a:endParaRPr>
+          </a:p>
+        </p:txBody>
+      </p:sp>
+      <p:sp>
+        <p:nvSpPr>
+          <p:cNvPr id="7" name="Content Placeholder 6"/>
+          <p:cNvSpPr>
+            <a:spLocks noGrp="1"/>
+          </p:cNvSpPr>
+          <p:nvPr>
+            <p:ph idx="1"/>
+          </p:nvPr>
+        </p:nvSpPr>
+        <p:spPr>
+          <a:xfrm>
+            <a:off x="215696" y="861134"/>
+            <a:ext cx="8596668" cy="4289639"/>
+          </a:xfrm>
+        </p:spPr>
+        <p:txBody>
+          <a:bodyPr/>
+          <a:lstStyle/>
+          <a:p>
+            <a:endParaRPr lang="en-US" dirty="0"/>
+          </a:p>
+          <a:p>
+            <a:r>
+              <a:rPr lang="en-US" dirty="0"/>
+              <a:t>A database schema is a logical structure that represents the organization of data in a database. It defines the tables, fields, relationships, views, indexes, and other elements that constitute the database</a:t>
+            </a:r>
+            <a:r>
+              <a:rPr lang="en-US" dirty="0" smtClean="0"/>
+              <a:t>.</a:t>
+            </a:r>
+          </a:p>
+          <a:p>
+            <a:endParaRPr lang="en-US" dirty="0"/>
+          </a:p>
+        </p:txBody>
+      </p:sp>
+      <p:pic>
+        <p:nvPicPr>
+          <p:cNvPr id="8" name="Picture 7"/>
+          <p:cNvPicPr/>
+          <p:nvPr/>
+        </p:nvPicPr>
+        <p:blipFill>
+          <a:blip r:embed="rId2" cstate="print">
+            <a:extLst>
+              <a:ext uri="{28A0092B-C50C-407E-A947-70E740481C1C}">
+                <a14:useLocalDpi xmlns:a14="http://schemas.microsoft.com/office/drawing/2010/main" val="0"/>
+              </a:ext>
+            </a:extLst>
+          </a:blip>
+          <a:stretch>
+            <a:fillRect/>
+          </a:stretch>
+        </p:blipFill>
+        <p:spPr>
+          <a:xfrm>
+            <a:off x="1827524" y="2325950"/>
+            <a:ext cx="5802630" cy="3528750"/>
+          </a:xfrm>
+          <a:prstGeom prst="rect">
+            <a:avLst/>
+          </a:prstGeom>
+        </p:spPr>
+      </p:pic>
+    </p:spTree>
+    <p:extLst>
+      <p:ext uri="{BB962C8B-B14F-4D97-AF65-F5344CB8AC3E}">
+        <p14:creationId xmlns:p14="http://schemas.microsoft.com/office/powerpoint/2010/main" val="2996241641"/>
+      </p:ext>
+    </p:extLst>
+  </p:cSld>
+  <p:clrMapOvr>
+    <a:masterClrMapping/>
+  </p:clrMapOvr>
+</p:sld>
+</file>
+
+<file path=ppt/slides/slide12.xml><?xml version="1.0" encoding="utf-8"?>
+<p:sld xmlns:a="http://schemas.openxmlformats.org/drawingml/2006/main" xmlns:r="http://schemas.openxmlformats.org/officeDocument/2006/relationships" xmlns:p="http://schemas.openxmlformats.org/presentationml/2006/main">
+  <p:cSld>
+    <p:spTree>
+      <p:nvGrpSpPr>
+        <p:cNvPr id="1" name=""/>
+        <p:cNvGrpSpPr/>
+        <p:nvPr/>
+      </p:nvGrpSpPr>
+      <p:grpSpPr>
+        <a:xfrm>
+          <a:off x="0" y="0"/>
+          <a:ext cx="0" cy="0"/>
+          <a:chOff x="0" y="0"/>
+          <a:chExt cx="0" cy="0"/>
+        </a:xfrm>
+      </p:grpSpPr>
+      <p:sp>
+        <p:nvSpPr>
+          <p:cNvPr id="2" name="Title 1"/>
+          <p:cNvSpPr>
+            <a:spLocks noGrp="1"/>
+          </p:cNvSpPr>
+          <p:nvPr>
+            <p:ph type="title"/>
+          </p:nvPr>
+        </p:nvSpPr>
+        <p:spPr/>
+        <p:txBody>
+          <a:bodyPr/>
+          <a:lstStyle/>
+          <a:p>
+            <a:r>
+              <a:rPr lang="en-US" dirty="0" smtClean="0">
+                <a:solidFill>
+                  <a:schemeClr val="tx1"/>
+                </a:solidFill>
+              </a:rPr>
+              <a:t>Gant chart</a:t>
+            </a:r>
+            <a:endParaRPr lang="en-US" dirty="0">
+              <a:solidFill>
+                <a:schemeClr val="tx1"/>
+              </a:solidFill>
+            </a:endParaRPr>
+          </a:p>
+        </p:txBody>
+      </p:sp>
+      <p:pic>
+        <p:nvPicPr>
+          <p:cNvPr id="4" name="Content Placeholder 3"/>
+          <p:cNvPicPr>
+            <a:picLocks noGrp="1"/>
+          </p:cNvPicPr>
+          <p:nvPr>
+            <p:ph idx="1"/>
+          </p:nvPr>
+        </p:nvPicPr>
+        <p:blipFill>
+          <a:blip r:embed="rId2">
+            <a:extLst>
+              <a:ext uri="{28A0092B-C50C-407E-A947-70E740481C1C}">
+                <a14:useLocalDpi xmlns:a14="http://schemas.microsoft.com/office/drawing/2010/main" val="0"/>
+              </a:ext>
+            </a:extLst>
+          </a:blip>
+          <a:srcRect/>
+          <a:stretch>
+            <a:fillRect/>
+          </a:stretch>
+        </p:blipFill>
+        <p:spPr bwMode="auto">
+          <a:xfrm>
+            <a:off x="2360608" y="2543643"/>
+            <a:ext cx="5230821" cy="3115326"/>
+          </a:xfrm>
+          <a:prstGeom prst="rect">
+            <a:avLst/>
+          </a:prstGeom>
+          <a:noFill/>
+        </p:spPr>
+      </p:pic>
+    </p:spTree>
+    <p:extLst>
+      <p:ext uri="{BB962C8B-B14F-4D97-AF65-F5344CB8AC3E}">
+        <p14:creationId xmlns:p14="http://schemas.microsoft.com/office/powerpoint/2010/main" val="3248210401"/>
+      </p:ext>
+    </p:extLst>
+  </p:cSld>
+  <p:clrMapOvr>
+    <a:masterClrMapping/>
+  </p:clrMapOvr>
+</p:sld>
+</file>
+
+<file path=ppt/slides/slide13.xml><?xml version="1.0" encoding="utf-8"?>
+<p:sld xmlns:a="http://schemas.openxmlformats.org/drawingml/2006/main" xmlns:r="http://schemas.openxmlformats.org/officeDocument/2006/relationships" xmlns:p="http://schemas.openxmlformats.org/presentationml/2006/main">
+  <p:cSld>
+    <p:spTree>
+      <p:nvGrpSpPr>
+        <p:cNvPr id="1" name=""/>
+        <p:cNvGrpSpPr/>
+        <p:nvPr/>
+      </p:nvGrpSpPr>
+      <p:grpSpPr>
+        <a:xfrm>
+          <a:off x="0" y="0"/>
+          <a:ext cx="0" cy="0"/>
+          <a:chOff x="0" y="0"/>
+          <a:chExt cx="0" cy="0"/>
+        </a:xfrm>
+      </p:grpSpPr>
+      <p:sp>
+        <p:nvSpPr>
+          <p:cNvPr id="2" name="Title 1"/>
+          <p:cNvSpPr>
+            <a:spLocks noGrp="1"/>
+          </p:cNvSpPr>
+          <p:nvPr>
+            <p:ph type="title"/>
+          </p:nvPr>
+        </p:nvSpPr>
+        <p:spPr/>
+        <p:txBody>
+          <a:bodyPr/>
+          <a:lstStyle/>
+          <a:p>
+            <a:r>
+              <a:rPr lang="en-US" dirty="0" smtClean="0">
+                <a:solidFill>
+                  <a:schemeClr val="tx1"/>
+                </a:solidFill>
+              </a:rPr>
+              <a:t>Project result</a:t>
+            </a:r>
+            <a:endParaRPr lang="en-US" dirty="0">
+              <a:solidFill>
+                <a:schemeClr val="tx1"/>
+              </a:solidFill>
+            </a:endParaRPr>
+          </a:p>
+        </p:txBody>
+      </p:sp>
+      <p:sp>
+        <p:nvSpPr>
+          <p:cNvPr id="3" name="Content Placeholder 2"/>
+          <p:cNvSpPr>
+            <a:spLocks noGrp="1"/>
+          </p:cNvSpPr>
+          <p:nvPr>
+            <p:ph idx="1"/>
+          </p:nvPr>
+        </p:nvSpPr>
+        <p:spPr/>
+        <p:txBody>
+          <a:bodyPr>
+            <a:normAutofit lnSpcReduction="10000"/>
+          </a:bodyPr>
+          <a:lstStyle/>
+          <a:p>
+            <a:pPr lvl="0"/>
+            <a:r>
+              <a:rPr lang="en-US" b="1" dirty="0"/>
+              <a:t>Improved User Experience</a:t>
+            </a:r>
+            <a:r>
+              <a:rPr lang="en-US" dirty="0"/>
+              <a:t>: A well-designed app that simplifies the booking process and provides real-time updates will enhance user satisfaction and retention.</a:t>
+            </a:r>
+          </a:p>
+          <a:p>
+            <a:pPr lvl="0"/>
+            <a:r>
+              <a:rPr lang="en-US" b="1" dirty="0"/>
+              <a:t>Operational Efficiency</a:t>
+            </a:r>
+            <a:r>
+              <a:rPr lang="en-US" dirty="0"/>
+              <a:t>: A dependable backend system will streamline operations for court managers and vendors, reducing administrative burdens and improving service quality.</a:t>
+            </a:r>
+          </a:p>
+          <a:p>
+            <a:pPr lvl="0"/>
+            <a:r>
+              <a:rPr lang="en-US" b="1" dirty="0"/>
+              <a:t>Enhanced Community Engagement</a:t>
+            </a:r>
+            <a:r>
+              <a:rPr lang="en-US" dirty="0"/>
+              <a:t>: Features that support team development and communication will help build a vibrant futsal community, encouraging more players to participate and stay engaged.</a:t>
+            </a:r>
+          </a:p>
+          <a:p>
+            <a:pPr lvl="0"/>
+            <a:r>
+              <a:rPr lang="en-US" b="1" dirty="0"/>
+              <a:t>Increased Adoption</a:t>
+            </a:r>
+            <a:r>
+              <a:rPr lang="en-US" dirty="0"/>
+              <a:t>: The comprehensive and user-centric design of the app will attract a wide user base, promoting the adoption of digital solutions for futsal reservations and potentially expanding to other sports facilities in the future.</a:t>
+            </a:r>
+          </a:p>
+        </p:txBody>
+      </p:sp>
+    </p:spTree>
+    <p:extLst>
+      <p:ext uri="{BB962C8B-B14F-4D97-AF65-F5344CB8AC3E}">
+        <p14:creationId xmlns:p14="http://schemas.microsoft.com/office/powerpoint/2010/main" val="3759674214"/>
+      </p:ext>
+    </p:extLst>
+  </p:cSld>
+  <p:clrMapOvr>
+    <a:masterClrMapping/>
+  </p:clrMapOvr>
+</p:sld>
+</file>
+
+<file path=ppt/slides/slide14.xml><?xml version="1.0" encoding="utf-8"?>
+<p:sld xmlns:a="http://schemas.openxmlformats.org/drawingml/2006/main" xmlns:r="http://schemas.openxmlformats.org/officeDocument/2006/relationships" xmlns:p="http://schemas.openxmlformats.org/presentationml/2006/main">
+  <p:cSld>
+    <p:spTree>
+      <p:nvGrpSpPr>
+        <p:cNvPr id="1" name=""/>
+        <p:cNvGrpSpPr/>
+        <p:nvPr/>
+      </p:nvGrpSpPr>
+      <p:grpSpPr>
+        <a:xfrm>
+          <a:off x="0" y="0"/>
+          <a:ext cx="0" cy="0"/>
+          <a:chOff x="0" y="0"/>
+          <a:chExt cx="0" cy="0"/>
+        </a:xfrm>
+      </p:grpSpPr>
+      <p:sp>
+        <p:nvSpPr>
+          <p:cNvPr id="2" name="Title 1"/>
+          <p:cNvSpPr>
+            <a:spLocks noGrp="1"/>
+          </p:cNvSpPr>
+          <p:nvPr>
+            <p:ph type="title"/>
+          </p:nvPr>
+        </p:nvSpPr>
+        <p:spPr/>
+        <p:txBody>
+          <a:bodyPr/>
+          <a:lstStyle/>
+          <a:p>
+            <a:r>
+              <a:rPr lang="en-US" dirty="0" smtClean="0">
+                <a:solidFill>
+                  <a:schemeClr val="tx1"/>
+                </a:solidFill>
+              </a:rPr>
+              <a:t>Future </a:t>
+            </a:r>
+            <a:r>
+              <a:rPr lang="en-US" dirty="0" err="1" smtClean="0">
+                <a:solidFill>
+                  <a:schemeClr val="tx1"/>
+                </a:solidFill>
+              </a:rPr>
+              <a:t>Enchament</a:t>
+            </a:r>
+            <a:endParaRPr lang="en-US" dirty="0">
+              <a:solidFill>
+                <a:schemeClr val="tx1"/>
+              </a:solidFill>
+            </a:endParaRPr>
+          </a:p>
+        </p:txBody>
+      </p:sp>
+      <p:sp>
+        <p:nvSpPr>
+          <p:cNvPr id="4" name="Rectangle 1"/>
+          <p:cNvSpPr>
+            <a:spLocks noGrp="1" noChangeArrowheads="1"/>
+          </p:cNvSpPr>
+          <p:nvPr>
+            <p:ph idx="1"/>
+          </p:nvPr>
+        </p:nvSpPr>
+        <p:spPr bwMode="auto">
+          <a:xfrm>
+            <a:off x="411004" y="1160612"/>
+            <a:ext cx="9336723" cy="2862322"/>
+          </a:xfrm>
+          <a:prstGeom prst="rect">
+            <a:avLst/>
+          </a:prstGeom>
+          <a:noFill/>
+          <a:ln>
+            <a:noFill/>
+          </a:ln>
+          <a:effectLst/>
+          <a:extLst>
+            <a:ext uri="{909E8E84-426E-40DD-AFC4-6F175D3DCCD1}">
+              <a14:hiddenFill xmlns:a14="http://schemas.microsoft.com/office/drawing/2010/main">
+                <a:solidFill>
+                  <a:schemeClr val="accent1"/>
+                </a:solidFill>
+              </a14:hiddenFill>
+            </a:ext>
+            <a:ext uri="{91240B29-F687-4F45-9708-019B960494DF}">
+              <a14:hiddenLine xmlns:a14="http://schemas.microsoft.com/office/drawing/2010/main" w="9525">
+                <a:solidFill>
+                  <a:schemeClr val="tx1"/>
+                </a:solidFill>
+                <a:miter lim="800000"/>
+                <a:headEnd/>
+                <a:tailEnd/>
+              </a14:hiddenLine>
+            </a:ext>
+            <a:ext uri="{AF507438-7753-43E0-B8FC-AC1667EBCBE1}">
+              <a14:hiddenEffects xmlns:a14="http://schemas.microsoft.com/office/drawing/2010/main">
+                <a:effectLst>
+                  <a:outerShdw dist="35921" dir="2700000" algn="ctr" rotWithShape="0">
+                    <a:schemeClr val="bg2"/>
+                  </a:outerShdw>
+                </a:effectLst>
+              </a14:hiddenEffects>
+            </a:ext>
+          </a:extLst>
+        </p:spPr>
+        <p:txBody>
+          <a:bodyPr vert="horz" wrap="none" lIns="91440" tIns="45720" rIns="91440" bIns="45720" numCol="1" anchor="ctr" anchorCtr="0" compatLnSpc="1">
+            <a:prstTxWarp prst="textNoShape">
+              <a:avLst/>
+            </a:prstTxWarp>
+            <a:spAutoFit/>
+          </a:bodyPr>
+          <a:lstStyle/>
+          <a:p>
+            <a:pPr marL="0" marR="0" lvl="0" indent="0" algn="l" defTabSz="914400" rtl="0" eaLnBrk="0" fontAlgn="base" latinLnBrk="0" hangingPunct="0">
+              <a:lnSpc>
+                <a:spcPct val="100000"/>
+              </a:lnSpc>
+              <a:spcBef>
+                <a:spcPct val="0"/>
+              </a:spcBef>
+              <a:spcAft>
+                <a:spcPct val="0"/>
+              </a:spcAft>
+              <a:buClrTx/>
+              <a:buSzTx/>
+              <a:buFontTx/>
+              <a:buNone/>
+              <a:tabLst/>
+            </a:pPr>
+            <a:endParaRPr kumimoji="0" lang="en-US" altLang="en-US" sz="1800" b="0" i="0" u="none" strike="noStrike" cap="none" normalizeH="0" baseline="0" dirty="0" smtClean="0">
+              <a:ln>
+                <a:noFill/>
+              </a:ln>
+              <a:solidFill>
+                <a:schemeClr val="tx1"/>
+              </a:solidFill>
+              <a:effectLst/>
+              <a:latin typeface="Arial" panose="020B0604020202020204" pitchFamily="34" charset="0"/>
+            </a:endParaRPr>
+          </a:p>
+          <a:p>
+            <a:pPr marL="0" marR="0" lvl="0" indent="0" algn="l" defTabSz="914400" rtl="0" eaLnBrk="0" fontAlgn="base" latinLnBrk="0" hangingPunct="0">
+              <a:lnSpc>
+                <a:spcPct val="100000"/>
+              </a:lnSpc>
+              <a:spcBef>
+                <a:spcPct val="0"/>
+              </a:spcBef>
+              <a:spcAft>
+                <a:spcPct val="0"/>
+              </a:spcAft>
+              <a:buClrTx/>
+              <a:buSzTx/>
+              <a:buFontTx/>
+              <a:buChar char="•"/>
+              <a:tabLst/>
+            </a:pPr>
+            <a:r>
+              <a:rPr kumimoji="0" lang="en-US" altLang="en-US" sz="1800" b="1" i="0" u="none" strike="noStrike" cap="none" normalizeH="0" baseline="0" dirty="0" smtClean="0">
+                <a:ln>
+                  <a:noFill/>
+                </a:ln>
+                <a:solidFill>
+                  <a:schemeClr val="tx1"/>
+                </a:solidFill>
+                <a:effectLst/>
+                <a:latin typeface="Arial" panose="020B0604020202020204" pitchFamily="34" charset="0"/>
+              </a:rPr>
+              <a:t>Advanced Payment Options:</a:t>
+            </a:r>
+            <a:r>
+              <a:rPr kumimoji="0" lang="en-US" altLang="en-US" sz="1800" b="0" i="0" u="none" strike="noStrike" cap="none" normalizeH="0" baseline="0" dirty="0" smtClean="0">
+                <a:ln>
+                  <a:noFill/>
+                </a:ln>
+                <a:solidFill>
+                  <a:schemeClr val="tx1"/>
+                </a:solidFill>
+                <a:effectLst/>
+                <a:latin typeface="Arial" panose="020B0604020202020204" pitchFamily="34" charset="0"/>
+              </a:rPr>
+              <a:t> Integrate digital wallets, cryptocurrencies, </a:t>
+            </a:r>
+          </a:p>
+          <a:p>
+            <a:pPr marL="0" marR="0" lvl="0" indent="0" algn="l" defTabSz="914400" rtl="0" eaLnBrk="0" fontAlgn="base" latinLnBrk="0" hangingPunct="0">
+              <a:lnSpc>
+                <a:spcPct val="100000"/>
+              </a:lnSpc>
+              <a:spcBef>
+                <a:spcPct val="0"/>
+              </a:spcBef>
+              <a:spcAft>
+                <a:spcPct val="0"/>
+              </a:spcAft>
+              <a:buClrTx/>
+              <a:buSzTx/>
+              <a:buNone/>
+              <a:tabLst/>
+            </a:pPr>
+            <a:r>
+              <a:rPr lang="en-US" altLang="en-US" dirty="0" smtClean="0">
+                <a:solidFill>
+                  <a:schemeClr val="tx1"/>
+                </a:solidFill>
+                <a:latin typeface="Arial" panose="020B0604020202020204" pitchFamily="34" charset="0"/>
+              </a:rPr>
+              <a:t>and</a:t>
+            </a:r>
+            <a:r>
+              <a:rPr kumimoji="0" lang="en-US" altLang="en-US" sz="1800" b="0" i="0" u="none" strike="noStrike" cap="none" normalizeH="0" baseline="0" dirty="0" smtClean="0">
+                <a:ln>
+                  <a:noFill/>
+                </a:ln>
+                <a:solidFill>
+                  <a:schemeClr val="tx1"/>
+                </a:solidFill>
+                <a:effectLst/>
+                <a:latin typeface="Arial" panose="020B0604020202020204" pitchFamily="34" charset="0"/>
+              </a:rPr>
+              <a:t> installment plans for diverse payment preferences.</a:t>
+            </a:r>
+          </a:p>
+          <a:p>
+            <a:pPr marL="0" marR="0" lvl="0" indent="0" algn="l" defTabSz="914400" rtl="0" eaLnBrk="0" fontAlgn="base" latinLnBrk="0" hangingPunct="0">
+              <a:lnSpc>
+                <a:spcPct val="100000"/>
+              </a:lnSpc>
+              <a:spcBef>
+                <a:spcPct val="0"/>
+              </a:spcBef>
+              <a:spcAft>
+                <a:spcPct val="0"/>
+              </a:spcAft>
+              <a:buClrTx/>
+              <a:buSzTx/>
+              <a:buFontTx/>
+              <a:buChar char="•"/>
+              <a:tabLst/>
+            </a:pPr>
+            <a:r>
+              <a:rPr kumimoji="0" lang="en-US" altLang="en-US" sz="1800" b="1" i="0" u="none" strike="noStrike" cap="none" normalizeH="0" baseline="0" dirty="0" smtClean="0">
+                <a:ln>
+                  <a:noFill/>
+                </a:ln>
+                <a:solidFill>
+                  <a:schemeClr val="tx1"/>
+                </a:solidFill>
+                <a:effectLst/>
+                <a:latin typeface="Arial" panose="020B0604020202020204" pitchFamily="34" charset="0"/>
+              </a:rPr>
+              <a:t>Enhanced Social Features:</a:t>
+            </a:r>
+            <a:r>
+              <a:rPr kumimoji="0" lang="en-US" altLang="en-US" sz="1800" b="0" i="0" u="none" strike="noStrike" cap="none" normalizeH="0" baseline="0" dirty="0" smtClean="0">
+                <a:ln>
+                  <a:noFill/>
+                </a:ln>
+                <a:solidFill>
+                  <a:schemeClr val="tx1"/>
+                </a:solidFill>
+                <a:effectLst/>
+                <a:latin typeface="Arial" panose="020B0604020202020204" pitchFamily="34" charset="0"/>
+              </a:rPr>
+              <a:t> Add player profiles, match history tracking,</a:t>
+            </a:r>
+          </a:p>
+          <a:p>
+            <a:pPr marL="0" marR="0" lvl="0" indent="0" algn="l" defTabSz="914400" rtl="0" eaLnBrk="0" fontAlgn="base" latinLnBrk="0" hangingPunct="0">
+              <a:lnSpc>
+                <a:spcPct val="100000"/>
+              </a:lnSpc>
+              <a:spcBef>
+                <a:spcPct val="0"/>
+              </a:spcBef>
+              <a:spcAft>
+                <a:spcPct val="0"/>
+              </a:spcAft>
+              <a:buClrTx/>
+              <a:buSzTx/>
+              <a:buNone/>
+              <a:tabLst/>
+            </a:pPr>
+            <a:r>
+              <a:rPr kumimoji="0" lang="en-US" altLang="en-US" sz="1800" b="0" i="0" u="none" strike="noStrike" cap="none" normalizeH="0" baseline="0" dirty="0" smtClean="0">
+                <a:ln>
+                  <a:noFill/>
+                </a:ln>
+                <a:solidFill>
+                  <a:schemeClr val="tx1"/>
+                </a:solidFill>
+                <a:effectLst/>
+                <a:latin typeface="Arial" panose="020B0604020202020204" pitchFamily="34" charset="0"/>
+              </a:rPr>
+              <a:t>and social media integration to enhance user interaction and engagement.</a:t>
+            </a:r>
+          </a:p>
+          <a:p>
+            <a:pPr marL="0" marR="0" lvl="0" indent="0" algn="l" defTabSz="914400" rtl="0" eaLnBrk="0" fontAlgn="base" latinLnBrk="0" hangingPunct="0">
+              <a:lnSpc>
+                <a:spcPct val="100000"/>
+              </a:lnSpc>
+              <a:spcBef>
+                <a:spcPct val="0"/>
+              </a:spcBef>
+              <a:spcAft>
+                <a:spcPct val="0"/>
+              </a:spcAft>
+              <a:buClrTx/>
+              <a:buSzTx/>
+              <a:buFontTx/>
+              <a:buChar char="•"/>
+              <a:tabLst/>
+            </a:pPr>
+            <a:r>
+              <a:rPr kumimoji="0" lang="en-US" altLang="en-US" sz="1800" b="1" i="0" u="none" strike="noStrike" cap="none" normalizeH="0" baseline="0" dirty="0" smtClean="0">
+                <a:ln>
+                  <a:noFill/>
+                </a:ln>
+                <a:solidFill>
+                  <a:schemeClr val="tx1"/>
+                </a:solidFill>
+                <a:effectLst/>
+                <a:latin typeface="Arial" panose="020B0604020202020204" pitchFamily="34" charset="0"/>
+              </a:rPr>
+              <a:t>Analytics for Vendors:</a:t>
+            </a:r>
+            <a:r>
+              <a:rPr kumimoji="0" lang="en-US" altLang="en-US" sz="1800" b="0" i="0" u="none" strike="noStrike" cap="none" normalizeH="0" baseline="0" dirty="0" smtClean="0">
+                <a:ln>
+                  <a:noFill/>
+                </a:ln>
+                <a:solidFill>
+                  <a:schemeClr val="tx1"/>
+                </a:solidFill>
+                <a:effectLst/>
+                <a:latin typeface="Arial" panose="020B0604020202020204" pitchFamily="34" charset="0"/>
+              </a:rPr>
+              <a:t> Offer detailed insights to court owners on user behavior</a:t>
+            </a:r>
+          </a:p>
+          <a:p>
+            <a:pPr marL="0" marR="0" lvl="0" indent="0" algn="l" defTabSz="914400" rtl="0" eaLnBrk="0" fontAlgn="base" latinLnBrk="0" hangingPunct="0">
+              <a:lnSpc>
+                <a:spcPct val="100000"/>
+              </a:lnSpc>
+              <a:spcBef>
+                <a:spcPct val="0"/>
+              </a:spcBef>
+              <a:spcAft>
+                <a:spcPct val="0"/>
+              </a:spcAft>
+              <a:buClrTx/>
+              <a:buSzTx/>
+              <a:buNone/>
+              <a:tabLst/>
+            </a:pPr>
+            <a:r>
+              <a:rPr kumimoji="0" lang="en-US" altLang="en-US" sz="1800" b="0" i="0" u="none" strike="noStrike" cap="none" normalizeH="0" baseline="0" dirty="0" smtClean="0">
+                <a:ln>
+                  <a:noFill/>
+                </a:ln>
+                <a:solidFill>
+                  <a:schemeClr val="tx1"/>
+                </a:solidFill>
+                <a:effectLst/>
+                <a:latin typeface="Arial" panose="020B0604020202020204" pitchFamily="34" charset="0"/>
+              </a:rPr>
+              <a:t> and preferences to optimize management and improve services.</a:t>
+            </a:r>
+          </a:p>
+          <a:p>
+            <a:pPr marL="0" marR="0" lvl="0" indent="0" algn="l" defTabSz="914400" rtl="0" eaLnBrk="0" fontAlgn="base" latinLnBrk="0" hangingPunct="0">
+              <a:lnSpc>
+                <a:spcPct val="100000"/>
+              </a:lnSpc>
+              <a:spcBef>
+                <a:spcPct val="0"/>
+              </a:spcBef>
+              <a:spcAft>
+                <a:spcPct val="0"/>
+              </a:spcAft>
+              <a:buClrTx/>
+              <a:buSzTx/>
+              <a:buFontTx/>
+              <a:buChar char="•"/>
+              <a:tabLst/>
+            </a:pPr>
+            <a:r>
+              <a:rPr kumimoji="0" lang="en-US" altLang="en-US" sz="1800" b="1" i="0" u="none" strike="noStrike" cap="none" normalizeH="0" baseline="0" dirty="0" smtClean="0">
+                <a:ln>
+                  <a:noFill/>
+                </a:ln>
+                <a:solidFill>
+                  <a:schemeClr val="tx1"/>
+                </a:solidFill>
+                <a:effectLst/>
+                <a:latin typeface="Arial" panose="020B0604020202020204" pitchFamily="34" charset="0"/>
+              </a:rPr>
+              <a:t>Multi-Sport Facility Booking:</a:t>
+            </a:r>
+            <a:r>
+              <a:rPr kumimoji="0" lang="en-US" altLang="en-US" sz="1800" b="0" i="0" u="none" strike="noStrike" cap="none" normalizeH="0" baseline="0" dirty="0" smtClean="0">
+                <a:ln>
+                  <a:noFill/>
+                </a:ln>
+                <a:solidFill>
+                  <a:schemeClr val="tx1"/>
+                </a:solidFill>
+                <a:effectLst/>
+                <a:latin typeface="Arial" panose="020B0604020202020204" pitchFamily="34" charset="0"/>
+              </a:rPr>
+              <a:t> Expand booking capabilities to include basketball courts,</a:t>
+            </a:r>
+          </a:p>
+          <a:p>
+            <a:pPr marL="0" marR="0" lvl="0" indent="0" algn="l" defTabSz="914400" rtl="0" eaLnBrk="0" fontAlgn="base" latinLnBrk="0" hangingPunct="0">
+              <a:lnSpc>
+                <a:spcPct val="100000"/>
+              </a:lnSpc>
+              <a:spcBef>
+                <a:spcPct val="0"/>
+              </a:spcBef>
+              <a:spcAft>
+                <a:spcPct val="0"/>
+              </a:spcAft>
+              <a:buClrTx/>
+              <a:buSzTx/>
+              <a:buNone/>
+              <a:tabLst/>
+            </a:pPr>
+            <a:r>
+              <a:rPr kumimoji="0" lang="en-US" altLang="en-US" sz="1800" b="0" i="0" u="none" strike="noStrike" cap="none" normalizeH="0" baseline="0" dirty="0" smtClean="0">
+                <a:ln>
+                  <a:noFill/>
+                </a:ln>
+                <a:solidFill>
+                  <a:schemeClr val="tx1"/>
+                </a:solidFill>
+                <a:effectLst/>
+                <a:latin typeface="Arial" panose="020B0604020202020204" pitchFamily="34" charset="0"/>
+              </a:rPr>
+              <a:t> tennis courts, and swimming pools to attract a broader user base and increase app utility.</a:t>
+            </a:r>
+          </a:p>
+          <a:p>
+            <a:pPr marL="0" marR="0" lvl="0" indent="0" algn="l" defTabSz="914400" rtl="0" eaLnBrk="0" fontAlgn="base" latinLnBrk="0" hangingPunct="0">
+              <a:lnSpc>
+                <a:spcPct val="100000"/>
+              </a:lnSpc>
+              <a:spcBef>
+                <a:spcPct val="0"/>
+              </a:spcBef>
+              <a:spcAft>
+                <a:spcPct val="0"/>
+              </a:spcAft>
+              <a:buClrTx/>
+              <a:buSzTx/>
+              <a:buFontTx/>
+              <a:buNone/>
+              <a:tabLst/>
+            </a:pPr>
+            <a:endParaRPr kumimoji="0" lang="en-US" altLang="en-US" sz="1800" b="0" i="0" u="none" strike="noStrike" cap="none" normalizeH="0" baseline="0" dirty="0" smtClean="0">
+              <a:ln>
+                <a:noFill/>
+              </a:ln>
+              <a:solidFill>
+                <a:schemeClr val="tx1"/>
+              </a:solidFill>
+              <a:effectLst/>
+              <a:latin typeface="Arial" panose="020B0604020202020204" pitchFamily="34" charset="0"/>
+            </a:endParaRPr>
+          </a:p>
+        </p:txBody>
+      </p:sp>
+    </p:spTree>
+    <p:extLst>
+      <p:ext uri="{BB962C8B-B14F-4D97-AF65-F5344CB8AC3E}">
+        <p14:creationId xmlns:p14="http://schemas.microsoft.com/office/powerpoint/2010/main" val="3371279420"/>
+      </p:ext>
+    </p:extLst>
+  </p:cSld>
+  <p:clrMapOvr>
+    <a:masterClrMapping/>
+  </p:clrMapOvr>
+</p:sld>
+</file>
+
+<file path=ppt/slides/slide15.xml><?xml version="1.0" encoding="utf-8"?>
+<p:sld xmlns:a="http://schemas.openxmlformats.org/drawingml/2006/main" xmlns:r="http://schemas.openxmlformats.org/officeDocument/2006/relationships" xmlns:p="http://schemas.openxmlformats.org/presentationml/2006/main">
+  <p:cSld>
+    <p:spTree>
+      <p:nvGrpSpPr>
+        <p:cNvPr id="1" name=""/>
+        <p:cNvGrpSpPr/>
+        <p:nvPr/>
+      </p:nvGrpSpPr>
+      <p:grpSpPr>
+        <a:xfrm>
+          <a:off x="0" y="0"/>
+          <a:ext cx="0" cy="0"/>
+          <a:chOff x="0" y="0"/>
+          <a:chExt cx="0" cy="0"/>
+        </a:xfrm>
+      </p:grpSpPr>
+      <p:sp>
+        <p:nvSpPr>
+          <p:cNvPr id="2" name="Title 1"/>
+          <p:cNvSpPr>
+            <a:spLocks noGrp="1"/>
+          </p:cNvSpPr>
+          <p:nvPr>
+            <p:ph type="title"/>
+          </p:nvPr>
+        </p:nvSpPr>
+        <p:spPr/>
+        <p:txBody>
+          <a:bodyPr/>
+          <a:lstStyle/>
+          <a:p>
+            <a:r>
+              <a:rPr lang="en-US" dirty="0" smtClean="0">
+                <a:solidFill>
+                  <a:schemeClr val="tx1"/>
+                </a:solidFill>
+              </a:rPr>
+              <a:t>Conclusion</a:t>
+            </a:r>
+            <a:endParaRPr lang="en-US" dirty="0">
+              <a:solidFill>
+                <a:schemeClr val="tx1"/>
+              </a:solidFill>
+            </a:endParaRPr>
+          </a:p>
+        </p:txBody>
+      </p:sp>
+      <p:sp>
+        <p:nvSpPr>
+          <p:cNvPr id="3" name="Content Placeholder 2"/>
+          <p:cNvSpPr>
+            <a:spLocks noGrp="1"/>
+          </p:cNvSpPr>
+          <p:nvPr>
+            <p:ph idx="1"/>
+          </p:nvPr>
+        </p:nvSpPr>
+        <p:spPr>
+          <a:xfrm>
+            <a:off x="517536" y="1352721"/>
+            <a:ext cx="8596668" cy="3880773"/>
+          </a:xfrm>
+        </p:spPr>
+        <p:txBody>
+          <a:bodyPr>
+            <a:normAutofit fontScale="92500" lnSpcReduction="10000"/>
+          </a:bodyPr>
+          <a:lstStyle/>
+          <a:p>
+            <a:endParaRPr lang="en-US" dirty="0"/>
+          </a:p>
+          <a:p>
+            <a:r>
+              <a:rPr lang="en-US" dirty="0"/>
+              <a:t>Leo Futsal simplifies and enhances futsal court reservations with a user-friendly mobile app. Utilizing Flutter for frontend and </a:t>
+            </a:r>
+            <a:r>
+              <a:rPr lang="en-US" dirty="0" err="1"/>
+              <a:t>Laravel</a:t>
+            </a:r>
+            <a:r>
+              <a:rPr lang="en-US" dirty="0"/>
+              <a:t> for backend, it ensures a seamless booking experience</a:t>
+            </a:r>
+            <a:r>
+              <a:rPr lang="en-US" dirty="0" smtClean="0"/>
+              <a:t>.</a:t>
+            </a:r>
+          </a:p>
+          <a:p>
+            <a:r>
+              <a:rPr lang="en-US" dirty="0" smtClean="0"/>
+              <a:t> </a:t>
+            </a:r>
+            <a:r>
+              <a:rPr lang="en-US" dirty="0"/>
+              <a:t>Real-time updates and robust backend management optimize user convenience and minimize scheduling issues</a:t>
+            </a:r>
+            <a:r>
+              <a:rPr lang="en-US" dirty="0" smtClean="0"/>
+              <a:t>.</a:t>
+            </a:r>
+          </a:p>
+          <a:p>
+            <a:r>
+              <a:rPr lang="en-US" dirty="0" smtClean="0"/>
+              <a:t> </a:t>
+            </a:r>
+            <a:r>
+              <a:rPr lang="en-US" dirty="0"/>
+              <a:t>Features like amenities selection and in-app communication promote community engagement</a:t>
+            </a:r>
+            <a:r>
+              <a:rPr lang="en-US" dirty="0" smtClean="0"/>
+              <a:t>.</a:t>
+            </a:r>
+          </a:p>
+          <a:p>
+            <a:r>
+              <a:rPr lang="en-US" dirty="0" smtClean="0"/>
+              <a:t> </a:t>
+            </a:r>
+            <a:r>
+              <a:rPr lang="en-US" dirty="0"/>
+              <a:t>Future enhancements include AI recommendations, multi-sport bookings, and advanced social features to further enrich user experience and expand utility across sports</a:t>
+            </a:r>
+            <a:r>
+              <a:rPr lang="en-US" dirty="0" smtClean="0"/>
+              <a:t>.</a:t>
+            </a:r>
+          </a:p>
+          <a:p>
+            <a:r>
+              <a:rPr lang="en-US" dirty="0" smtClean="0"/>
+              <a:t> </a:t>
+            </a:r>
+            <a:r>
+              <a:rPr lang="en-US" dirty="0"/>
+              <a:t>Leo Futsal aims to innovate continuously, meeting sports enthusiasts' evolving needs with efficiency and enjoyment.</a:t>
+            </a:r>
+          </a:p>
+        </p:txBody>
+      </p:sp>
+    </p:spTree>
+    <p:extLst>
+      <p:ext uri="{BB962C8B-B14F-4D97-AF65-F5344CB8AC3E}">
+        <p14:creationId xmlns:p14="http://schemas.microsoft.com/office/powerpoint/2010/main" val="3033594866"/>
+      </p:ext>
+    </p:extLst>
+  </p:cSld>
+  <p:clrMapOvr>
+    <a:masterClrMapping/>
+  </p:clrMapOvr>
+</p:sld>
+</file>
+
+<file path=ppt/slides/slide16.xml><?xml version="1.0" encoding="utf-8"?>
+<p:sld xmlns:a="http://schemas.openxmlformats.org/drawingml/2006/main" xmlns:r="http://schemas.openxmlformats.org/officeDocument/2006/relationships" xmlns:p="http://schemas.openxmlformats.org/presentationml/2006/main">
+  <p:cSld>
+    <p:spTree>
+      <p:nvGrpSpPr>
+        <p:cNvPr id="1" name=""/>
+        <p:cNvGrpSpPr/>
+        <p:nvPr/>
+      </p:nvGrpSpPr>
+      <p:grpSpPr>
+        <a:xfrm>
+          <a:off x="0" y="0"/>
+          <a:ext cx="0" cy="0"/>
+          <a:chOff x="0" y="0"/>
+          <a:chExt cx="0" cy="0"/>
+        </a:xfrm>
+      </p:grpSpPr>
+      <p:sp>
+        <p:nvSpPr>
+          <p:cNvPr id="2" name="Title 1"/>
+          <p:cNvSpPr>
+            <a:spLocks noGrp="1"/>
+          </p:cNvSpPr>
+          <p:nvPr>
+            <p:ph type="title"/>
+          </p:nvPr>
+        </p:nvSpPr>
+        <p:spPr/>
+        <p:txBody>
+          <a:bodyPr/>
+          <a:lstStyle/>
+          <a:p>
+            <a:r>
+              <a:rPr lang="en-US" dirty="0" smtClean="0">
+                <a:solidFill>
+                  <a:schemeClr val="tx1"/>
+                </a:solidFill>
+              </a:rPr>
+              <a:t>References</a:t>
+            </a:r>
+            <a:endParaRPr lang="en-US" dirty="0">
+              <a:solidFill>
+                <a:schemeClr val="tx1"/>
+              </a:solidFill>
+            </a:endParaRPr>
+          </a:p>
+        </p:txBody>
+      </p:sp>
+      <p:sp>
+        <p:nvSpPr>
+          <p:cNvPr id="3" name="Content Placeholder 2"/>
+          <p:cNvSpPr>
+            <a:spLocks noGrp="1"/>
+          </p:cNvSpPr>
+          <p:nvPr>
+            <p:ph idx="1"/>
+          </p:nvPr>
+        </p:nvSpPr>
+        <p:spPr/>
+        <p:txBody>
+          <a:bodyPr>
+            <a:normAutofit fontScale="85000" lnSpcReduction="20000"/>
+          </a:bodyPr>
+          <a:lstStyle/>
+          <a:p>
+            <a:pPr lvl="0"/>
+            <a:r>
+              <a:rPr lang="en-US" dirty="0" err="1"/>
+              <a:t>ChatGPT</a:t>
+            </a:r>
+            <a:r>
+              <a:rPr lang="en-US" dirty="0"/>
+              <a:t> - </a:t>
+            </a:r>
+            <a:r>
+              <a:rPr lang="en-US" dirty="0" err="1"/>
+              <a:t>OpenAI:https</a:t>
+            </a:r>
+            <a:r>
+              <a:rPr lang="en-US" dirty="0"/>
+              <a:t>://openai.com/research/</a:t>
+            </a:r>
+            <a:r>
+              <a:rPr lang="en-US" dirty="0" err="1"/>
+              <a:t>chatgpt</a:t>
+            </a:r>
+            <a:r>
+              <a:rPr lang="en-US" dirty="0"/>
+              <a:t>/ </a:t>
+            </a:r>
+          </a:p>
+          <a:p>
+            <a:r>
+              <a:rPr lang="en-US" b="1" dirty="0"/>
+              <a:t> </a:t>
+            </a:r>
+            <a:endParaRPr lang="en-US" dirty="0"/>
+          </a:p>
+          <a:p>
+            <a:pPr lvl="0"/>
+            <a:r>
+              <a:rPr lang="en-GB" dirty="0"/>
+              <a:t>FIFA (2007). Big Count 2006: Statistical Summary Report, FIFA Communications Division, 2007. [Online]. Available: http://www.fifa.com/mm/document/fifafacts/bcoffsurv/bigcount.su mmaryreport_7022.pdf. [Last accessed Jan. 27 2014].</a:t>
+            </a:r>
+            <a:endParaRPr lang="en-US" dirty="0"/>
+          </a:p>
+          <a:p>
+            <a:r>
+              <a:rPr lang="en-US" b="1" dirty="0"/>
+              <a:t> </a:t>
+            </a:r>
+            <a:endParaRPr lang="en-US" dirty="0"/>
+          </a:p>
+          <a:p>
+            <a:pPr lvl="0"/>
+            <a:r>
+              <a:rPr lang="en-GB" dirty="0"/>
+              <a:t>Football Federation Australia (2009). National Football Development Plan. [Online]. Available http://www.klufc.org.au/publications/ffa-national-footballdevelopment-plan. [Last accessed Jan. 25 2014]; Cited by Australia Soccer International, Jul/Aug 2009, 17 Issue 7, p68.</a:t>
+            </a:r>
+            <a:endParaRPr lang="en-US" dirty="0"/>
+          </a:p>
+          <a:p>
+            <a:r>
+              <a:rPr lang="en-US" dirty="0"/>
+              <a:t> </a:t>
+            </a:r>
+          </a:p>
+          <a:p>
+            <a:pPr lvl="0"/>
+            <a:r>
+              <a:rPr lang="en-GB" dirty="0"/>
+              <a:t> </a:t>
+            </a:r>
+            <a:r>
+              <a:rPr lang="en-GB" dirty="0" err="1"/>
+              <a:t>Shafiee</a:t>
+            </a:r>
+            <a:r>
+              <a:rPr lang="en-GB" dirty="0"/>
+              <a:t> S, </a:t>
+            </a:r>
+            <a:r>
+              <a:rPr lang="en-GB" dirty="0" err="1"/>
+              <a:t>Rostami</a:t>
+            </a:r>
+            <a:r>
+              <a:rPr lang="en-GB" dirty="0"/>
+              <a:t> H, </a:t>
+            </a:r>
+            <a:r>
+              <a:rPr lang="en-GB" dirty="0" err="1"/>
+              <a:t>Mamashloo</a:t>
+            </a:r>
+            <a:r>
+              <a:rPr lang="en-GB" dirty="0"/>
+              <a:t> H, </a:t>
+            </a:r>
+            <a:r>
+              <a:rPr lang="en-GB" dirty="0" err="1"/>
+              <a:t>Deh</a:t>
+            </a:r>
+            <a:r>
+              <a:rPr lang="en-GB" dirty="0"/>
+              <a:t> </a:t>
+            </a:r>
+            <a:r>
+              <a:rPr lang="en-GB" dirty="0" err="1"/>
+              <a:t>Panah</a:t>
+            </a:r>
+            <a:r>
+              <a:rPr lang="en-GB" dirty="0"/>
+              <a:t> S. SWOT Analysis of </a:t>
+            </a:r>
+            <a:r>
+              <a:rPr lang="en-GB" dirty="0" err="1"/>
+              <a:t>Golestan</a:t>
+            </a:r>
+            <a:r>
+              <a:rPr lang="en-GB" dirty="0"/>
+              <a:t> Province's Football and Delivering Suitable Strategies. Sport Dev Manage. 2017;6(2):119-140.</a:t>
+            </a:r>
+            <a:endParaRPr lang="en-US" dirty="0"/>
+          </a:p>
+          <a:p>
+            <a:r>
+              <a:rPr lang="en-US" dirty="0"/>
+              <a:t> </a:t>
+            </a:r>
+          </a:p>
+          <a:p>
+            <a:r>
+              <a:rPr lang="en-GB" dirty="0" err="1"/>
+              <a:t>Abrahamsson</a:t>
+            </a:r>
+            <a:r>
+              <a:rPr lang="en-GB" dirty="0"/>
+              <a:t>, P., </a:t>
+            </a:r>
+            <a:r>
+              <a:rPr lang="en-GB" dirty="0" err="1"/>
+              <a:t>Salo</a:t>
+            </a:r>
+            <a:r>
+              <a:rPr lang="en-GB" dirty="0"/>
+              <a:t>, O., </a:t>
+            </a:r>
+            <a:r>
+              <a:rPr lang="en-GB" dirty="0" err="1"/>
+              <a:t>Ronkainen</a:t>
+            </a:r>
+            <a:r>
+              <a:rPr lang="en-GB" dirty="0"/>
+              <a:t>, J., &amp; </a:t>
+            </a:r>
+            <a:r>
+              <a:rPr lang="en-GB" dirty="0" err="1"/>
+              <a:t>Warsta</a:t>
+            </a:r>
+            <a:r>
+              <a:rPr lang="en-GB" dirty="0"/>
+              <a:t>, J. (2017, September 25). Agile software development methods: Review and analysis. </a:t>
+            </a:r>
+            <a:r>
+              <a:rPr lang="en-GB" dirty="0" err="1"/>
+              <a:t>arXiv</a:t>
+            </a:r>
+            <a:r>
+              <a:rPr lang="en-GB" dirty="0"/>
+              <a:t> (arXiv:1709.08439). Retrieved from </a:t>
+            </a:r>
+            <a:endParaRPr lang="en-US" dirty="0"/>
+          </a:p>
+        </p:txBody>
+      </p:sp>
+    </p:spTree>
+    <p:extLst>
+      <p:ext uri="{BB962C8B-B14F-4D97-AF65-F5344CB8AC3E}">
+        <p14:creationId xmlns:p14="http://schemas.microsoft.com/office/powerpoint/2010/main" val="1667661384"/>
+      </p:ext>
+    </p:extLst>
+  </p:cSld>
+  <p:clrMapOvr>
+    <a:masterClrMapping/>
+  </p:clrMapOvr>
+</p:sld>
+</file>
+
+<file path=ppt/slides/slide17.xml><?xml version="1.0" encoding="utf-8"?>
+<p:sld xmlns:a="http://schemas.openxmlformats.org/drawingml/2006/main" xmlns:r="http://schemas.openxmlformats.org/officeDocument/2006/relationships" xmlns:p="http://schemas.openxmlformats.org/presentationml/2006/main">
+  <p:cSld>
+    <p:spTree>
+      <p:nvGrpSpPr>
+        <p:cNvPr id="1" name=""/>
+        <p:cNvGrpSpPr/>
+        <p:nvPr/>
+      </p:nvGrpSpPr>
+      <p:grpSpPr>
+        <a:xfrm>
+          <a:off x="0" y="0"/>
+          <a:ext cx="0" cy="0"/>
+          <a:chOff x="0" y="0"/>
+          <a:chExt cx="0" cy="0"/>
+        </a:xfrm>
+      </p:grpSpPr>
+      <p:sp>
+        <p:nvSpPr>
+          <p:cNvPr id="2" name="Title 1"/>
+          <p:cNvSpPr>
+            <a:spLocks noGrp="1"/>
+          </p:cNvSpPr>
+          <p:nvPr>
+            <p:ph type="title"/>
+          </p:nvPr>
+        </p:nvSpPr>
+        <p:spPr/>
+        <p:txBody>
+          <a:bodyPr/>
+          <a:lstStyle/>
+          <a:p>
+            <a:r>
+              <a:rPr lang="en-US" dirty="0" smtClean="0">
+                <a:solidFill>
+                  <a:schemeClr val="tx1"/>
+                </a:solidFill>
+              </a:rPr>
+              <a:t>Annex</a:t>
+            </a:r>
+            <a:endParaRPr lang="en-US" dirty="0">
+              <a:solidFill>
+                <a:schemeClr val="tx1"/>
+              </a:solidFill>
+            </a:endParaRPr>
+          </a:p>
+        </p:txBody>
+      </p:sp>
+      <p:pic>
+        <p:nvPicPr>
+          <p:cNvPr id="4" name="Content Placeholder 3"/>
+          <p:cNvPicPr>
+            <a:picLocks noGrp="1"/>
+          </p:cNvPicPr>
+          <p:nvPr>
+            <p:ph idx="1"/>
+          </p:nvPr>
+        </p:nvPicPr>
+        <p:blipFill>
+          <a:blip r:embed="rId2">
+            <a:extLst>
+              <a:ext uri="{28A0092B-C50C-407E-A947-70E740481C1C}">
+                <a14:useLocalDpi xmlns:a14="http://schemas.microsoft.com/office/drawing/2010/main" val="0"/>
+              </a:ext>
+            </a:extLst>
+          </a:blip>
+          <a:stretch>
+            <a:fillRect/>
+          </a:stretch>
+        </p:blipFill>
+        <p:spPr>
+          <a:xfrm>
+            <a:off x="609663" y="1796603"/>
+            <a:ext cx="1879151" cy="3881437"/>
+          </a:xfrm>
+          <a:prstGeom prst="rect">
+            <a:avLst/>
+          </a:prstGeom>
+        </p:spPr>
+      </p:pic>
+      <p:pic>
+        <p:nvPicPr>
+          <p:cNvPr id="5" name="Picture 4"/>
+          <p:cNvPicPr/>
+          <p:nvPr/>
+        </p:nvPicPr>
+        <p:blipFill>
+          <a:blip r:embed="rId3">
+            <a:extLst>
+              <a:ext uri="{28A0092B-C50C-407E-A947-70E740481C1C}">
+                <a14:useLocalDpi xmlns:a14="http://schemas.microsoft.com/office/drawing/2010/main" val="0"/>
+              </a:ext>
+            </a:extLst>
+          </a:blip>
+          <a:stretch>
+            <a:fillRect/>
+          </a:stretch>
+        </p:blipFill>
+        <p:spPr>
+          <a:xfrm>
+            <a:off x="2488814" y="1796603"/>
+            <a:ext cx="1910179" cy="3881437"/>
+          </a:xfrm>
+          <a:prstGeom prst="rect">
+            <a:avLst/>
+          </a:prstGeom>
+        </p:spPr>
+      </p:pic>
+      <p:pic>
+        <p:nvPicPr>
+          <p:cNvPr id="6" name="Picture 5"/>
+          <p:cNvPicPr/>
+          <p:nvPr/>
+        </p:nvPicPr>
+        <p:blipFill>
+          <a:blip r:embed="rId4">
+            <a:extLst>
+              <a:ext uri="{28A0092B-C50C-407E-A947-70E740481C1C}">
+                <a14:useLocalDpi xmlns:a14="http://schemas.microsoft.com/office/drawing/2010/main" val="0"/>
+              </a:ext>
+            </a:extLst>
+          </a:blip>
+          <a:stretch>
+            <a:fillRect/>
+          </a:stretch>
+        </p:blipFill>
+        <p:spPr>
+          <a:xfrm>
+            <a:off x="4398993" y="1796603"/>
+            <a:ext cx="2098481" cy="4235912"/>
+          </a:xfrm>
+          <a:prstGeom prst="rect">
+            <a:avLst/>
+          </a:prstGeom>
+        </p:spPr>
+      </p:pic>
+      <p:pic>
+        <p:nvPicPr>
+          <p:cNvPr id="7" name="Picture 6"/>
+          <p:cNvPicPr/>
+          <p:nvPr/>
+        </p:nvPicPr>
+        <p:blipFill>
+          <a:blip r:embed="rId5">
+            <a:extLst>
+              <a:ext uri="{28A0092B-C50C-407E-A947-70E740481C1C}">
+                <a14:useLocalDpi xmlns:a14="http://schemas.microsoft.com/office/drawing/2010/main" val="0"/>
+              </a:ext>
+            </a:extLst>
+          </a:blip>
+          <a:stretch>
+            <a:fillRect/>
+          </a:stretch>
+        </p:blipFill>
+        <p:spPr>
+          <a:xfrm>
+            <a:off x="6497474" y="1796603"/>
+            <a:ext cx="1980701" cy="4235912"/>
+          </a:xfrm>
+          <a:prstGeom prst="rect">
+            <a:avLst/>
+          </a:prstGeom>
+        </p:spPr>
+      </p:pic>
+      <p:pic>
+        <p:nvPicPr>
+          <p:cNvPr id="8" name="Picture 7"/>
+          <p:cNvPicPr/>
+          <p:nvPr/>
+        </p:nvPicPr>
+        <p:blipFill>
+          <a:blip r:embed="rId6">
+            <a:extLst>
+              <a:ext uri="{28A0092B-C50C-407E-A947-70E740481C1C}">
+                <a14:useLocalDpi xmlns:a14="http://schemas.microsoft.com/office/drawing/2010/main" val="0"/>
+              </a:ext>
+            </a:extLst>
+          </a:blip>
+          <a:stretch>
+            <a:fillRect/>
+          </a:stretch>
+        </p:blipFill>
+        <p:spPr>
+          <a:xfrm>
+            <a:off x="8478175" y="1553591"/>
+            <a:ext cx="2237173" cy="4412203"/>
+          </a:xfrm>
+          <a:prstGeom prst="rect">
+            <a:avLst/>
+          </a:prstGeom>
+        </p:spPr>
+      </p:pic>
+    </p:spTree>
+    <p:extLst>
+      <p:ext uri="{BB962C8B-B14F-4D97-AF65-F5344CB8AC3E}">
+        <p14:creationId xmlns:p14="http://schemas.microsoft.com/office/powerpoint/2010/main" val="4054912582"/>
+      </p:ext>
+    </p:extLst>
+  </p:cSld>
+  <p:clrMapOvr>
+    <a:masterClrMapping/>
+  </p:clrMapOvr>
+</p:sld>
+</file>
+
+<file path=ppt/slides/slide2.xml><?xml version="1.0" encoding="utf-8"?>
+<p:sld xmlns:a="http://schemas.openxmlformats.org/drawingml/2006/main" xmlns:r="http://schemas.openxmlformats.org/officeDocument/2006/relationships" xmlns:p="http://schemas.openxmlformats.org/presentationml/2006/main">
+  <p:cSld>
+    <p:spTree>
+      <p:nvGrpSpPr>
+        <p:cNvPr id="1" name=""/>
+        <p:cNvGrpSpPr/>
+        <p:nvPr/>
+      </p:nvGrpSpPr>
+      <p:grpSpPr>
+        <a:xfrm>
+          <a:off x="0" y="0"/>
+          <a:ext cx="0" cy="0"/>
+          <a:chOff x="0" y="0"/>
+          <a:chExt cx="0" cy="0"/>
+        </a:xfrm>
+      </p:grpSpPr>
+      <p:sp>
+        <p:nvSpPr>
+          <p:cNvPr id="2" name="Title 1"/>
+          <p:cNvSpPr>
+            <a:spLocks noGrp="1"/>
+          </p:cNvSpPr>
+          <p:nvPr>
+            <p:ph type="title"/>
+          </p:nvPr>
+        </p:nvSpPr>
+        <p:spPr/>
+        <p:txBody>
+          <a:bodyPr/>
+          <a:lstStyle/>
+          <a:p>
+            <a:r>
+              <a:rPr lang="en-US" dirty="0" smtClean="0">
+                <a:solidFill>
+                  <a:schemeClr val="tx1"/>
+                </a:solidFill>
+              </a:rPr>
+              <a:t>Introduction</a:t>
+            </a:r>
+            <a:endParaRPr lang="en-US" dirty="0">
+              <a:solidFill>
+                <a:schemeClr val="tx1"/>
+              </a:solidFill>
+            </a:endParaRPr>
+          </a:p>
+        </p:txBody>
+      </p:sp>
+      <p:sp>
+        <p:nvSpPr>
+          <p:cNvPr id="3" name="Content Placeholder 2"/>
+          <p:cNvSpPr>
+            <a:spLocks noGrp="1"/>
+          </p:cNvSpPr>
+          <p:nvPr>
+            <p:ph idx="1"/>
+          </p:nvPr>
+        </p:nvSpPr>
+        <p:spPr>
+          <a:xfrm>
+            <a:off x="588557" y="1601296"/>
+            <a:ext cx="8596668" cy="3880773"/>
+          </a:xfrm>
+        </p:spPr>
+        <p:txBody>
+          <a:bodyPr>
+            <a:normAutofit fontScale="85000" lnSpcReduction="10000"/>
+          </a:bodyPr>
+          <a:lstStyle/>
+          <a:p>
+            <a:r>
+              <a:rPr lang="en-US" dirty="0" smtClean="0"/>
+              <a:t> A </a:t>
+            </a:r>
+            <a:r>
+              <a:rPr lang="en-US" dirty="0"/>
+              <a:t>fast-paced indoor soccer game, is popular for its emphasis on skill and teamwork. To enhance the booking experience, we've developed a mobile app using Flutter, providing a smooth and responsive platform for reserving futsal courts. </a:t>
+            </a:r>
+            <a:endParaRPr lang="en-US" dirty="0" smtClean="0"/>
+          </a:p>
+          <a:p>
+            <a:r>
+              <a:rPr lang="en-US" dirty="0" smtClean="0"/>
+              <a:t>Our </a:t>
+            </a:r>
+            <a:r>
+              <a:rPr lang="en-US" dirty="0"/>
+              <a:t>backend, built with </a:t>
+            </a:r>
+            <a:r>
+              <a:rPr lang="en-US" dirty="0" err="1"/>
+              <a:t>Laravel</a:t>
+            </a:r>
+            <a:r>
+              <a:rPr lang="en-US" dirty="0"/>
+              <a:t>, effectively manages user reservations, court availability, and vendor interactions, offering real-time updates to help users make informed decisions. </a:t>
+            </a:r>
+            <a:endParaRPr lang="en-US" dirty="0" smtClean="0"/>
+          </a:p>
+          <a:p>
+            <a:r>
+              <a:rPr lang="en-US" dirty="0" smtClean="0"/>
+              <a:t>The </a:t>
+            </a:r>
+            <a:r>
+              <a:rPr lang="en-US" dirty="0"/>
+              <a:t>app is user-friendly, catering to the needs of futsal players and improving the overall experience. </a:t>
+            </a:r>
+            <a:endParaRPr lang="en-US" dirty="0" smtClean="0"/>
+          </a:p>
+          <a:p>
+            <a:r>
+              <a:rPr lang="en-US" dirty="0" smtClean="0"/>
+              <a:t>The </a:t>
+            </a:r>
+            <a:r>
+              <a:rPr lang="en-US" dirty="0"/>
+              <a:t>Leo-Futsal application features two main modules</a:t>
+            </a:r>
+            <a:r>
+              <a:rPr lang="en-US" dirty="0" smtClean="0"/>
+              <a:t>:</a:t>
+            </a:r>
+          </a:p>
+          <a:p>
+            <a:r>
+              <a:rPr lang="en-US" dirty="0" smtClean="0"/>
+              <a:t> </a:t>
+            </a:r>
+            <a:r>
+              <a:rPr lang="en-US" dirty="0"/>
+              <a:t>User Module: Allows easy court booking and payments via the </a:t>
+            </a:r>
+            <a:r>
+              <a:rPr lang="en-US" dirty="0" err="1"/>
+              <a:t>Khalti</a:t>
+            </a:r>
+            <a:r>
+              <a:rPr lang="en-US" dirty="0"/>
+              <a:t> gateway, ensuring a seamless process across devices</a:t>
+            </a:r>
+            <a:r>
+              <a:rPr lang="en-US" dirty="0" smtClean="0"/>
+              <a:t>.</a:t>
+            </a:r>
+          </a:p>
+          <a:p>
+            <a:r>
+              <a:rPr lang="en-US" dirty="0" smtClean="0"/>
+              <a:t> </a:t>
+            </a:r>
+            <a:r>
+              <a:rPr lang="en-US" dirty="0"/>
+              <a:t>Admin Module: Provides full management capabilities for administrators, overseeing venues, user accounts, and app features. </a:t>
+            </a:r>
+            <a:endParaRPr lang="en-US" dirty="0" smtClean="0"/>
+          </a:p>
+          <a:p>
+            <a:r>
+              <a:rPr lang="en-US" dirty="0" smtClean="0"/>
+              <a:t>Developed </a:t>
+            </a:r>
+            <a:r>
+              <a:rPr lang="en-US" dirty="0"/>
+              <a:t>in Visual Studio Code, the app integrates robustly with MySQL, ensuring efficient system performance and maintenance.</a:t>
+            </a:r>
+          </a:p>
+        </p:txBody>
+      </p:sp>
+    </p:spTree>
+    <p:extLst>
+      <p:ext uri="{BB962C8B-B14F-4D97-AF65-F5344CB8AC3E}">
+        <p14:creationId xmlns:p14="http://schemas.microsoft.com/office/powerpoint/2010/main" val="2213244486"/>
+      </p:ext>
+    </p:extLst>
+  </p:cSld>
+  <p:clrMapOvr>
+    <a:masterClrMapping/>
+  </p:clrMapOvr>
+</p:sld>
+</file>
+
+<file path=ppt/slides/slide3.xml><?xml version="1.0" encoding="utf-8"?>
+<p:sld xmlns:a="http://schemas.openxmlformats.org/drawingml/2006/main" xmlns:r="http://schemas.openxmlformats.org/officeDocument/2006/relationships" xmlns:p="http://schemas.openxmlformats.org/presentationml/2006/main">
+  <p:cSld>
+    <p:spTree>
+      <p:nvGrpSpPr>
+        <p:cNvPr id="1" name=""/>
+        <p:cNvGrpSpPr/>
+        <p:nvPr/>
+      </p:nvGrpSpPr>
+      <p:grpSpPr>
+        <a:xfrm>
+          <a:off x="0" y="0"/>
+          <a:ext cx="0" cy="0"/>
+          <a:chOff x="0" y="0"/>
+          <a:chExt cx="0" cy="0"/>
+        </a:xfrm>
+      </p:grpSpPr>
+      <p:sp>
+        <p:nvSpPr>
+          <p:cNvPr id="2" name="Title 1"/>
+          <p:cNvSpPr>
+            <a:spLocks noGrp="1"/>
+          </p:cNvSpPr>
+          <p:nvPr>
+            <p:ph type="title"/>
+          </p:nvPr>
+        </p:nvSpPr>
+        <p:spPr/>
+        <p:txBody>
+          <a:bodyPr/>
+          <a:lstStyle/>
+          <a:p>
+            <a:r>
+              <a:rPr lang="en-US" dirty="0" smtClean="0">
+                <a:solidFill>
+                  <a:schemeClr val="tx1"/>
+                </a:solidFill>
+              </a:rPr>
+              <a:t>Problem Statement</a:t>
+            </a:r>
+            <a:endParaRPr lang="en-US" dirty="0">
+              <a:solidFill>
+                <a:schemeClr val="tx1"/>
+              </a:solidFill>
+            </a:endParaRPr>
+          </a:p>
+        </p:txBody>
+      </p:sp>
+      <p:sp>
+        <p:nvSpPr>
+          <p:cNvPr id="4" name="Rectangle 1"/>
+          <p:cNvSpPr>
+            <a:spLocks noGrp="1" noChangeArrowheads="1"/>
+          </p:cNvSpPr>
+          <p:nvPr>
+            <p:ph idx="1"/>
+          </p:nvPr>
+        </p:nvSpPr>
+        <p:spPr bwMode="auto">
+          <a:xfrm>
+            <a:off x="677334" y="1977318"/>
+            <a:ext cx="8596668" cy="4247317"/>
+          </a:xfrm>
+          <a:prstGeom prst="rect">
+            <a:avLst/>
+          </a:prstGeom>
+          <a:noFill/>
+          <a:ln>
+            <a:noFill/>
+          </a:ln>
+          <a:effectLst/>
+          <a:extLst>
+            <a:ext uri="{909E8E84-426E-40DD-AFC4-6F175D3DCCD1}">
+              <a14:hiddenFill xmlns:a14="http://schemas.microsoft.com/office/drawing/2010/main">
+                <a:solidFill>
+                  <a:schemeClr val="accent1"/>
+                </a:solidFill>
+              </a14:hiddenFill>
+            </a:ext>
+            <a:ext uri="{91240B29-F687-4F45-9708-019B960494DF}">
+              <a14:hiddenLine xmlns:a14="http://schemas.microsoft.com/office/drawing/2010/main" w="9525">
+                <a:solidFill>
+                  <a:schemeClr val="tx1"/>
+                </a:solidFill>
+                <a:miter lim="800000"/>
+                <a:headEnd/>
+                <a:tailEnd/>
+              </a14:hiddenLine>
+            </a:ext>
+            <a:ext uri="{AF507438-7753-43E0-B8FC-AC1667EBCBE1}">
+              <a14:hiddenEffects xmlns:a14="http://schemas.microsoft.com/office/drawing/2010/main">
+                <a:effectLst>
+                  <a:outerShdw dist="35921" dir="2700000" algn="ctr" rotWithShape="0">
+                    <a:schemeClr val="bg2"/>
+                  </a:outerShdw>
+                </a:effectLst>
+              </a14:hiddenEffects>
+            </a:ext>
+          </a:extLst>
+        </p:spPr>
+        <p:txBody>
+          <a:bodyPr vert="horz" wrap="square" lIns="91440" tIns="45720" rIns="91440" bIns="45720" numCol="1" anchor="ctr" anchorCtr="0" compatLnSpc="1">
+            <a:prstTxWarp prst="textNoShape">
+              <a:avLst/>
+            </a:prstTxWarp>
+            <a:spAutoFit/>
+          </a:bodyPr>
+          <a:lstStyle/>
+          <a:p>
+            <a:pPr marL="0" marR="0" lvl="0" indent="0" algn="l" defTabSz="914400" rtl="0" eaLnBrk="0" fontAlgn="base" latinLnBrk="0" hangingPunct="0">
+              <a:lnSpc>
+                <a:spcPct val="100000"/>
+              </a:lnSpc>
+              <a:spcBef>
+                <a:spcPct val="0"/>
+              </a:spcBef>
+              <a:spcAft>
+                <a:spcPct val="0"/>
+              </a:spcAft>
+              <a:buClrTx/>
+              <a:buSzTx/>
+              <a:buNone/>
+              <a:tabLst/>
+            </a:pPr>
+            <a:r>
+              <a:rPr kumimoji="0" lang="en-US" altLang="en-US" sz="1800" b="1" i="0" u="none" strike="noStrike" cap="none" normalizeH="0" baseline="0" dirty="0" smtClean="0">
+                <a:ln>
+                  <a:noFill/>
+                </a:ln>
+                <a:solidFill>
+                  <a:schemeClr val="tx1"/>
+                </a:solidFill>
+                <a:effectLst/>
+                <a:latin typeface="Arial" panose="020B0604020202020204" pitchFamily="34" charset="0"/>
+              </a:rPr>
+              <a:t>Data Security:</a:t>
+            </a:r>
+            <a:endParaRPr kumimoji="0" lang="en-US" altLang="en-US" sz="1800" b="0" i="0" u="none" strike="noStrike" cap="none" normalizeH="0" baseline="0" dirty="0" smtClean="0">
+              <a:ln>
+                <a:noFill/>
+              </a:ln>
+              <a:solidFill>
+                <a:schemeClr val="tx1"/>
+              </a:solidFill>
+              <a:effectLst/>
+              <a:latin typeface="Arial" panose="020B0604020202020204" pitchFamily="34" charset="0"/>
+            </a:endParaRPr>
+          </a:p>
+          <a:p>
+            <a:pPr marL="0" marR="0" lvl="0" indent="0" algn="l" defTabSz="914400" rtl="0" eaLnBrk="0" fontAlgn="base" latinLnBrk="0" hangingPunct="0">
+              <a:lnSpc>
+                <a:spcPct val="100000"/>
+              </a:lnSpc>
+              <a:spcBef>
+                <a:spcPct val="0"/>
+              </a:spcBef>
+              <a:spcAft>
+                <a:spcPct val="0"/>
+              </a:spcAft>
+              <a:buClrTx/>
+              <a:buSzTx/>
+              <a:buFontTx/>
+              <a:buChar char="•"/>
+              <a:tabLst/>
+            </a:pPr>
+            <a:r>
+              <a:rPr kumimoji="0" lang="en-US" altLang="en-US" sz="1800" b="0" i="0" u="none" strike="noStrike" cap="none" normalizeH="0" baseline="0" dirty="0" smtClean="0">
+                <a:ln>
+                  <a:noFill/>
+                </a:ln>
+                <a:solidFill>
+                  <a:schemeClr val="tx1"/>
+                </a:solidFill>
+                <a:effectLst/>
+                <a:latin typeface="Arial" panose="020B0604020202020204" pitchFamily="34" charset="0"/>
+              </a:rPr>
+              <a:t>Android apps handle sensitive customer info.</a:t>
+            </a:r>
+          </a:p>
+          <a:p>
+            <a:pPr marL="0" marR="0" lvl="0" indent="0" algn="l" defTabSz="914400" rtl="0" eaLnBrk="0" fontAlgn="base" latinLnBrk="0" hangingPunct="0">
+              <a:lnSpc>
+                <a:spcPct val="100000"/>
+              </a:lnSpc>
+              <a:spcBef>
+                <a:spcPct val="0"/>
+              </a:spcBef>
+              <a:spcAft>
+                <a:spcPct val="0"/>
+              </a:spcAft>
+              <a:buClrTx/>
+              <a:buSzTx/>
+              <a:buFontTx/>
+              <a:buChar char="•"/>
+              <a:tabLst/>
+            </a:pPr>
+            <a:r>
+              <a:rPr kumimoji="0" lang="en-US" altLang="en-US" sz="1800" b="0" i="0" u="none" strike="noStrike" cap="none" normalizeH="0" baseline="0" dirty="0" smtClean="0">
+                <a:ln>
+                  <a:noFill/>
+                </a:ln>
+                <a:solidFill>
+                  <a:schemeClr val="tx1"/>
+                </a:solidFill>
+                <a:effectLst/>
+                <a:latin typeface="Arial" panose="020B0604020202020204" pitchFamily="34" charset="0"/>
+              </a:rPr>
+              <a:t>At risk of cyber-attacks.</a:t>
+            </a:r>
+          </a:p>
+          <a:p>
+            <a:pPr marL="0" marR="0" lvl="0" indent="0" algn="l" defTabSz="914400" rtl="0" eaLnBrk="0" fontAlgn="base" latinLnBrk="0" hangingPunct="0">
+              <a:lnSpc>
+                <a:spcPct val="100000"/>
+              </a:lnSpc>
+              <a:spcBef>
+                <a:spcPct val="0"/>
+              </a:spcBef>
+              <a:spcAft>
+                <a:spcPct val="0"/>
+              </a:spcAft>
+              <a:buClrTx/>
+              <a:buSzTx/>
+              <a:buFontTx/>
+              <a:buChar char="•"/>
+              <a:tabLst/>
+            </a:pPr>
+            <a:r>
+              <a:rPr kumimoji="0" lang="en-US" altLang="en-US" sz="1800" b="0" i="0" u="none" strike="noStrike" cap="none" normalizeH="0" baseline="0" dirty="0" smtClean="0">
+                <a:ln>
+                  <a:noFill/>
+                </a:ln>
+                <a:solidFill>
+                  <a:schemeClr val="tx1"/>
+                </a:solidFill>
+                <a:effectLst/>
+                <a:latin typeface="Arial" panose="020B0604020202020204" pitchFamily="34" charset="0"/>
+              </a:rPr>
+              <a:t>Essential to keep customer data safe.</a:t>
+            </a:r>
+          </a:p>
+          <a:p>
+            <a:pPr marL="0" marR="0" lvl="0" indent="0" algn="l" defTabSz="914400" rtl="0" eaLnBrk="0" fontAlgn="base" latinLnBrk="0" hangingPunct="0">
+              <a:lnSpc>
+                <a:spcPct val="100000"/>
+              </a:lnSpc>
+              <a:spcBef>
+                <a:spcPct val="0"/>
+              </a:spcBef>
+              <a:spcAft>
+                <a:spcPct val="0"/>
+              </a:spcAft>
+              <a:buClrTx/>
+              <a:buSzTx/>
+              <a:buFontTx/>
+              <a:buChar char="•"/>
+              <a:tabLst/>
+            </a:pPr>
+            <a:endParaRPr kumimoji="0" lang="en-US" altLang="en-US" sz="1800" b="0" i="0" u="none" strike="noStrike" cap="none" normalizeH="0" baseline="0" dirty="0" smtClean="0">
+              <a:ln>
+                <a:noFill/>
+              </a:ln>
+              <a:solidFill>
+                <a:schemeClr val="tx1"/>
+              </a:solidFill>
+              <a:effectLst/>
+              <a:latin typeface="Arial" panose="020B0604020202020204" pitchFamily="34" charset="0"/>
+            </a:endParaRPr>
+          </a:p>
+          <a:p>
+            <a:pPr marL="0" marR="0" lvl="0" indent="0" algn="l" defTabSz="914400" rtl="0" eaLnBrk="0" fontAlgn="base" latinLnBrk="0" hangingPunct="0">
+              <a:lnSpc>
+                <a:spcPct val="100000"/>
+              </a:lnSpc>
+              <a:spcBef>
+                <a:spcPct val="0"/>
+              </a:spcBef>
+              <a:spcAft>
+                <a:spcPct val="0"/>
+              </a:spcAft>
+              <a:buClrTx/>
+              <a:buSzTx/>
+              <a:buNone/>
+              <a:tabLst/>
+            </a:pPr>
+            <a:r>
+              <a:rPr kumimoji="0" lang="en-US" altLang="en-US" sz="1800" b="1" i="0" u="none" strike="noStrike" cap="none" normalizeH="0" baseline="0" dirty="0" smtClean="0">
+                <a:ln>
+                  <a:noFill/>
+                </a:ln>
+                <a:solidFill>
+                  <a:schemeClr val="tx1"/>
+                </a:solidFill>
+                <a:effectLst/>
+                <a:latin typeface="Arial" panose="020B0604020202020204" pitchFamily="34" charset="0"/>
+              </a:rPr>
+              <a:t>Inefficient Booking Systems:</a:t>
+            </a:r>
+            <a:endParaRPr kumimoji="0" lang="en-US" altLang="en-US" sz="1800" b="0" i="0" u="none" strike="noStrike" cap="none" normalizeH="0" baseline="0" dirty="0" smtClean="0">
+              <a:ln>
+                <a:noFill/>
+              </a:ln>
+              <a:solidFill>
+                <a:schemeClr val="tx1"/>
+              </a:solidFill>
+              <a:effectLst/>
+              <a:latin typeface="Arial" panose="020B0604020202020204" pitchFamily="34" charset="0"/>
+            </a:endParaRPr>
+          </a:p>
+          <a:p>
+            <a:pPr marL="0" marR="0" lvl="0" indent="0" algn="l" defTabSz="914400" rtl="0" eaLnBrk="0" fontAlgn="base" latinLnBrk="0" hangingPunct="0">
+              <a:lnSpc>
+                <a:spcPct val="100000"/>
+              </a:lnSpc>
+              <a:spcBef>
+                <a:spcPct val="0"/>
+              </a:spcBef>
+              <a:spcAft>
+                <a:spcPct val="0"/>
+              </a:spcAft>
+              <a:buClrTx/>
+              <a:buSzTx/>
+              <a:buFontTx/>
+              <a:buChar char="•"/>
+              <a:tabLst/>
+            </a:pPr>
+            <a:r>
+              <a:rPr kumimoji="0" lang="en-US" altLang="en-US" sz="1800" b="0" i="0" u="none" strike="noStrike" cap="none" normalizeH="0" baseline="0" dirty="0" smtClean="0">
+                <a:ln>
+                  <a:noFill/>
+                </a:ln>
+                <a:solidFill>
+                  <a:schemeClr val="tx1"/>
+                </a:solidFill>
+                <a:effectLst/>
+                <a:latin typeface="Arial" panose="020B0604020202020204" pitchFamily="34" charset="0"/>
+              </a:rPr>
+              <a:t>Booking futsal courts is complicated.</a:t>
+            </a:r>
+          </a:p>
+          <a:p>
+            <a:pPr marL="0" marR="0" lvl="0" indent="0" algn="l" defTabSz="914400" rtl="0" eaLnBrk="0" fontAlgn="base" latinLnBrk="0" hangingPunct="0">
+              <a:lnSpc>
+                <a:spcPct val="100000"/>
+              </a:lnSpc>
+              <a:spcBef>
+                <a:spcPct val="0"/>
+              </a:spcBef>
+              <a:spcAft>
+                <a:spcPct val="0"/>
+              </a:spcAft>
+              <a:buClrTx/>
+              <a:buSzTx/>
+              <a:buFontTx/>
+              <a:buChar char="•"/>
+              <a:tabLst/>
+            </a:pPr>
+            <a:r>
+              <a:rPr kumimoji="0" lang="en-US" altLang="en-US" sz="1800" b="0" i="0" u="none" strike="noStrike" cap="none" normalizeH="0" baseline="0" dirty="0" smtClean="0">
+                <a:ln>
+                  <a:noFill/>
+                </a:ln>
+                <a:solidFill>
+                  <a:schemeClr val="tx1"/>
+                </a:solidFill>
+                <a:effectLst/>
+                <a:latin typeface="Arial" panose="020B0604020202020204" pitchFamily="34" charset="0"/>
+              </a:rPr>
+              <a:t>Interfaces are hard to use.</a:t>
+            </a:r>
+          </a:p>
+          <a:p>
+            <a:pPr marL="0" marR="0" lvl="0" indent="0" algn="l" defTabSz="914400" rtl="0" eaLnBrk="0" fontAlgn="base" latinLnBrk="0" hangingPunct="0">
+              <a:lnSpc>
+                <a:spcPct val="100000"/>
+              </a:lnSpc>
+              <a:spcBef>
+                <a:spcPct val="0"/>
+              </a:spcBef>
+              <a:spcAft>
+                <a:spcPct val="0"/>
+              </a:spcAft>
+              <a:buClrTx/>
+              <a:buSzTx/>
+              <a:buFontTx/>
+              <a:buChar char="•"/>
+              <a:tabLst/>
+            </a:pPr>
+            <a:r>
+              <a:rPr kumimoji="0" lang="en-US" altLang="en-US" sz="1800" b="0" i="0" u="none" strike="noStrike" cap="none" normalizeH="0" baseline="0" dirty="0" smtClean="0">
+                <a:ln>
+                  <a:noFill/>
+                </a:ln>
+                <a:solidFill>
+                  <a:schemeClr val="tx1"/>
+                </a:solidFill>
+                <a:effectLst/>
+                <a:latin typeface="Arial" panose="020B0604020202020204" pitchFamily="34" charset="0"/>
+              </a:rPr>
+              <a:t>Takes too long to make reservations.</a:t>
+            </a:r>
+          </a:p>
+          <a:p>
+            <a:pPr marL="0" marR="0" lvl="0" indent="0" algn="l" defTabSz="914400" rtl="0" eaLnBrk="0" fontAlgn="base" latinLnBrk="0" hangingPunct="0">
+              <a:lnSpc>
+                <a:spcPct val="100000"/>
+              </a:lnSpc>
+              <a:spcBef>
+                <a:spcPct val="0"/>
+              </a:spcBef>
+              <a:spcAft>
+                <a:spcPct val="0"/>
+              </a:spcAft>
+              <a:buClrTx/>
+              <a:buSzTx/>
+              <a:buFontTx/>
+              <a:buChar char="•"/>
+              <a:tabLst/>
+            </a:pPr>
+            <a:endParaRPr kumimoji="0" lang="en-US" altLang="en-US" sz="1800" b="0" i="0" u="none" strike="noStrike" cap="none" normalizeH="0" baseline="0" dirty="0" smtClean="0">
+              <a:ln>
+                <a:noFill/>
+              </a:ln>
+              <a:solidFill>
+                <a:schemeClr val="tx1"/>
+              </a:solidFill>
+              <a:effectLst/>
+              <a:latin typeface="Arial" panose="020B0604020202020204" pitchFamily="34" charset="0"/>
+            </a:endParaRPr>
+          </a:p>
+          <a:p>
+            <a:pPr marL="0" marR="0" lvl="0" indent="0" algn="l" defTabSz="914400" rtl="0" eaLnBrk="0" fontAlgn="base" latinLnBrk="0" hangingPunct="0">
+              <a:lnSpc>
+                <a:spcPct val="100000"/>
+              </a:lnSpc>
+              <a:spcBef>
+                <a:spcPct val="0"/>
+              </a:spcBef>
+              <a:spcAft>
+                <a:spcPct val="0"/>
+              </a:spcAft>
+              <a:buClrTx/>
+              <a:buSzTx/>
+              <a:buNone/>
+              <a:tabLst/>
+            </a:pPr>
+            <a:r>
+              <a:rPr kumimoji="0" lang="en-US" altLang="en-US" sz="1800" b="1" i="0" u="none" strike="noStrike" cap="none" normalizeH="0" baseline="0" dirty="0" smtClean="0">
+                <a:ln>
+                  <a:noFill/>
+                </a:ln>
+                <a:solidFill>
+                  <a:schemeClr val="tx1"/>
+                </a:solidFill>
+                <a:effectLst/>
+                <a:latin typeface="Arial" panose="020B0604020202020204" pitchFamily="34" charset="0"/>
+              </a:rPr>
+              <a:t>User Dissatisfaction:</a:t>
+            </a:r>
+            <a:endParaRPr kumimoji="0" lang="en-US" altLang="en-US" sz="1800" b="0" i="0" u="none" strike="noStrike" cap="none" normalizeH="0" baseline="0" dirty="0" smtClean="0">
+              <a:ln>
+                <a:noFill/>
+              </a:ln>
+              <a:solidFill>
+                <a:schemeClr val="tx1"/>
+              </a:solidFill>
+              <a:effectLst/>
+              <a:latin typeface="Arial" panose="020B0604020202020204" pitchFamily="34" charset="0"/>
+            </a:endParaRPr>
+          </a:p>
+          <a:p>
+            <a:pPr marL="0" marR="0" lvl="0" indent="0" algn="l" defTabSz="914400" rtl="0" eaLnBrk="0" fontAlgn="base" latinLnBrk="0" hangingPunct="0">
+              <a:lnSpc>
+                <a:spcPct val="100000"/>
+              </a:lnSpc>
+              <a:spcBef>
+                <a:spcPct val="0"/>
+              </a:spcBef>
+              <a:spcAft>
+                <a:spcPct val="0"/>
+              </a:spcAft>
+              <a:buClrTx/>
+              <a:buSzTx/>
+              <a:buFontTx/>
+              <a:buChar char="•"/>
+              <a:tabLst/>
+            </a:pPr>
+            <a:r>
+              <a:rPr kumimoji="0" lang="en-US" altLang="en-US" sz="1800" b="0" i="0" u="none" strike="noStrike" cap="none" normalizeH="0" baseline="0" dirty="0" smtClean="0">
+                <a:ln>
+                  <a:noFill/>
+                </a:ln>
+                <a:solidFill>
+                  <a:schemeClr val="tx1"/>
+                </a:solidFill>
+                <a:effectLst/>
+                <a:latin typeface="Arial" panose="020B0604020202020204" pitchFamily="34" charset="0"/>
+              </a:rPr>
+              <a:t>Hard to organize futsal games.</a:t>
+            </a:r>
+          </a:p>
+          <a:p>
+            <a:pPr marL="0" marR="0" lvl="0" indent="0" algn="l" defTabSz="914400" rtl="0" eaLnBrk="0" fontAlgn="base" latinLnBrk="0" hangingPunct="0">
+              <a:lnSpc>
+                <a:spcPct val="100000"/>
+              </a:lnSpc>
+              <a:spcBef>
+                <a:spcPct val="0"/>
+              </a:spcBef>
+              <a:spcAft>
+                <a:spcPct val="0"/>
+              </a:spcAft>
+              <a:buClrTx/>
+              <a:buSzTx/>
+              <a:buFontTx/>
+              <a:buChar char="•"/>
+              <a:tabLst/>
+            </a:pPr>
+            <a:r>
+              <a:rPr kumimoji="0" lang="en-US" altLang="en-US" sz="1800" b="0" i="0" u="none" strike="noStrike" cap="none" normalizeH="0" baseline="0" dirty="0" smtClean="0">
+                <a:ln>
+                  <a:noFill/>
+                </a:ln>
+                <a:solidFill>
+                  <a:schemeClr val="tx1"/>
+                </a:solidFill>
+                <a:effectLst/>
+                <a:latin typeface="Arial" panose="020B0604020202020204" pitchFamily="34" charset="0"/>
+              </a:rPr>
+              <a:t>Users aren't happy with the booking process.</a:t>
+            </a:r>
+          </a:p>
+          <a:p>
+            <a:pPr marL="0" marR="0" lvl="0" indent="0" algn="l" defTabSz="914400" rtl="0" eaLnBrk="0" fontAlgn="base" latinLnBrk="0" hangingPunct="0">
+              <a:lnSpc>
+                <a:spcPct val="100000"/>
+              </a:lnSpc>
+              <a:spcBef>
+                <a:spcPct val="0"/>
+              </a:spcBef>
+              <a:spcAft>
+                <a:spcPct val="0"/>
+              </a:spcAft>
+              <a:buClrTx/>
+              <a:buSzTx/>
+              <a:buFontTx/>
+              <a:buChar char="•"/>
+              <a:tabLst/>
+            </a:pPr>
+            <a:r>
+              <a:rPr kumimoji="0" lang="en-US" altLang="en-US" sz="1800" b="0" i="0" u="none" strike="noStrike" cap="none" normalizeH="0" baseline="0" dirty="0" smtClean="0">
+                <a:ln>
+                  <a:noFill/>
+                </a:ln>
+                <a:solidFill>
+                  <a:schemeClr val="tx1"/>
+                </a:solidFill>
+                <a:effectLst/>
+                <a:latin typeface="Arial" panose="020B0604020202020204" pitchFamily="34" charset="0"/>
+              </a:rPr>
+              <a:t>Makes enjoying futsal less fun.</a:t>
+            </a:r>
+          </a:p>
+          <a:p>
+            <a:pPr marL="0" marR="0" lvl="0" indent="0" algn="l" defTabSz="914400" rtl="0" eaLnBrk="0" fontAlgn="base" latinLnBrk="0" hangingPunct="0">
+              <a:lnSpc>
+                <a:spcPct val="100000"/>
+              </a:lnSpc>
+              <a:spcBef>
+                <a:spcPct val="0"/>
+              </a:spcBef>
+              <a:spcAft>
+                <a:spcPct val="0"/>
+              </a:spcAft>
+              <a:buClrTx/>
+              <a:buSzTx/>
+              <a:buFontTx/>
+              <a:buNone/>
+              <a:tabLst/>
+            </a:pPr>
+            <a:endParaRPr kumimoji="0" lang="en-US" altLang="en-US" sz="1800" b="0" i="0" u="none" strike="noStrike" cap="none" normalizeH="0" baseline="0" dirty="0" smtClean="0">
+              <a:ln>
+                <a:noFill/>
+              </a:ln>
+              <a:solidFill>
+                <a:schemeClr val="tx1"/>
+              </a:solidFill>
+              <a:effectLst/>
+              <a:latin typeface="Arial" panose="020B0604020202020204" pitchFamily="34" charset="0"/>
+            </a:endParaRPr>
+          </a:p>
+        </p:txBody>
+      </p:sp>
+    </p:spTree>
+    <p:extLst>
+      <p:ext uri="{BB962C8B-B14F-4D97-AF65-F5344CB8AC3E}">
+        <p14:creationId xmlns:p14="http://schemas.microsoft.com/office/powerpoint/2010/main" val="372814415"/>
+      </p:ext>
+    </p:extLst>
+  </p:cSld>
+  <p:clrMapOvr>
+    <a:masterClrMapping/>
+  </p:clrMapOvr>
+</p:sld>
+</file>
+
+<file path=ppt/slides/slide4.xml><?xml version="1.0" encoding="utf-8"?>
+<p:sld xmlns:a="http://schemas.openxmlformats.org/drawingml/2006/main" xmlns:r="http://schemas.openxmlformats.org/officeDocument/2006/relationships" xmlns:p="http://schemas.openxmlformats.org/presentationml/2006/main">
+  <p:cSld>
+    <p:spTree>
+      <p:nvGrpSpPr>
+        <p:cNvPr id="1" name=""/>
+        <p:cNvGrpSpPr/>
+        <p:nvPr/>
+      </p:nvGrpSpPr>
+      <p:grpSpPr>
+        <a:xfrm>
+          <a:off x="0" y="0"/>
+          <a:ext cx="0" cy="0"/>
+          <a:chOff x="0" y="0"/>
+          <a:chExt cx="0" cy="0"/>
+        </a:xfrm>
+      </p:grpSpPr>
+      <p:sp>
+        <p:nvSpPr>
+          <p:cNvPr id="2" name="Title 1"/>
+          <p:cNvSpPr>
+            <a:spLocks noGrp="1"/>
+          </p:cNvSpPr>
+          <p:nvPr>
+            <p:ph type="title"/>
+          </p:nvPr>
+        </p:nvSpPr>
+        <p:spPr/>
+        <p:txBody>
+          <a:bodyPr/>
+          <a:lstStyle/>
+          <a:p>
+            <a:r>
+              <a:rPr lang="en-US" dirty="0" smtClean="0">
+                <a:solidFill>
+                  <a:schemeClr val="tx1"/>
+                </a:solidFill>
+              </a:rPr>
+              <a:t>Objectives</a:t>
+            </a:r>
+            <a:endParaRPr lang="en-US" dirty="0">
+              <a:solidFill>
+                <a:schemeClr val="tx1"/>
+              </a:solidFill>
+            </a:endParaRPr>
+          </a:p>
+        </p:txBody>
+      </p:sp>
+      <p:sp>
+        <p:nvSpPr>
+          <p:cNvPr id="3" name="Content Placeholder 2"/>
+          <p:cNvSpPr>
+            <a:spLocks noGrp="1"/>
+          </p:cNvSpPr>
+          <p:nvPr>
+            <p:ph idx="1"/>
+          </p:nvPr>
+        </p:nvSpPr>
+        <p:spPr>
+          <a:xfrm>
+            <a:off x="517536" y="1500326"/>
+            <a:ext cx="8596668" cy="3644391"/>
+          </a:xfrm>
+        </p:spPr>
+        <p:txBody>
+          <a:bodyPr>
+            <a:normAutofit fontScale="92500" lnSpcReduction="10000"/>
+          </a:bodyPr>
+          <a:lstStyle/>
+          <a:p>
+            <a:pPr marL="0" indent="0">
+              <a:buNone/>
+            </a:pPr>
+            <a:r>
+              <a:rPr lang="en-GB" dirty="0"/>
+              <a:t> </a:t>
+            </a:r>
+            <a:endParaRPr lang="en-US" dirty="0"/>
+          </a:p>
+          <a:p>
+            <a:pPr lvl="0"/>
+            <a:r>
+              <a:rPr lang="en-GB" dirty="0"/>
+              <a:t>Dynamic Mobile App: Use Flutter to build a responsive app that prioritizes a seamless user experience for easy futsal court reservations</a:t>
+            </a:r>
+            <a:r>
+              <a:rPr lang="en-GB" dirty="0" smtClean="0"/>
+              <a:t>.</a:t>
+            </a:r>
+            <a:endParaRPr lang="en-US" dirty="0"/>
+          </a:p>
+          <a:p>
+            <a:pPr lvl="0"/>
+            <a:r>
+              <a:rPr lang="en-GB" dirty="0"/>
+              <a:t>Robust Backend System: Using </a:t>
+            </a:r>
+            <a:r>
+              <a:rPr lang="en-GB" dirty="0" err="1"/>
+              <a:t>Laravel</a:t>
+            </a:r>
+            <a:r>
+              <a:rPr lang="en-GB" dirty="0"/>
+              <a:t>, create a dependable backend architecture to effectively manage user reservations, court availability, and vendor interactions</a:t>
+            </a:r>
+            <a:r>
+              <a:rPr lang="en-GB" dirty="0" smtClean="0"/>
+              <a:t>.</a:t>
+            </a:r>
+            <a:endParaRPr lang="en-US" dirty="0"/>
+          </a:p>
+          <a:p>
+            <a:pPr lvl="0"/>
+            <a:r>
+              <a:rPr lang="en-GB" dirty="0"/>
+              <a:t>Real-Time Updates: Make sure users have accurate information to make well-informed booking selections by providing them with up-to-date information about court availability</a:t>
+            </a:r>
+            <a:r>
+              <a:rPr lang="en-GB" dirty="0" smtClean="0"/>
+              <a:t>.</a:t>
+            </a:r>
+            <a:r>
+              <a:rPr lang="en-GB" dirty="0"/>
+              <a:t> </a:t>
+            </a:r>
+            <a:endParaRPr lang="en-US" dirty="0"/>
+          </a:p>
+          <a:p>
+            <a:pPr lvl="0"/>
+            <a:r>
+              <a:rPr lang="en-GB" dirty="0"/>
+              <a:t>User-Centric Features: Align the app with the requirements and preferences of the user by introducing amenities selection, team development, and in-app communication.</a:t>
+            </a:r>
+            <a:endParaRPr lang="en-US" dirty="0"/>
+          </a:p>
+        </p:txBody>
+      </p:sp>
+    </p:spTree>
+    <p:extLst>
+      <p:ext uri="{BB962C8B-B14F-4D97-AF65-F5344CB8AC3E}">
+        <p14:creationId xmlns:p14="http://schemas.microsoft.com/office/powerpoint/2010/main" val="1498712641"/>
+      </p:ext>
+    </p:extLst>
+  </p:cSld>
+  <p:clrMapOvr>
+    <a:masterClrMapping/>
+  </p:clrMapOvr>
+</p:sld>
+</file>
+
+<file path=ppt/slides/slide5.xml><?xml version="1.0" encoding="utf-8"?>
+<p:sld xmlns:a="http://schemas.openxmlformats.org/drawingml/2006/main" xmlns:r="http://schemas.openxmlformats.org/officeDocument/2006/relationships" xmlns:p="http://schemas.openxmlformats.org/presentationml/2006/main">
+  <p:cSld>
+    <p:spTree>
+      <p:nvGrpSpPr>
+        <p:cNvPr id="1" name=""/>
+        <p:cNvGrpSpPr/>
+        <p:nvPr/>
+      </p:nvGrpSpPr>
+      <p:grpSpPr>
+        <a:xfrm>
+          <a:off x="0" y="0"/>
+          <a:ext cx="0" cy="0"/>
+          <a:chOff x="0" y="0"/>
+          <a:chExt cx="0" cy="0"/>
+        </a:xfrm>
+      </p:grpSpPr>
+      <p:sp>
+        <p:nvSpPr>
+          <p:cNvPr id="2" name="Title 1"/>
+          <p:cNvSpPr>
+            <a:spLocks noGrp="1"/>
+          </p:cNvSpPr>
+          <p:nvPr>
+            <p:ph type="title"/>
+          </p:nvPr>
+        </p:nvSpPr>
+        <p:spPr/>
+        <p:txBody>
+          <a:bodyPr/>
+          <a:lstStyle/>
+          <a:p>
+            <a:r>
+              <a:rPr lang="en-US" dirty="0" err="1" smtClean="0">
+                <a:solidFill>
+                  <a:schemeClr val="tx1"/>
+                </a:solidFill>
+              </a:rPr>
+              <a:t>Metholodogy</a:t>
+            </a:r>
+            <a:endParaRPr lang="en-US" dirty="0">
+              <a:solidFill>
+                <a:schemeClr val="tx1"/>
+              </a:solidFill>
+            </a:endParaRPr>
+          </a:p>
+        </p:txBody>
+      </p:sp>
+      <p:sp>
+        <p:nvSpPr>
+          <p:cNvPr id="3" name="Content Placeholder 2"/>
+          <p:cNvSpPr>
+            <a:spLocks noGrp="1"/>
+          </p:cNvSpPr>
+          <p:nvPr>
+            <p:ph idx="1"/>
+          </p:nvPr>
+        </p:nvSpPr>
+        <p:spPr/>
+        <p:txBody>
+          <a:bodyPr/>
+          <a:lstStyle/>
+          <a:p>
+            <a:r>
+              <a:rPr lang="en-US" dirty="0"/>
+              <a:t>The Agile methodology is being utilized to develop Leo Futsal, a futsal booking </a:t>
+            </a:r>
+            <a:r>
+              <a:rPr lang="en-US" dirty="0" smtClean="0"/>
+              <a:t>app.</a:t>
+            </a:r>
+            <a:endParaRPr lang="en-US" dirty="0"/>
+          </a:p>
+          <a:p>
+            <a:endParaRPr lang="en-US" dirty="0"/>
+          </a:p>
+        </p:txBody>
+      </p:sp>
+      <p:pic>
+        <p:nvPicPr>
+          <p:cNvPr id="4" name="Picture 3" descr="How is Ecommerce Project Management A Key For Revenue Growth in Ecommerce  Businesses? | Specbee"/>
+          <p:cNvPicPr/>
+          <p:nvPr/>
+        </p:nvPicPr>
+        <p:blipFill>
+          <a:blip r:embed="rId2">
+            <a:extLst>
+              <a:ext uri="{28A0092B-C50C-407E-A947-70E740481C1C}">
+                <a14:useLocalDpi xmlns:a14="http://schemas.microsoft.com/office/drawing/2010/main" val="0"/>
+              </a:ext>
+            </a:extLst>
+          </a:blip>
+          <a:srcRect/>
+          <a:stretch>
+            <a:fillRect/>
+          </a:stretch>
+        </p:blipFill>
+        <p:spPr bwMode="auto">
+          <a:xfrm>
+            <a:off x="2353322" y="2618914"/>
+            <a:ext cx="3810000" cy="3249920"/>
+          </a:xfrm>
+          <a:prstGeom prst="rect">
+            <a:avLst/>
+          </a:prstGeom>
+          <a:noFill/>
+          <a:ln>
+            <a:noFill/>
+          </a:ln>
+        </p:spPr>
+      </p:pic>
+    </p:spTree>
+    <p:extLst>
+      <p:ext uri="{BB962C8B-B14F-4D97-AF65-F5344CB8AC3E}">
+        <p14:creationId xmlns:p14="http://schemas.microsoft.com/office/powerpoint/2010/main" val="3566979350"/>
+      </p:ext>
+    </p:extLst>
+  </p:cSld>
+  <p:clrMapOvr>
+    <a:masterClrMapping/>
+  </p:clrMapOvr>
+</p:sld>
+</file>
+
+<file path=ppt/slides/slide6.xml><?xml version="1.0" encoding="utf-8"?>
+<p:sld xmlns:a="http://schemas.openxmlformats.org/drawingml/2006/main" xmlns:r="http://schemas.openxmlformats.org/officeDocument/2006/relationships" xmlns:p="http://schemas.openxmlformats.org/presentationml/2006/main">
+  <p:cSld>
+    <p:spTree>
+      <p:nvGrpSpPr>
+        <p:cNvPr id="1" name=""/>
+        <p:cNvGrpSpPr/>
+        <p:nvPr/>
+      </p:nvGrpSpPr>
+      <p:grpSpPr>
+        <a:xfrm>
+          <a:off x="0" y="0"/>
+          <a:ext cx="0" cy="0"/>
+          <a:chOff x="0" y="0"/>
+          <a:chExt cx="0" cy="0"/>
+        </a:xfrm>
+      </p:grpSpPr>
+      <p:sp>
+        <p:nvSpPr>
+          <p:cNvPr id="2" name="Title 1"/>
+          <p:cNvSpPr>
+            <a:spLocks noGrp="1"/>
+          </p:cNvSpPr>
+          <p:nvPr>
+            <p:ph type="title"/>
+          </p:nvPr>
+        </p:nvSpPr>
+        <p:spPr/>
+        <p:txBody>
+          <a:bodyPr/>
+          <a:lstStyle/>
+          <a:p>
+            <a:r>
+              <a:rPr lang="en-US" dirty="0" smtClean="0">
+                <a:solidFill>
+                  <a:schemeClr val="tx1"/>
+                </a:solidFill>
+              </a:rPr>
+              <a:t>System design</a:t>
+            </a:r>
+            <a:endParaRPr lang="en-US" dirty="0">
+              <a:solidFill>
+                <a:schemeClr val="tx1"/>
+              </a:solidFill>
+            </a:endParaRPr>
+          </a:p>
+        </p:txBody>
+      </p:sp>
+      <p:sp>
+        <p:nvSpPr>
+          <p:cNvPr id="3" name="Content Placeholder 2"/>
+          <p:cNvSpPr>
+            <a:spLocks noGrp="1"/>
+          </p:cNvSpPr>
+          <p:nvPr>
+            <p:ph idx="1"/>
+          </p:nvPr>
+        </p:nvSpPr>
+        <p:spPr/>
+        <p:txBody>
+          <a:bodyPr/>
+          <a:lstStyle/>
+          <a:p>
+            <a:r>
+              <a:rPr lang="en-US" dirty="0" smtClean="0"/>
+              <a:t>Context level </a:t>
+            </a:r>
+            <a:r>
+              <a:rPr lang="en-US" dirty="0" err="1" smtClean="0"/>
+              <a:t>dfd</a:t>
+            </a:r>
+            <a:endParaRPr lang="en-US" dirty="0" smtClean="0"/>
+          </a:p>
+          <a:p>
+            <a:pPr marL="0" indent="0">
+              <a:buNone/>
+            </a:pPr>
+            <a:endParaRPr lang="en-US" dirty="0"/>
+          </a:p>
+        </p:txBody>
+      </p:sp>
+      <p:pic>
+        <p:nvPicPr>
+          <p:cNvPr id="6" name="Picture 5"/>
+          <p:cNvPicPr/>
+          <p:nvPr/>
+        </p:nvPicPr>
+        <p:blipFill>
+          <a:blip r:embed="rId2">
+            <a:extLst>
+              <a:ext uri="{28A0092B-C50C-407E-A947-70E740481C1C}">
+                <a14:useLocalDpi xmlns:a14="http://schemas.microsoft.com/office/drawing/2010/main" val="0"/>
+              </a:ext>
+            </a:extLst>
+          </a:blip>
+          <a:srcRect/>
+          <a:stretch>
+            <a:fillRect/>
+          </a:stretch>
+        </p:blipFill>
+        <p:spPr bwMode="auto">
+          <a:xfrm>
+            <a:off x="3174682" y="2995930"/>
+            <a:ext cx="5842635" cy="866140"/>
+          </a:xfrm>
+          <a:prstGeom prst="rect">
+            <a:avLst/>
+          </a:prstGeom>
+          <a:noFill/>
+          <a:ln>
+            <a:noFill/>
+          </a:ln>
+        </p:spPr>
+      </p:pic>
+    </p:spTree>
+    <p:extLst>
+      <p:ext uri="{BB962C8B-B14F-4D97-AF65-F5344CB8AC3E}">
+        <p14:creationId xmlns:p14="http://schemas.microsoft.com/office/powerpoint/2010/main" val="1243951088"/>
+      </p:ext>
+    </p:extLst>
+  </p:cSld>
+  <p:clrMapOvr>
+    <a:masterClrMapping/>
+  </p:clrMapOvr>
+</p:sld>
+</file>
+
+<file path=ppt/slides/slide7.xml><?xml version="1.0" encoding="utf-8"?>
+<p:sld xmlns:a="http://schemas.openxmlformats.org/drawingml/2006/main" xmlns:r="http://schemas.openxmlformats.org/officeDocument/2006/relationships" xmlns:p="http://schemas.openxmlformats.org/presentationml/2006/main">
+  <p:cSld>
+    <p:spTree>
+      <p:nvGrpSpPr>
+        <p:cNvPr id="1" name=""/>
+        <p:cNvGrpSpPr/>
+        <p:nvPr/>
+      </p:nvGrpSpPr>
+      <p:grpSpPr>
+        <a:xfrm>
+          <a:off x="0" y="0"/>
+          <a:ext cx="0" cy="0"/>
+          <a:chOff x="0" y="0"/>
+          <a:chExt cx="0" cy="0"/>
+        </a:xfrm>
+      </p:grpSpPr>
+      <p:sp>
+        <p:nvSpPr>
+          <p:cNvPr id="3" name="Content Placeholder 2"/>
+          <p:cNvSpPr>
+            <a:spLocks noGrp="1"/>
+          </p:cNvSpPr>
+          <p:nvPr>
+            <p:ph idx="1"/>
+          </p:nvPr>
+        </p:nvSpPr>
+        <p:spPr>
+          <a:xfrm>
+            <a:off x="446514" y="473832"/>
+            <a:ext cx="8596668" cy="3880773"/>
+          </a:xfrm>
+        </p:spPr>
+        <p:txBody>
+          <a:bodyPr/>
+          <a:lstStyle/>
+          <a:p>
+            <a:r>
+              <a:rPr lang="en-US" dirty="0" smtClean="0"/>
+              <a:t>Level 2 </a:t>
+            </a:r>
+            <a:r>
+              <a:rPr lang="en-US" dirty="0" err="1" smtClean="0"/>
+              <a:t>dfd</a:t>
+            </a:r>
+            <a:r>
+              <a:rPr lang="en-US" dirty="0" smtClean="0"/>
+              <a:t> for user registration</a:t>
+            </a:r>
+          </a:p>
+          <a:p>
+            <a:endParaRPr lang="en-US" dirty="0"/>
+          </a:p>
+        </p:txBody>
+      </p:sp>
+      <p:pic>
+        <p:nvPicPr>
+          <p:cNvPr id="4" name="Picture 3"/>
+          <p:cNvPicPr/>
+          <p:nvPr/>
+        </p:nvPicPr>
+        <p:blipFill>
+          <a:blip r:embed="rId2">
+            <a:extLst>
+              <a:ext uri="{28A0092B-C50C-407E-A947-70E740481C1C}">
+                <a14:useLocalDpi xmlns:a14="http://schemas.microsoft.com/office/drawing/2010/main" val="0"/>
+              </a:ext>
+            </a:extLst>
+          </a:blip>
+          <a:srcRect/>
+          <a:stretch>
+            <a:fillRect/>
+          </a:stretch>
+        </p:blipFill>
+        <p:spPr bwMode="auto">
+          <a:xfrm>
+            <a:off x="3736340" y="1157288"/>
+            <a:ext cx="4719320" cy="4543425"/>
+          </a:xfrm>
+          <a:prstGeom prst="rect">
+            <a:avLst/>
+          </a:prstGeom>
+          <a:noFill/>
+          <a:ln>
+            <a:noFill/>
+          </a:ln>
+        </p:spPr>
+      </p:pic>
+    </p:spTree>
+    <p:extLst>
+      <p:ext uri="{BB962C8B-B14F-4D97-AF65-F5344CB8AC3E}">
+        <p14:creationId xmlns:p14="http://schemas.microsoft.com/office/powerpoint/2010/main" val="370406090"/>
+      </p:ext>
+    </p:extLst>
+  </p:cSld>
+  <p:clrMapOvr>
+    <a:masterClrMapping/>
+  </p:clrMapOvr>
+</p:sld>
+</file>
+
+<file path=ppt/slides/slide8.xml><?xml version="1.0" encoding="utf-8"?>
+<p:sld xmlns:a="http://schemas.openxmlformats.org/drawingml/2006/main" xmlns:r="http://schemas.openxmlformats.org/officeDocument/2006/relationships" xmlns:p="http://schemas.openxmlformats.org/presentationml/2006/main">
+  <p:cSld>
+    <p:spTree>
+      <p:nvGrpSpPr>
+        <p:cNvPr id="1" name=""/>
+        <p:cNvGrpSpPr/>
+        <p:nvPr/>
+      </p:nvGrpSpPr>
+      <p:grpSpPr>
+        <a:xfrm>
+          <a:off x="0" y="0"/>
+          <a:ext cx="0" cy="0"/>
+          <a:chOff x="0" y="0"/>
+          <a:chExt cx="0" cy="0"/>
+        </a:xfrm>
+      </p:grpSpPr>
+      <p:sp>
+        <p:nvSpPr>
+          <p:cNvPr id="3" name="Content Placeholder 2"/>
+          <p:cNvSpPr>
+            <a:spLocks noGrp="1"/>
+          </p:cNvSpPr>
+          <p:nvPr>
+            <p:ph idx="1"/>
+          </p:nvPr>
+        </p:nvSpPr>
+        <p:spPr>
+          <a:xfrm>
+            <a:off x="357738" y="633630"/>
+            <a:ext cx="8596668" cy="3880773"/>
+          </a:xfrm>
+        </p:spPr>
+        <p:txBody>
+          <a:bodyPr/>
+          <a:lstStyle/>
+          <a:p>
+            <a:r>
+              <a:rPr lang="en-US" dirty="0" smtClean="0"/>
+              <a:t>Level 2 </a:t>
+            </a:r>
+            <a:r>
+              <a:rPr lang="en-US" dirty="0" err="1" smtClean="0"/>
+              <a:t>dfd</a:t>
+            </a:r>
+            <a:r>
+              <a:rPr lang="en-US" dirty="0" smtClean="0"/>
+              <a:t> for user login</a:t>
+            </a:r>
+            <a:endParaRPr lang="en-US" dirty="0"/>
+          </a:p>
+          <a:p>
+            <a:endParaRPr lang="en-US" dirty="0"/>
+          </a:p>
+        </p:txBody>
+      </p:sp>
+      <p:pic>
+        <p:nvPicPr>
+          <p:cNvPr id="4" name="Picture 3"/>
+          <p:cNvPicPr/>
+          <p:nvPr/>
+        </p:nvPicPr>
+        <p:blipFill>
+          <a:blip r:embed="rId2">
+            <a:extLst>
+              <a:ext uri="{28A0092B-C50C-407E-A947-70E740481C1C}">
+                <a14:useLocalDpi xmlns:a14="http://schemas.microsoft.com/office/drawing/2010/main" val="0"/>
+              </a:ext>
+            </a:extLst>
+          </a:blip>
+          <a:srcRect/>
+          <a:stretch>
+            <a:fillRect/>
+          </a:stretch>
+        </p:blipFill>
+        <p:spPr bwMode="auto">
+          <a:xfrm>
+            <a:off x="4384040" y="744220"/>
+            <a:ext cx="3423920" cy="5369560"/>
+          </a:xfrm>
+          <a:prstGeom prst="rect">
+            <a:avLst/>
+          </a:prstGeom>
+          <a:noFill/>
+          <a:ln>
+            <a:noFill/>
+          </a:ln>
+        </p:spPr>
+      </p:pic>
+    </p:spTree>
+    <p:extLst>
+      <p:ext uri="{BB962C8B-B14F-4D97-AF65-F5344CB8AC3E}">
+        <p14:creationId xmlns:p14="http://schemas.microsoft.com/office/powerpoint/2010/main" val="303280833"/>
+      </p:ext>
+    </p:extLst>
+  </p:cSld>
+  <p:clrMapOvr>
+    <a:masterClrMapping/>
+  </p:clrMapOvr>
+</p:sld>
+</file>
+
+<file path=ppt/slides/slide9.xml><?xml version="1.0" encoding="utf-8"?>
+<p:sld xmlns:a="http://schemas.openxmlformats.org/drawingml/2006/main" xmlns:r="http://schemas.openxmlformats.org/officeDocument/2006/relationships" xmlns:p="http://schemas.openxmlformats.org/presentationml/2006/main">
+  <p:cSld>
+    <p:spTree>
+      <p:nvGrpSpPr>
+        <p:cNvPr id="1" name=""/>
+        <p:cNvGrpSpPr/>
+        <p:nvPr/>
+      </p:nvGrpSpPr>
+      <p:grpSpPr>
+        <a:xfrm>
+          <a:off x="0" y="0"/>
+          <a:ext cx="0" cy="0"/>
+          <a:chOff x="0" y="0"/>
+          <a:chExt cx="0" cy="0"/>
+        </a:xfrm>
+      </p:grpSpPr>
+      <p:sp>
+        <p:nvSpPr>
+          <p:cNvPr id="3" name="Content Placeholder 2"/>
+          <p:cNvSpPr>
+            <a:spLocks noGrp="1"/>
+          </p:cNvSpPr>
+          <p:nvPr>
+            <p:ph idx="1"/>
+          </p:nvPr>
+        </p:nvSpPr>
+        <p:spPr>
+          <a:xfrm>
+            <a:off x="357738" y="633630"/>
+            <a:ext cx="8596668" cy="3880773"/>
+          </a:xfrm>
+        </p:spPr>
+        <p:txBody>
+          <a:bodyPr/>
+          <a:lstStyle/>
+          <a:p>
+            <a:r>
+              <a:rPr lang="en-US" dirty="0" smtClean="0"/>
+              <a:t>Level 2 </a:t>
+            </a:r>
+            <a:r>
+              <a:rPr lang="en-US" dirty="0" err="1" smtClean="0"/>
+              <a:t>dfd</a:t>
+            </a:r>
+            <a:r>
+              <a:rPr lang="en-US" dirty="0" smtClean="0"/>
+              <a:t> for Payment</a:t>
+            </a:r>
+          </a:p>
+          <a:p>
+            <a:endParaRPr lang="en-US" dirty="0"/>
+          </a:p>
+        </p:txBody>
+      </p:sp>
+      <p:pic>
+        <p:nvPicPr>
+          <p:cNvPr id="5" name="Picture 4"/>
+          <p:cNvPicPr/>
+          <p:nvPr/>
+        </p:nvPicPr>
+        <p:blipFill>
+          <a:blip r:embed="rId2">
+            <a:extLst>
+              <a:ext uri="{28A0092B-C50C-407E-A947-70E740481C1C}">
+                <a14:useLocalDpi xmlns:a14="http://schemas.microsoft.com/office/drawing/2010/main" val="0"/>
+              </a:ext>
+            </a:extLst>
+          </a:blip>
+          <a:srcRect/>
+          <a:stretch>
+            <a:fillRect/>
+          </a:stretch>
+        </p:blipFill>
+        <p:spPr bwMode="auto">
+          <a:xfrm>
+            <a:off x="2654423" y="1091952"/>
+            <a:ext cx="4956687" cy="5537447"/>
+          </a:xfrm>
+          <a:prstGeom prst="rect">
+            <a:avLst/>
+          </a:prstGeom>
+          <a:noFill/>
+          <a:ln>
+            <a:noFill/>
+          </a:ln>
+        </p:spPr>
+      </p:pic>
+    </p:spTree>
+    <p:extLst>
+      <p:ext uri="{BB962C8B-B14F-4D97-AF65-F5344CB8AC3E}">
+        <p14:creationId xmlns:p14="http://schemas.microsoft.com/office/powerpoint/2010/main" val="3870064528"/>
+      </p:ext>
+    </p:extLst>
+  </p:cSld>
+  <p:clrMapOvr>
+    <a:masterClrMapping/>
+  </p:clrMapOvr>
+</p:sld>
+</file>
+
 <file path=ppt/theme/theme1.xml><?xml version="1.0" encoding="utf-8"?>
-<a:theme xmlns:a="http://schemas.openxmlformats.org/drawingml/2006/main" name="Office Theme">
+<a:theme xmlns:a="http://schemas.openxmlformats.org/drawingml/2006/main" name="Facet">
   <a:themeElements>
-    <a:clrScheme name="Office">
+    <a:clrScheme name="Facet">
       <a:dk1>
         <a:sysClr val="windowText" lastClr="000000"/>
       </a:dk1>
@@ -3030,52 +9012,52 @@
         <a:sysClr val="window" lastClr="FFFFFF"/>
       </a:lt1>
       <a:dk2>
-        <a:srgbClr val="44546A"/>
+        <a:srgbClr val="2C3C43"/>
       </a:dk2>
       <a:lt2>
-        <a:srgbClr val="E7E6E6"/>
+        <a:srgbClr val="EBEBEB"/>
       </a:lt2>
       <a:accent1>
-        <a:srgbClr val="5B9BD5"/>
+        <a:srgbClr val="90C226"/>
       </a:accent1>
       <a:accent2>
-        <a:srgbClr val="ED7D31"/>
+        <a:srgbClr val="54A021"/>
       </a:accent2>
       <a:accent3>
-        <a:srgbClr val="A5A5A5"/>
+        <a:srgbClr val="E6B91E"/>
       </a:accent3>
       <a:accent4>
-        <a:srgbClr val="FFC000"/>
+        <a:srgbClr val="E76618"/>
       </a:accent4>
       <a:accent5>
-        <a:srgbClr val="4472C4"/>
+        <a:srgbClr val="C42F1A"/>
       </a:accent5>
       <a:accent6>
-        <a:srgbClr val="70AD47"/>
+        <a:srgbClr val="918655"/>
       </a:accent6>
       <a:hlink>
-        <a:srgbClr val="0563C1"/>
+        <a:srgbClr val="99CA3C"/>
       </a:hlink>
       <a:folHlink>
-        <a:srgbClr val="954F72"/>
+        <a:srgbClr val="B9D181"/>
       </a:folHlink>
     </a:clrScheme>
-    <a:fontScheme name="Office">
+    <a:fontScheme name="Facet">
       <a:majorFont>
-        <a:latin typeface="Calibri Light" panose="020F0302020204030204"/>
+        <a:latin typeface="Trebuchet MS" panose="020B0603020202020204"/>
         <a:ea typeface=""/>
         <a:cs typeface=""/>
-        <a:font script="Jpan" typeface="游ゴシック Light"/>
+        <a:font script="Jpan" typeface="メイリオ"/>
         <a:font script="Hang" typeface="맑은 고딕"/>
-        <a:font script="Hans" typeface="等线 Light"/>
-        <a:font script="Hant" typeface="新細明體"/>
-        <a:font script="Arab" typeface="Times New Roman"/>
-        <a:font script="Hebr" typeface="Times New Roman"/>
-        <a:font script="Thai" typeface="Angsana New"/>
+        <a:font script="Hans" typeface="方正姚体"/>
+        <a:font script="Hant" typeface="微軟正黑體"/>
+        <a:font script="Arab" typeface="Tahoma"/>
+        <a:font script="Hebr" typeface="Arial"/>
+        <a:font script="Thai" typeface="Cordia New"/>
         <a:font script="Ethi" typeface="Nyala"/>
         <a:font script="Beng" typeface="Vrinda"/>
         <a:font script="Gujr" typeface="Shruti"/>
-        <a:font script="Khmr" typeface="MoolBoran"/>
+        <a:font script="Khmr" typeface="DaunPenh"/>
         <a:font script="Knda" typeface="Tunga"/>
         <a:font script="Guru" typeface="Raavi"/>
         <a:font script="Cans" typeface="Euphemia"/>
@@ -3092,21 +9074,21 @@
         <a:font script="Laoo" typeface="DokChampa"/>
         <a:font script="Sinh" typeface="Iskoola Pota"/>
         <a:font script="Mong" typeface="Mongolian Baiti"/>
-        <a:font script="Viet" typeface="Times New Roman"/>
+        <a:font script="Viet" typeface="Tahoma"/>
         <a:font script="Uigh" typeface="Microsoft Uighur"/>
         <a:font script="Geor" typeface="Sylfaen"/>
       </a:majorFont>
       <a:minorFont>
-        <a:latin typeface="Calibri" panose="020F0502020204030204"/>
+        <a:latin typeface="Trebuchet MS" panose="020B0603020202020204"/>
         <a:ea typeface=""/>
         <a:cs typeface=""/>
-        <a:font script="Jpan" typeface="游ゴシック"/>
-        <a:font script="Hang" typeface="맑은 고딕"/>
-        <a:font script="Hans" typeface="等线"/>
-        <a:font script="Hant" typeface="新細明體"/>
-        <a:font script="Arab" typeface="Arial"/>
-        <a:font script="Hebr" typeface="Arial"/>
-        <a:font script="Thai" typeface="Cordia New"/>
+        <a:font script="Jpan" typeface="メイリオ"/>
+        <a:font script="Hang" typeface="HY그래픽M"/>
+        <a:font script="Hans" typeface="华文新魏"/>
+        <a:font script="Hant" typeface="微軟正黑體"/>
+        <a:font script="Arab" typeface="Tahoma"/>
+        <a:font script="Hebr" typeface="Gisha"/>
+        <a:font script="Thai" typeface="IrisUPC"/>
         <a:font script="Ethi" typeface="Nyala"/>
         <a:font script="Beng" typeface="Vrinda"/>
         <a:font script="Gujr" typeface="Shruti"/>
@@ -3132,7 +9114,7 @@
         <a:font script="Geor" typeface="Sylfaen"/>
       </a:minorFont>
     </a:fontScheme>
-    <a:fmtScheme name="Office">
+    <a:fmtScheme name="Facet">
       <a:fillStyleLst>
         <a:solidFill>
           <a:schemeClr val="phClr"/>
@@ -3141,23 +9123,13 @@
           <a:gsLst>
             <a:gs pos="0">
               <a:schemeClr val="phClr">
+                <a:tint val="65000"/>
                 <a:lumMod val="110000"/>
-                <a:satMod val="105000"/>
-                <a:tint val="67000"/>
               </a:schemeClr>
             </a:gs>
-            <a:gs pos="50000">
+            <a:gs pos="88000">
               <a:schemeClr val="phClr">
-                <a:lumMod val="105000"/>
-                <a:satMod val="103000"/>
-                <a:tint val="73000"/>
-              </a:schemeClr>
-            </a:gs>
-            <a:gs pos="100000">
-              <a:schemeClr val="phClr">
-                <a:lumMod val="105000"/>
-                <a:satMod val="109000"/>
-                <a:tint val="81000"/>
+                <a:tint val="90000"/>
               </a:schemeClr>
             </a:gs>
           </a:gsLst>
@@ -3167,23 +9139,14 @@
           <a:gsLst>
             <a:gs pos="0">
               <a:schemeClr val="phClr">
-                <a:satMod val="103000"/>
-                <a:lumMod val="102000"/>
-                <a:tint val="94000"/>
+                <a:tint val="96000"/>
+                <a:lumMod val="100000"/>
               </a:schemeClr>
             </a:gs>
-            <a:gs pos="50000">
+            <a:gs pos="78000">
               <a:schemeClr val="phClr">
-                <a:satMod val="110000"/>
-                <a:lumMod val="100000"/>
-                <a:shade val="100000"/>
-              </a:schemeClr>
-            </a:gs>
-            <a:gs pos="100000">
-              <a:schemeClr val="phClr">
-                <a:lumMod val="99000"/>
-                <a:satMod val="120000"/>
-                <a:shade val="78000"/>
+                <a:shade val="94000"/>
+                <a:lumMod val="94000"/>
               </a:schemeClr>
             </a:gs>
           </a:gsLst>
@@ -3191,26 +9154,23 @@
         </a:gradFill>
       </a:fillStyleLst>
       <a:lnStyleLst>
-        <a:ln w="6350" cap="flat" cmpd="sng" algn="ctr">
+        <a:ln w="12700" cap="rnd" cmpd="sng" algn="ctr">
           <a:solidFill>
             <a:schemeClr val="phClr"/>
           </a:solidFill>
           <a:prstDash val="solid"/>
-          <a:miter lim="800000"/>
         </a:ln>
-        <a:ln w="12700" cap="flat" cmpd="sng" algn="ctr">
+        <a:ln w="19050" cap="rnd" cmpd="sng" algn="ctr">
           <a:solidFill>
             <a:schemeClr val="phClr"/>
           </a:solidFill>
           <a:prstDash val="solid"/>
-          <a:miter lim="800000"/>
         </a:ln>
-        <a:ln w="19050" cap="flat" cmpd="sng" algn="ctr">
+        <a:ln w="25400" cap="rnd" cmpd="sng" algn="ctr">
           <a:solidFill>
             <a:schemeClr val="phClr"/>
           </a:solidFill>
           <a:prstDash val="solid"/>
-          <a:miter lim="800000"/>
         </a:ln>
       </a:lnStyleLst>
       <a:effectStyleLst>
@@ -3218,54 +9178,72 @@
           <a:effectLst/>
         </a:effectStyle>
         <a:effectStyle>
-          <a:effectLst/>
+          <a:effectLst>
+            <a:outerShdw blurRad="38100" dist="25400" dir="5400000" rotWithShape="0">
+              <a:srgbClr val="000000">
+                <a:alpha val="35000"/>
+              </a:srgbClr>
+            </a:outerShdw>
+          </a:effectLst>
         </a:effectStyle>
         <a:effectStyle>
           <a:effectLst>
-            <a:outerShdw blurRad="57150" dist="19050" dir="5400000" algn="ctr" rotWithShape="0">
+            <a:outerShdw blurRad="50800" dist="38100" dir="5400000" rotWithShape="0">
               <a:srgbClr val="000000">
-                <a:alpha val="63000"/>
+                <a:alpha val="35000"/>
               </a:srgbClr>
             </a:outerShdw>
           </a:effectLst>
+          <a:scene3d>
+            <a:camera prst="orthographicFront">
+              <a:rot lat="0" lon="0" rev="0"/>
+            </a:camera>
+            <a:lightRig rig="threePt" dir="tl"/>
+          </a:scene3d>
+          <a:sp3d prstMaterial="plastic">
+            <a:bevelT w="0" h="0"/>
+          </a:sp3d>
         </a:effectStyle>
       </a:effectStyleLst>
       <a:bgFillStyleLst>
         <a:solidFill>
           <a:schemeClr val="phClr"/>
         </a:solidFill>
-        <a:solidFill>
-          <a:schemeClr val="phClr">
-            <a:tint val="95000"/>
-            <a:satMod val="170000"/>
-          </a:schemeClr>
-        </a:solidFill>
         <a:gradFill rotWithShape="1">
           <a:gsLst>
             <a:gs pos="0">
               <a:schemeClr val="phClr">
-                <a:tint val="93000"/>
-                <a:satMod val="150000"/>
-                <a:shade val="98000"/>
-                <a:lumMod val="102000"/>
+                <a:tint val="90000"/>
+                <a:lumMod val="104000"/>
               </a:schemeClr>
             </a:gs>
-            <a:gs pos="50000">
+            <a:gs pos="94000">
               <a:schemeClr val="phClr">
-                <a:tint val="98000"/>
-                <a:satMod val="130000"/>
-                <a:shade val="90000"/>
-                <a:lumMod val="103000"/>
+                <a:shade val="96000"/>
+                <a:lumMod val="82000"/>
+              </a:schemeClr>
+            </a:gs>
+          </a:gsLst>
+          <a:lin ang="5400000" scaled="0"/>
+        </a:gradFill>
+        <a:gradFill rotWithShape="1">
+          <a:gsLst>
+            <a:gs pos="0">
+              <a:schemeClr val="phClr">
+                <a:tint val="90000"/>
+                <a:lumMod val="110000"/>
               </a:schemeClr>
             </a:gs>
             <a:gs pos="100000">
               <a:schemeClr val="phClr">
-                <a:shade val="63000"/>
-                <a:satMod val="120000"/>
+                <a:shade val="94000"/>
+                <a:lumMod val="96000"/>
               </a:schemeClr>
             </a:gs>
           </a:gsLst>
-          <a:lin ang="5400000" scaled="0"/>
+          <a:path path="circle">
+            <a:fillToRect l="50000" t="50000" r="100000" b="100000"/>
+          </a:path>
         </a:gradFill>
       </a:bgFillStyleLst>
     </a:fmtScheme>
@@ -3274,7 +9252,7 @@
   <a:extraClrSchemeLst/>
   <a:extLst>
     <a:ext uri="{05A4C25C-085E-4340-85A3-A5531E510DB2}">
-      <thm15:themeFamily xmlns:thm15="http://schemas.microsoft.com/office/thememl/2012/main" name="Office Theme" id="{62F939B6-93AF-4DB8-9C6B-D6C7DFDC589F}" vid="{4A3C46E8-61CC-4603-A589-7422A47A8E4A}"/>
+      <thm15:themeFamily xmlns:thm15="http://schemas.microsoft.com/office/thememl/2012/main" name="Facet" id="{C0C680CD-088A-49FC-A102-D699147F32B2}" vid="{CFBC31BA-B70F-4F30-BCAA-4F3011E16C4D}"/>
     </a:ext>
   </a:extLst>
 </a:theme>
